--- a/Java_2021/Deploying to Amazon Cloud. AWS EC2/Deploying to Amazon Cloud. AWS EC2.pptx
+++ b/Java_2021/Deploying to Amazon Cloud. AWS EC2/Deploying to Amazon Cloud. AWS EC2.pptx
@@ -5,7 +5,7 @@
     <p:sldMasterId id="2147483672" r:id="rId1"/>
   </p:sldMasterIdLst>
   <p:notesMasterIdLst>
-    <p:notesMasterId r:id="rId20"/>
+    <p:notesMasterId r:id="rId22"/>
   </p:notesMasterIdLst>
   <p:sldIdLst>
     <p:sldId id="471" r:id="rId2"/>
@@ -25,7 +25,9 @@
     <p:sldId id="489" r:id="rId16"/>
     <p:sldId id="490" r:id="rId17"/>
     <p:sldId id="491" r:id="rId18"/>
-    <p:sldId id="472" r:id="rId19"/>
+    <p:sldId id="492" r:id="rId19"/>
+    <p:sldId id="493" r:id="rId20"/>
+    <p:sldId id="472" r:id="rId21"/>
   </p:sldIdLst>
   <p:sldSz cx="12192000" cy="6858000"/>
   <p:notesSz cx="6858000" cy="9144000"/>
@@ -239,7 +241,7 @@
           <a:p>
             <a:fld id="{62274EC6-3890-417B-9308-14EFBD00FA63}" type="datetimeFigureOut">
               <a:rPr lang="en-US" smtClean="0"/>
-              <a:t>4/12/2022</a:t>
+              <a:t>4/13/2022</a:t>
             </a:fld>
             <a:endParaRPr lang="en-US" dirty="0"/>
           </a:p>
@@ -1386,7 +1388,96 @@
     </p:spTree>
     <p:extLst>
       <p:ext uri="{BB962C8B-B14F-4D97-AF65-F5344CB8AC3E}">
-        <p14:creationId xmlns:p14="http://schemas.microsoft.com/office/powerpoint/2010/main" val="4137454117"/>
+        <p14:creationId xmlns:p14="http://schemas.microsoft.com/office/powerpoint/2010/main" val="606732311"/>
+      </p:ext>
+    </p:extLst>
+  </p:cSld>
+  <p:clrMapOvr>
+    <a:masterClrMapping/>
+  </p:clrMapOvr>
+</p:notes>
+</file>
+
+<file path=ppt/notesSlides/notesSlide19.xml><?xml version="1.0" encoding="utf-8"?>
+<p:notes xmlns:a="http://schemas.openxmlformats.org/drawingml/2006/main" xmlns:r="http://schemas.openxmlformats.org/officeDocument/2006/relationships" xmlns:p="http://schemas.openxmlformats.org/presentationml/2006/main">
+  <p:cSld>
+    <p:spTree>
+      <p:nvGrpSpPr>
+        <p:cNvPr id="1" name=""/>
+        <p:cNvGrpSpPr/>
+        <p:nvPr/>
+      </p:nvGrpSpPr>
+      <p:grpSpPr>
+        <a:xfrm>
+          <a:off x="0" y="0"/>
+          <a:ext cx="0" cy="0"/>
+          <a:chOff x="0" y="0"/>
+          <a:chExt cx="0" cy="0"/>
+        </a:xfrm>
+      </p:grpSpPr>
+      <p:sp>
+        <p:nvSpPr>
+          <p:cNvPr id="2" name="Slide Image Placeholder 1"/>
+          <p:cNvSpPr>
+            <a:spLocks noGrp="1" noRot="1" noChangeAspect="1"/>
+          </p:cNvSpPr>
+          <p:nvPr>
+            <p:ph type="sldImg"/>
+          </p:nvPr>
+        </p:nvSpPr>
+        <p:spPr>
+          <a:xfrm>
+            <a:off x="381000" y="685800"/>
+            <a:ext cx="6096000" cy="3429000"/>
+          </a:xfrm>
+        </p:spPr>
+      </p:sp>
+      <p:sp>
+        <p:nvSpPr>
+          <p:cNvPr id="3" name="Notes Placeholder 2"/>
+          <p:cNvSpPr>
+            <a:spLocks noGrp="1"/>
+          </p:cNvSpPr>
+          <p:nvPr>
+            <p:ph type="body" idx="1"/>
+          </p:nvPr>
+        </p:nvSpPr>
+        <p:spPr/>
+        <p:txBody>
+          <a:bodyPr/>
+          <a:lstStyle/>
+          <a:p>
+            <a:endParaRPr lang="en-US" dirty="0"/>
+          </a:p>
+        </p:txBody>
+      </p:sp>
+      <p:sp>
+        <p:nvSpPr>
+          <p:cNvPr id="4" name="Slide Number Placeholder 3"/>
+          <p:cNvSpPr>
+            <a:spLocks noGrp="1"/>
+          </p:cNvSpPr>
+          <p:nvPr>
+            <p:ph type="sldNum" sz="quarter" idx="10"/>
+          </p:nvPr>
+        </p:nvSpPr>
+        <p:spPr/>
+        <p:txBody>
+          <a:bodyPr/>
+          <a:lstStyle/>
+          <a:p>
+            <a:fld id="{A883C400-BD9D-4609-A213-F91E9750031E}" type="slidenum">
+              <a:rPr lang="en-US" smtClean="0"/>
+              <a:t>19</a:t>
+            </a:fld>
+            <a:endParaRPr lang="en-US" dirty="0"/>
+          </a:p>
+        </p:txBody>
+      </p:sp>
+    </p:spTree>
+    <p:extLst>
+      <p:ext uri="{BB962C8B-B14F-4D97-AF65-F5344CB8AC3E}">
+        <p14:creationId xmlns:p14="http://schemas.microsoft.com/office/powerpoint/2010/main" val="2221326091"/>
       </p:ext>
     </p:extLst>
   </p:cSld>
@@ -1476,6 +1567,95 @@
     <p:extLst>
       <p:ext uri="{BB962C8B-B14F-4D97-AF65-F5344CB8AC3E}">
         <p14:creationId xmlns:p14="http://schemas.microsoft.com/office/powerpoint/2010/main" val="3055827646"/>
+      </p:ext>
+    </p:extLst>
+  </p:cSld>
+  <p:clrMapOvr>
+    <a:masterClrMapping/>
+  </p:clrMapOvr>
+</p:notes>
+</file>
+
+<file path=ppt/notesSlides/notesSlide20.xml><?xml version="1.0" encoding="utf-8"?>
+<p:notes xmlns:a="http://schemas.openxmlformats.org/drawingml/2006/main" xmlns:r="http://schemas.openxmlformats.org/officeDocument/2006/relationships" xmlns:p="http://schemas.openxmlformats.org/presentationml/2006/main">
+  <p:cSld>
+    <p:spTree>
+      <p:nvGrpSpPr>
+        <p:cNvPr id="1" name=""/>
+        <p:cNvGrpSpPr/>
+        <p:nvPr/>
+      </p:nvGrpSpPr>
+      <p:grpSpPr>
+        <a:xfrm>
+          <a:off x="0" y="0"/>
+          <a:ext cx="0" cy="0"/>
+          <a:chOff x="0" y="0"/>
+          <a:chExt cx="0" cy="0"/>
+        </a:xfrm>
+      </p:grpSpPr>
+      <p:sp>
+        <p:nvSpPr>
+          <p:cNvPr id="2" name="Slide Image Placeholder 1"/>
+          <p:cNvSpPr>
+            <a:spLocks noGrp="1" noRot="1" noChangeAspect="1"/>
+          </p:cNvSpPr>
+          <p:nvPr>
+            <p:ph type="sldImg"/>
+          </p:nvPr>
+        </p:nvSpPr>
+        <p:spPr>
+          <a:xfrm>
+            <a:off x="381000" y="685800"/>
+            <a:ext cx="6096000" cy="3429000"/>
+          </a:xfrm>
+        </p:spPr>
+      </p:sp>
+      <p:sp>
+        <p:nvSpPr>
+          <p:cNvPr id="3" name="Notes Placeholder 2"/>
+          <p:cNvSpPr>
+            <a:spLocks noGrp="1"/>
+          </p:cNvSpPr>
+          <p:nvPr>
+            <p:ph type="body" idx="1"/>
+          </p:nvPr>
+        </p:nvSpPr>
+        <p:spPr/>
+        <p:txBody>
+          <a:bodyPr/>
+          <a:lstStyle/>
+          <a:p>
+            <a:endParaRPr lang="en-US" dirty="0"/>
+          </a:p>
+        </p:txBody>
+      </p:sp>
+      <p:sp>
+        <p:nvSpPr>
+          <p:cNvPr id="4" name="Slide Number Placeholder 3"/>
+          <p:cNvSpPr>
+            <a:spLocks noGrp="1"/>
+          </p:cNvSpPr>
+          <p:nvPr>
+            <p:ph type="sldNum" sz="quarter" idx="10"/>
+          </p:nvPr>
+        </p:nvSpPr>
+        <p:spPr/>
+        <p:txBody>
+          <a:bodyPr/>
+          <a:lstStyle/>
+          <a:p>
+            <a:fld id="{A883C400-BD9D-4609-A213-F91E9750031E}" type="slidenum">
+              <a:rPr lang="en-US" smtClean="0"/>
+              <a:t>20</a:t>
+            </a:fld>
+            <a:endParaRPr lang="en-US" dirty="0"/>
+          </a:p>
+        </p:txBody>
+      </p:sp>
+    </p:spTree>
+    <p:extLst>
+      <p:ext uri="{BB962C8B-B14F-4D97-AF65-F5344CB8AC3E}">
+        <p14:creationId xmlns:p14="http://schemas.microsoft.com/office/powerpoint/2010/main" val="4137454117"/>
       </p:ext>
     </p:extLst>
   </p:cSld>
@@ -2288,7 +2468,7 @@
             <a:fld id="{1D8BD707-D9CF-40AE-B4C6-C98DA3205C09}" type="datetimeFigureOut">
               <a:rPr lang="en-US" smtClean="0"/>
               <a:pPr/>
-              <a:t>4/12/2022</a:t>
+              <a:t>4/13/2022</a:t>
             </a:fld>
             <a:endParaRPr lang="en-US" dirty="0"/>
           </a:p>
@@ -2466,7 +2646,7 @@
             <a:fld id="{1D8BD707-D9CF-40AE-B4C6-C98DA3205C09}" type="datetimeFigureOut">
               <a:rPr lang="en-US" smtClean="0"/>
               <a:pPr/>
-              <a:t>4/12/2022</a:t>
+              <a:t>4/13/2022</a:t>
             </a:fld>
             <a:endParaRPr lang="en-US" dirty="0"/>
           </a:p>
@@ -2654,7 +2834,7 @@
             <a:fld id="{1D8BD707-D9CF-40AE-B4C6-C98DA3205C09}" type="datetimeFigureOut">
               <a:rPr lang="en-US" smtClean="0"/>
               <a:pPr/>
-              <a:t>4/12/2022</a:t>
+              <a:t>4/13/2022</a:t>
             </a:fld>
             <a:endParaRPr lang="en-US" dirty="0"/>
           </a:p>
@@ -2832,7 +3012,7 @@
             <a:fld id="{1D8BD707-D9CF-40AE-B4C6-C98DA3205C09}" type="datetimeFigureOut">
               <a:rPr lang="en-US" smtClean="0"/>
               <a:pPr/>
-              <a:t>4/12/2022</a:t>
+              <a:t>4/13/2022</a:t>
             </a:fld>
             <a:endParaRPr lang="en-US" dirty="0"/>
           </a:p>
@@ -3087,7 +3267,7 @@
             <a:fld id="{1D8BD707-D9CF-40AE-B4C6-C98DA3205C09}" type="datetimeFigureOut">
               <a:rPr lang="en-US" smtClean="0"/>
               <a:pPr/>
-              <a:t>4/12/2022</a:t>
+              <a:t>4/13/2022</a:t>
             </a:fld>
             <a:endParaRPr lang="en-US" dirty="0"/>
           </a:p>
@@ -3382,7 +3562,7 @@
             <a:fld id="{1D8BD707-D9CF-40AE-B4C6-C98DA3205C09}" type="datetimeFigureOut">
               <a:rPr lang="en-US" smtClean="0"/>
               <a:pPr/>
-              <a:t>4/12/2022</a:t>
+              <a:t>4/13/2022</a:t>
             </a:fld>
             <a:endParaRPr lang="en-US" dirty="0"/>
           </a:p>
@@ -3816,7 +3996,7 @@
             <a:fld id="{1D8BD707-D9CF-40AE-B4C6-C98DA3205C09}" type="datetimeFigureOut">
               <a:rPr lang="en-US" smtClean="0"/>
               <a:pPr/>
-              <a:t>4/12/2022</a:t>
+              <a:t>4/13/2022</a:t>
             </a:fld>
             <a:endParaRPr lang="en-US" dirty="0"/>
           </a:p>
@@ -3943,7 +4123,7 @@
             <a:fld id="{1D8BD707-D9CF-40AE-B4C6-C98DA3205C09}" type="datetimeFigureOut">
               <a:rPr lang="en-US" smtClean="0"/>
               <a:pPr/>
-              <a:t>4/12/2022</a:t>
+              <a:t>4/13/2022</a:t>
             </a:fld>
             <a:endParaRPr lang="en-US" dirty="0"/>
           </a:p>
@@ -4048,7 +4228,7 @@
             <a:fld id="{1D8BD707-D9CF-40AE-B4C6-C98DA3205C09}" type="datetimeFigureOut">
               <a:rPr lang="en-US" smtClean="0"/>
               <a:pPr/>
-              <a:t>4/12/2022</a:t>
+              <a:t>4/13/2022</a:t>
             </a:fld>
             <a:endParaRPr lang="en-US" dirty="0"/>
           </a:p>
@@ -4333,7 +4513,7 @@
             <a:fld id="{1D8BD707-D9CF-40AE-B4C6-C98DA3205C09}" type="datetimeFigureOut">
               <a:rPr lang="en-US" smtClean="0"/>
               <a:pPr/>
-              <a:t>4/12/2022</a:t>
+              <a:t>4/13/2022</a:t>
             </a:fld>
             <a:endParaRPr lang="en-US" dirty="0"/>
           </a:p>
@@ -4595,7 +4775,7 @@
             <a:fld id="{1D8BD707-D9CF-40AE-B4C6-C98DA3205C09}" type="datetimeFigureOut">
               <a:rPr lang="en-US" smtClean="0"/>
               <a:pPr/>
-              <a:t>4/12/2022</a:t>
+              <a:t>4/13/2022</a:t>
             </a:fld>
             <a:endParaRPr lang="en-US" dirty="0"/>
           </a:p>
@@ -4816,7 +4996,7 @@
             <a:fld id="{1D8BD707-D9CF-40AE-B4C6-C98DA3205C09}" type="datetimeFigureOut">
               <a:rPr lang="en-US" smtClean="0"/>
               <a:pPr/>
-              <a:t>4/12/2022</a:t>
+              <a:t>4/13/2022</a:t>
             </a:fld>
             <a:endParaRPr lang="en-US" dirty="0"/>
           </a:p>
@@ -9800,7 +9980,7 @@
         <p:spPr>
           <a:xfrm>
             <a:off x="3222948" y="39135"/>
-            <a:ext cx="5768652" cy="400110"/>
+            <a:ext cx="6835452" cy="707886"/>
           </a:xfrm>
           <a:prstGeom prst="rect">
             <a:avLst/>
@@ -9923,17 +10103,17 @@
             <a:pPr algn="ctr"/>
             <a:r>
               <a:rPr lang="en-US" sz="2000" dirty="0"/>
-              <a:t>Spring Boot - Deploying to Amazon Cloud. AWS EC2</a:t>
-            </a:r>
-          </a:p>
-        </p:txBody>
-      </p:sp>
-      <p:sp>
-        <p:nvSpPr>
-          <p:cNvPr id="4" name="Rectangle 3">
+              <a:t>How do I stop PuTTY inactive? | How do you fix PuTTY inactive? | How to keep SSH connections alive?</a:t>
+            </a:r>
+          </a:p>
+        </p:txBody>
+      </p:sp>
+      <p:sp>
+        <p:nvSpPr>
+          <p:cNvPr id="7" name="Rectangle 6">
             <a:extLst>
               <a:ext uri="{FF2B5EF4-FFF2-40B4-BE49-F238E27FC236}">
-                <a16:creationId xmlns:a16="http://schemas.microsoft.com/office/drawing/2014/main" id="{D77B9781-D75E-4E55-9E2D-07EDF11ACBF0}"/>
+                <a16:creationId xmlns:a16="http://schemas.microsoft.com/office/drawing/2014/main" id="{22D3A0CE-6CDE-482A-8BC4-39D79F03532C}"/>
               </a:ext>
             </a:extLst>
           </p:cNvPr>
@@ -9942,48 +10122,188 @@
         </p:nvSpPr>
         <p:spPr>
           <a:xfrm>
-            <a:off x="3048000" y="2816333"/>
-            <a:ext cx="6096000" cy="2358338"/>
+            <a:off x="227314" y="2438400"/>
+            <a:ext cx="11788452" cy="1200329"/>
           </a:xfrm>
           <a:prstGeom prst="rect">
             <a:avLst/>
           </a:prstGeom>
-        </p:spPr>
-        <p:txBody>
-          <a:bodyPr>
+          <a:ln w="3175">
+            <a:solidFill>
+              <a:schemeClr val="tx1"/>
+            </a:solidFill>
+          </a:ln>
+        </p:spPr>
+        <p:style>
+          <a:lnRef idx="2">
+            <a:schemeClr val="accent4"/>
+          </a:lnRef>
+          <a:fillRef idx="1">
+            <a:schemeClr val="lt1"/>
+          </a:fillRef>
+          <a:effectRef idx="0">
+            <a:schemeClr val="accent4"/>
+          </a:effectRef>
+          <a:fontRef idx="minor">
+            <a:schemeClr val="dk1"/>
+          </a:fontRef>
+        </p:style>
+        <p:txBody>
+          <a:bodyPr wrap="square">
             <a:spAutoFit/>
           </a:bodyPr>
           <a:lstStyle/>
           <a:p>
             <a:r>
-              <a:rPr lang="en-US" dirty="0"/>
-              <a:t>Putty keep alive</a:t>
-            </a:r>
-          </a:p>
-          <a:p>
-            <a:endParaRPr lang="en-US" dirty="0"/>
-          </a:p>
-          <a:p>
-            <a:r>
-              <a:rPr lang="en-US" dirty="0"/>
-              <a:t>Connect DB run on ec2 workbench and </a:t>
-            </a:r>
-            <a:r>
-              <a:rPr lang="en-US" dirty="0" err="1"/>
-              <a:t>sqlyog</a:t>
-            </a:r>
-            <a:r>
-              <a:rPr lang="en-US" dirty="0"/>
-              <a:t>?</a:t>
-            </a:r>
-          </a:p>
-          <a:p>
-            <a:endParaRPr lang="en-US" dirty="0"/>
-          </a:p>
-          <a:p>
-            <a:r>
-              <a:rPr lang="en-US" dirty="0"/>
-              <a:t>Tomcat yum install?</a:t>
+              <a:rPr lang="en-US" sz="1800" b="1" dirty="0">
+                <a:solidFill>
+                  <a:srgbClr val="292929"/>
+                </a:solidFill>
+                <a:latin typeface="medium-content-sans-serif-font"/>
+              </a:rPr>
+              <a:t>Why is my PuTTY inactive?</a:t>
+            </a:r>
+          </a:p>
+          <a:p>
+            <a:r>
+              <a:rPr lang="en-US" sz="1800" dirty="0">
+                <a:latin typeface="medium-content-serif-font"/>
+              </a:rPr>
+              <a:t>                  </a:t>
+            </a:r>
+          </a:p>
+          <a:p>
+            <a:r>
+              <a:rPr lang="en-US" sz="1800" dirty="0">
+                <a:latin typeface="medium-content-serif-font"/>
+              </a:rPr>
+              <a:t>             When you cannot type anything in your </a:t>
+            </a:r>
+            <a:r>
+              <a:rPr lang="en-US" sz="1800" dirty="0">
+                <a:solidFill>
+                  <a:srgbClr val="FF0000"/>
+                </a:solidFill>
+                <a:latin typeface="medium-content-serif-font"/>
+              </a:rPr>
+              <a:t>PuTTY</a:t>
+            </a:r>
+            <a:r>
+              <a:rPr lang="en-US" sz="1800" dirty="0">
+                <a:latin typeface="medium-content-serif-font"/>
+              </a:rPr>
+              <a:t> window and you see "(</a:t>
+            </a:r>
+            <a:r>
+              <a:rPr lang="en-US" sz="1800" dirty="0">
+                <a:solidFill>
+                  <a:srgbClr val="FF0000"/>
+                </a:solidFill>
+                <a:latin typeface="medium-content-serif-font"/>
+              </a:rPr>
+              <a:t>inactive</a:t>
+            </a:r>
+            <a:r>
+              <a:rPr lang="en-US" sz="1800" dirty="0">
+                <a:latin typeface="medium-content-serif-font"/>
+              </a:rPr>
+              <a:t>)" in your PuTTY window's title bar, it means that your connection is </a:t>
+            </a:r>
+            <a:r>
+              <a:rPr lang="en-US" sz="1800" dirty="0">
+                <a:solidFill>
+                  <a:srgbClr val="FF0000"/>
+                </a:solidFill>
+                <a:latin typeface="medium-content-serif-font"/>
+              </a:rPr>
+              <a:t>inactive</a:t>
+            </a:r>
+            <a:r>
+              <a:rPr lang="en-US" sz="1800" dirty="0">
+                <a:latin typeface="medium-content-serif-font"/>
+              </a:rPr>
+              <a:t> (has been dropped by the server). </a:t>
+            </a:r>
+            <a:endParaRPr lang="en-US" sz="1800" b="0" i="0" dirty="0">
+              <a:effectLst/>
+              <a:latin typeface="medium-content-serif-font"/>
+            </a:endParaRPr>
+          </a:p>
+        </p:txBody>
+      </p:sp>
+      <p:sp>
+        <p:nvSpPr>
+          <p:cNvPr id="8" name="Rectangle 7">
+            <a:extLst>
+              <a:ext uri="{FF2B5EF4-FFF2-40B4-BE49-F238E27FC236}">
+                <a16:creationId xmlns:a16="http://schemas.microsoft.com/office/drawing/2014/main" id="{7C8A0907-F14C-4242-994A-137357D29C2A}"/>
+              </a:ext>
+            </a:extLst>
+          </p:cNvPr>
+          <p:cNvSpPr/>
+          <p:nvPr/>
+        </p:nvSpPr>
+        <p:spPr>
+          <a:xfrm>
+            <a:off x="227314" y="3834844"/>
+            <a:ext cx="11788452" cy="1292662"/>
+          </a:xfrm>
+          <a:prstGeom prst="rect">
+            <a:avLst/>
+          </a:prstGeom>
+          <a:ln w="3175">
+            <a:solidFill>
+              <a:schemeClr val="tx1"/>
+            </a:solidFill>
+          </a:ln>
+        </p:spPr>
+        <p:txBody>
+          <a:bodyPr wrap="square">
+            <a:spAutoFit/>
+          </a:bodyPr>
+          <a:lstStyle/>
+          <a:p>
+            <a:r>
+              <a:rPr lang="en-US" sz="1800" b="1" dirty="0">
+                <a:solidFill>
+                  <a:srgbClr val="292929"/>
+                </a:solidFill>
+                <a:latin typeface="medium-content-sans-serif-font"/>
+              </a:rPr>
+              <a:t>How do you fix inactive PuTTY?</a:t>
+            </a:r>
+          </a:p>
+          <a:p>
+            <a:endParaRPr lang="en-US" sz="2000" dirty="0"/>
+          </a:p>
+          <a:p>
+            <a:r>
+              <a:rPr lang="en-US" sz="2000" dirty="0"/>
+              <a:t>               If you go to your putty </a:t>
+            </a:r>
+            <a:r>
+              <a:rPr lang="en-US" sz="2000" dirty="0">
+                <a:solidFill>
+                  <a:srgbClr val="FF0000"/>
+                </a:solidFill>
+              </a:rPr>
+              <a:t>settings -&gt; Connection </a:t>
+            </a:r>
+            <a:r>
+              <a:rPr lang="en-US" sz="2000" dirty="0"/>
+              <a:t>and set the value of </a:t>
+            </a:r>
+            <a:r>
+              <a:rPr lang="en-US" sz="2000" dirty="0">
+                <a:solidFill>
+                  <a:srgbClr val="FF0000"/>
+                </a:solidFill>
+              </a:rPr>
+              <a:t>"Seconds between keepalives" to 30 seconds</a:t>
+            </a:r>
+            <a:r>
+              <a:rPr lang="en-US" sz="2000" dirty="0"/>
+              <a:t> this should solve your problem.</a:t>
             </a:r>
           </a:p>
         </p:txBody>
@@ -9991,7 +10311,343 @@
     </p:spTree>
     <p:extLst>
       <p:ext uri="{BB962C8B-B14F-4D97-AF65-F5344CB8AC3E}">
-        <p14:creationId xmlns:p14="http://schemas.microsoft.com/office/powerpoint/2010/main" val="1683088280"/>
+        <p14:creationId xmlns:p14="http://schemas.microsoft.com/office/powerpoint/2010/main" val="2320123985"/>
+      </p:ext>
+    </p:extLst>
+  </p:cSld>
+  <p:clrMapOvr>
+    <a:masterClrMapping/>
+  </p:clrMapOvr>
+  <mc:AlternateContent xmlns:mc="http://schemas.openxmlformats.org/markup-compatibility/2006" xmlns:p14="http://schemas.microsoft.com/office/powerpoint/2010/main">
+    <mc:Choice Requires="p14">
+      <p:transition p14:dur="0" advClick="0"/>
+    </mc:Choice>
+    <mc:Fallback xmlns="">
+      <p:transition advClick="0"/>
+    </mc:Fallback>
+  </mc:AlternateContent>
+</p:sld>
+</file>
+
+<file path=ppt/slides/slide19.xml><?xml version="1.0" encoding="utf-8"?>
+<p:sld xmlns:a="http://schemas.openxmlformats.org/drawingml/2006/main" xmlns:r="http://schemas.openxmlformats.org/officeDocument/2006/relationships" xmlns:p="http://schemas.openxmlformats.org/presentationml/2006/main">
+  <p:cSld>
+    <p:spTree>
+      <p:nvGrpSpPr>
+        <p:cNvPr id="1" name=""/>
+        <p:cNvGrpSpPr/>
+        <p:nvPr/>
+      </p:nvGrpSpPr>
+      <p:grpSpPr>
+        <a:xfrm>
+          <a:off x="0" y="0"/>
+          <a:ext cx="0" cy="0"/>
+          <a:chOff x="0" y="0"/>
+          <a:chExt cx="0" cy="0"/>
+        </a:xfrm>
+      </p:grpSpPr>
+      <p:sp>
+        <p:nvSpPr>
+          <p:cNvPr id="3" name="AutoShape 2" descr="data:image/png;base64,iVBORw0KGgoAAAANSUhEUgAAANEAAADxCAMAAABiSKLrAAAAbFBMVEWIiIj////6+vr29vb19fX4+Pj5+fnu7u77+/v39/f9/f3z8/P+/v709PT8/Pyqqqrt7e3v7+/w8PDx8fHy8vK+vr7Q0NCjo6OBgYHY2Njk5OTHx8eNjY3c3NzGxsbn5+eWlpa1tbWcnJx6enob4+f+AAAIqklEQVR4nO3dCZuaOhQGYEZAh0FkX2W1//8/lkVMICeIkRmOPHz22lYg5OVEZLFzJRNrnC+xSGt3nJvQekMUYktnEiM1ouDrjCs/pukLkzoRtpjmNRcloRUFoiS8oo5UvLwsYpEgCaXoHLYiMRJqkRAJt0iEhFwkQMIqCgJRElpRLErCL3r1oxavSJSEWCRIQikyOtGQNPd8CaXICc04FiXhFomQkIsESChFbmhmwiT0opf3eBivMzSjLuORnh49oKxRKxIloayR24oESShFRScSI6EUJaGZCJNwiwhp/skFcpFAlbCLXiehF71MQisSJiEVVYkwqRP9oEpXI1HSXXRuWjo/2jz3f3v8YfjS7871lbU1EiT1IjrAKrvX/2iurzisijkk8OQC5ah7iERIyEUCJOyi10noRU9J490DUpFPRAApniJhFVnzSaOdOF6RKAmlKGhFgiTMohdIyYeIhEh30aV99E9NLo8VXLqn++Q/mIuIREid6DJsv32s91Ityi1hEtJRl5+ESX2NMKUR2ZYoCbNIjIRV5FiiJIyicx7mriVEKnCKfvxadBIloRQ1NTqJkcICpcgPr7rjOPYJZnFNbZVwikw/YHNlXmDi4xW9kU70jSnNqOu/xL4R0aWg3yNMgNHWp0I66i7Dy5PsdXFuApw1Eg8RndfuykLZa4Q/512EPrsIfzYtOmwje43wh4h+1u7KQvm5bk601wh9NlijXYQ+uwh/HqLrZkTXh+h4PDQP8lQ/PvAlSrT2xl0oRHQ5biOXXYQ+uwh/dhH+7CL82bRI3Ua2XKPvtTfuQvneReizi/BnF+HPLsKfTYu0bYQWsd5PfImIDmtv3IVy2EXos4vwZxfhzy7CH0okbyO7CH+2/D46rr1xF8pxF6HPLsKfXYQ/uwh/KJGyjWxatPZwWShEpK69cReKuovQZxfhzy7Cn12EP0SkGduItmHRzFF3P3r63ZHzTl4YdYqsHg/e/YdF2e7xcFRVrba109gMFp2evGhmjzpFVZLcvJVpl7K8hWaVB1liNVNdJh7VZ4Wd7P4aaa5I866lFEnDRHWksC5eVgtH8VWy8PHGTE5V/rr+QqSocTnm9CpTM+SMmRhVVJcPKbPYv5VFcs7x1F3P1eeikl1sXZHGB0lRLH+eSI75ICk6KZ8nctkOkaQN+cNEWjBRIimU0YpkHY4hmxOgqNIMHRaRJo6giLO+dyM/F1nsvpfqWVAv92Eihe0u3bNE+TgR/FkURfWhUHPMIBsguh6N0yKNs7o/EGkVIEpj+XA8fltJ0GzqDxMdQwBka+2gqQ/p9FYkpaNIiEXuje3OddQfg738rFCTcYmME9sdKXntbY1MBOy802JrotJ6bSUiInLia7y2+aZEbXuyxXbn5vXXGQazDs+6xUWGoql2kXU/DDrOssLWNFmZ65oQufeflwvU6PHDdO8ki/0xu/Rb7RVRvZNJgupW7y3bU+T6JLnej97MPLNUhbPIbJEV9U2y/eknHds5lfhfNMo/sb23oRX5LQXWGUmpGdtz3nxEpOiep7eP+5MFUEZJj+0SCnsCVX/CkrZUQFRvQG+8RkNOzHTi5LL0rW6x8YL0bwolGtdolqir0fQxAyQCNrdsVczFmdFS6fXp+4kSecPMEqntrAYkkklTYI288frkYKI+j+XCYtzRUdCIdMV/7mkWTDNmY6AU6bo5C9QknqwSEpFuzAdJUjZFQiJSoFMWfhIDu0ievDjD5ubquEV6AjVet3krU3B/Hvn8cYdDBJxUSlKVaJqmWvENMiXcImEQKcCYi26W1nZaN9SAXXFkcos0JZpxXLeICDpLDnVSBDkDusAtEhGN72p5J78LcMbn9+nudemgiDSlASLF66cC20NKbZ3qCnAnIfKp9gcxiIjVPj8/8mbVCBY9VsNes42C4YgBrgyUJ06NpkRdCuD8yB418pYIOkl2hyuQ2SOkKOMMO4M76vrBB4sG84Cjjrr5Cooeo4TdLwyGbLsC4IKgD93dHY66lUQye7gQxfqgfdcDhr7JeSOtLoL2dOn4KEdX2E+s0hp24j3RaUERsPnLLBmlYPceaYJVBB0Bja85p8ANn3rXgFX02kEqaSGAeywoGs7zjghYdqYoxyp68USCtMDZfX+wqHomav53fkBcWDSYx4NEBpkuAyLj3oSwSDIVsMM6ETVAp/3V/KG2tP/xRPRccI1IW7Comyr8PupE9052bbW/0yLHpX/1T1wRmQuskULa4oqcd/Z1pjLu6li0zqgDP49m5fmo+2NR3z50zFBYczLsBB6Rxx6y8Q5wRoE7LCaylhM5BnTs7cGdmZP1RZzdygeLXOjW9fg94jYXUnjjbBHRcJ5nImVKBA67fFgkL/HzIE4KRW7vM0/i/kQ0WSPHg75KldHdqc+h7pfZ0jKs/GuDM3hvNSLizSEqoroE1Yia7ELf00kIWS/o09z+EmLA6bC3hMh9TwRskDq51x47e4Zzhc73Qt64wyByPOjmUVT6cZZkcQV+0zxNflX05qgD36tSe3MilcCr1FLEe9sPRDYYjmgwD1wjMl1hm4h0ugF43PETVd6wB3RbKES2Pu+2cr9waHFBWESO+8JtyxrkckFYRDa8dxAAoRHNH3hRNTHkUIlsY9Z3TqR6LzcFokScSsKi4TzPRMYske0VT78XJJkJZ8uTzojV6FdEtmNkE9/diqLUzJTpAtmzalQyF6FvI5ETA9+OpraQwTYhwRvQMYqryX6sNn8vq8AynnqoGuXuCY7N/vMR3R7N47DzePR04J+gjJt4rM7V3SzwzbC8FzYtb2Z1jQtDd3nLDOLmD1E9v90++qfT4Lfh5N+cq/508shXb5st6Ll1cWa2RYu2EUo0p6QfkF2EP7sIf3YR/hCRs3ZXFoqzYdEGR92su1D4Q486yzq1D/L0iS85W67R2l1ZKLsIfzYs4l05+bg8rpxU/lZS3UXbyvZE/wFXu+LXNTDaDQAAAABJRU5ErkJggg=="/>
+          <p:cNvSpPr>
+            <a:spLocks noChangeAspect="1" noChangeArrowheads="1"/>
+          </p:cNvSpPr>
+          <p:nvPr/>
+        </p:nvSpPr>
+        <p:spPr bwMode="auto">
+          <a:xfrm>
+            <a:off x="207436" y="-116412"/>
+            <a:ext cx="406400" cy="406402"/>
+          </a:xfrm>
+          <a:prstGeom prst="rect">
+            <a:avLst/>
+          </a:prstGeom>
+          <a:noFill/>
+          <a:extLst>
+            <a:ext uri="{909E8E84-426E-40DD-AFC4-6F175D3DCCD1}">
+              <a14:hiddenFill xmlns:a14="http://schemas.microsoft.com/office/drawing/2010/main">
+                <a:solidFill>
+                  <a:srgbClr val="FFFFFF"/>
+                </a:solidFill>
+              </a14:hiddenFill>
+            </a:ext>
+          </a:extLst>
+        </p:spPr>
+        <p:txBody>
+          <a:bodyPr vert="horz" wrap="square" lIns="121920" tIns="60960" rIns="121920" bIns="60960" numCol="1" anchor="t" anchorCtr="0" compatLnSpc="1">
+            <a:prstTxWarp prst="textNoShape">
+              <a:avLst/>
+            </a:prstTxWarp>
+          </a:bodyPr>
+          <a:lstStyle/>
+          <a:p>
+            <a:endParaRPr lang="en-US" sz="1600" dirty="0"/>
+          </a:p>
+        </p:txBody>
+      </p:sp>
+      <p:sp>
+        <p:nvSpPr>
+          <p:cNvPr id="2" name="AutoShape 2" descr="Image result for file"/>
+          <p:cNvSpPr>
+            <a:spLocks noChangeAspect="1" noChangeArrowheads="1"/>
+          </p:cNvSpPr>
+          <p:nvPr/>
+        </p:nvSpPr>
+        <p:spPr bwMode="auto">
+          <a:xfrm>
+            <a:off x="410635" y="86789"/>
+            <a:ext cx="406400" cy="406402"/>
+          </a:xfrm>
+          <a:prstGeom prst="rect">
+            <a:avLst/>
+          </a:prstGeom>
+          <a:noFill/>
+          <a:extLst>
+            <a:ext uri="{909E8E84-426E-40DD-AFC4-6F175D3DCCD1}">
+              <a14:hiddenFill xmlns:a14="http://schemas.microsoft.com/office/drawing/2010/main">
+                <a:solidFill>
+                  <a:srgbClr val="FFFFFF"/>
+                </a:solidFill>
+              </a14:hiddenFill>
+            </a:ext>
+          </a:extLst>
+        </p:spPr>
+        <p:txBody>
+          <a:bodyPr vert="horz" wrap="square" lIns="121920" tIns="60960" rIns="121920" bIns="60960" numCol="1" anchor="t" anchorCtr="0" compatLnSpc="1">
+            <a:prstTxWarp prst="textNoShape">
+              <a:avLst/>
+            </a:prstTxWarp>
+          </a:bodyPr>
+          <a:lstStyle/>
+          <a:p>
+            <a:endParaRPr lang="en-US" sz="2400" dirty="0"/>
+          </a:p>
+        </p:txBody>
+      </p:sp>
+      <p:sp>
+        <p:nvSpPr>
+          <p:cNvPr id="6" name="AutoShape 2" descr="Image result for activemq image"/>
+          <p:cNvSpPr>
+            <a:spLocks noChangeAspect="1" noChangeArrowheads="1"/>
+          </p:cNvSpPr>
+          <p:nvPr/>
+        </p:nvSpPr>
+        <p:spPr bwMode="auto">
+          <a:xfrm>
+            <a:off x="613835" y="289988"/>
+            <a:ext cx="406400" cy="406402"/>
+          </a:xfrm>
+          <a:prstGeom prst="rect">
+            <a:avLst/>
+          </a:prstGeom>
+          <a:noFill/>
+          <a:extLst>
+            <a:ext uri="{909E8E84-426E-40DD-AFC4-6F175D3DCCD1}">
+              <a14:hiddenFill xmlns:a14="http://schemas.microsoft.com/office/drawing/2010/main">
+                <a:solidFill>
+                  <a:srgbClr val="FFFFFF"/>
+                </a:solidFill>
+              </a14:hiddenFill>
+            </a:ext>
+          </a:extLst>
+        </p:spPr>
+        <p:txBody>
+          <a:bodyPr vert="horz" wrap="square" lIns="121920" tIns="60960" rIns="121920" bIns="60960" numCol="1" anchor="t" anchorCtr="0" compatLnSpc="1">
+            <a:prstTxWarp prst="textNoShape">
+              <a:avLst/>
+            </a:prstTxWarp>
+          </a:bodyPr>
+          <a:lstStyle/>
+          <a:p>
+            <a:endParaRPr lang="en-US" sz="2400" dirty="0"/>
+          </a:p>
+        </p:txBody>
+      </p:sp>
+      <p:sp>
+        <p:nvSpPr>
+          <p:cNvPr id="14" name="Rectangle 13"/>
+          <p:cNvSpPr/>
+          <p:nvPr/>
+        </p:nvSpPr>
+        <p:spPr>
+          <a:xfrm>
+            <a:off x="3222948" y="39135"/>
+            <a:ext cx="6835452" cy="707886"/>
+          </a:xfrm>
+          <a:prstGeom prst="rect">
+            <a:avLst/>
+          </a:prstGeom>
+        </p:spPr>
+        <p:style>
+          <a:lnRef idx="1">
+            <a:schemeClr val="accent4"/>
+          </a:lnRef>
+          <a:fillRef idx="3">
+            <a:schemeClr val="accent4"/>
+          </a:fillRef>
+          <a:effectRef idx="2">
+            <a:schemeClr val="accent4"/>
+          </a:effectRef>
+          <a:fontRef idx="minor">
+            <a:schemeClr val="lt1"/>
+          </a:fontRef>
+        </p:style>
+        <p:txBody>
+          <a:bodyPr wrap="square">
+            <a:spAutoFit/>
+          </a:bodyPr>
+          <a:lstStyle>
+            <a:defPPr>
+              <a:defRPr lang="en-US"/>
+            </a:defPPr>
+            <a:lvl1pPr marL="0" algn="l" defTabSz="914400" rtl="0" eaLnBrk="1" latinLnBrk="0" hangingPunct="1">
+              <a:defRPr sz="1800" kern="1200">
+                <a:solidFill>
+                  <a:schemeClr val="lt1"/>
+                </a:solidFill>
+                <a:latin typeface="+mn-lt"/>
+                <a:ea typeface="+mn-ea"/>
+                <a:cs typeface="+mn-cs"/>
+              </a:defRPr>
+            </a:lvl1pPr>
+            <a:lvl2pPr marL="457200" algn="l" defTabSz="914400" rtl="0" eaLnBrk="1" latinLnBrk="0" hangingPunct="1">
+              <a:defRPr sz="1800" kern="1200">
+                <a:solidFill>
+                  <a:schemeClr val="lt1"/>
+                </a:solidFill>
+                <a:latin typeface="+mn-lt"/>
+                <a:ea typeface="+mn-ea"/>
+                <a:cs typeface="+mn-cs"/>
+              </a:defRPr>
+            </a:lvl2pPr>
+            <a:lvl3pPr marL="914400" algn="l" defTabSz="914400" rtl="0" eaLnBrk="1" latinLnBrk="0" hangingPunct="1">
+              <a:defRPr sz="1800" kern="1200">
+                <a:solidFill>
+                  <a:schemeClr val="lt1"/>
+                </a:solidFill>
+                <a:latin typeface="+mn-lt"/>
+                <a:ea typeface="+mn-ea"/>
+                <a:cs typeface="+mn-cs"/>
+              </a:defRPr>
+            </a:lvl3pPr>
+            <a:lvl4pPr marL="1371600" algn="l" defTabSz="914400" rtl="0" eaLnBrk="1" latinLnBrk="0" hangingPunct="1">
+              <a:defRPr sz="1800" kern="1200">
+                <a:solidFill>
+                  <a:schemeClr val="lt1"/>
+                </a:solidFill>
+                <a:latin typeface="+mn-lt"/>
+                <a:ea typeface="+mn-ea"/>
+                <a:cs typeface="+mn-cs"/>
+              </a:defRPr>
+            </a:lvl4pPr>
+            <a:lvl5pPr marL="1828800" algn="l" defTabSz="914400" rtl="0" eaLnBrk="1" latinLnBrk="0" hangingPunct="1">
+              <a:defRPr sz="1800" kern="1200">
+                <a:solidFill>
+                  <a:schemeClr val="lt1"/>
+                </a:solidFill>
+                <a:latin typeface="+mn-lt"/>
+                <a:ea typeface="+mn-ea"/>
+                <a:cs typeface="+mn-cs"/>
+              </a:defRPr>
+            </a:lvl5pPr>
+            <a:lvl6pPr marL="2286000" algn="l" defTabSz="914400" rtl="0" eaLnBrk="1" latinLnBrk="0" hangingPunct="1">
+              <a:defRPr sz="1800" kern="1200">
+                <a:solidFill>
+                  <a:schemeClr val="lt1"/>
+                </a:solidFill>
+                <a:latin typeface="+mn-lt"/>
+                <a:ea typeface="+mn-ea"/>
+                <a:cs typeface="+mn-cs"/>
+              </a:defRPr>
+            </a:lvl6pPr>
+            <a:lvl7pPr marL="2743200" algn="l" defTabSz="914400" rtl="0" eaLnBrk="1" latinLnBrk="0" hangingPunct="1">
+              <a:defRPr sz="1800" kern="1200">
+                <a:solidFill>
+                  <a:schemeClr val="lt1"/>
+                </a:solidFill>
+                <a:latin typeface="+mn-lt"/>
+                <a:ea typeface="+mn-ea"/>
+                <a:cs typeface="+mn-cs"/>
+              </a:defRPr>
+            </a:lvl7pPr>
+            <a:lvl8pPr marL="3200400" algn="l" defTabSz="914400" rtl="0" eaLnBrk="1" latinLnBrk="0" hangingPunct="1">
+              <a:defRPr sz="1800" kern="1200">
+                <a:solidFill>
+                  <a:schemeClr val="lt1"/>
+                </a:solidFill>
+                <a:latin typeface="+mn-lt"/>
+                <a:ea typeface="+mn-ea"/>
+                <a:cs typeface="+mn-cs"/>
+              </a:defRPr>
+            </a:lvl8pPr>
+            <a:lvl9pPr marL="3657600" algn="l" defTabSz="914400" rtl="0" eaLnBrk="1" latinLnBrk="0" hangingPunct="1">
+              <a:defRPr sz="1800" kern="1200">
+                <a:solidFill>
+                  <a:schemeClr val="lt1"/>
+                </a:solidFill>
+                <a:latin typeface="+mn-lt"/>
+                <a:ea typeface="+mn-ea"/>
+                <a:cs typeface="+mn-cs"/>
+              </a:defRPr>
+            </a:lvl9pPr>
+          </a:lstStyle>
+          <a:p>
+            <a:pPr algn="ctr"/>
+            <a:r>
+              <a:rPr lang="en-US" sz="2000" dirty="0"/>
+              <a:t>How do I stop PuTTY inactive? | How do you fix PuTTY inactive? | How to keep SSH connections alive?</a:t>
+            </a:r>
+          </a:p>
+        </p:txBody>
+      </p:sp>
+      <p:pic>
+        <p:nvPicPr>
+          <p:cNvPr id="9" name="Picture 8">
+            <a:extLst>
+              <a:ext uri="{FF2B5EF4-FFF2-40B4-BE49-F238E27FC236}">
+                <a16:creationId xmlns:a16="http://schemas.microsoft.com/office/drawing/2014/main" id="{4B7DC4F7-927C-4C56-90FB-B5B311FB69EA}"/>
+              </a:ext>
+            </a:extLst>
+          </p:cNvPr>
+          <p:cNvPicPr>
+            <a:picLocks noChangeAspect="1"/>
+          </p:cNvPicPr>
+          <p:nvPr/>
+        </p:nvPicPr>
+        <p:blipFill>
+          <a:blip r:embed="rId3"/>
+          <a:stretch>
+            <a:fillRect/>
+          </a:stretch>
+        </p:blipFill>
+        <p:spPr>
+          <a:xfrm>
+            <a:off x="817035" y="990600"/>
+            <a:ext cx="10384365" cy="5617471"/>
+          </a:xfrm>
+          <a:prstGeom prst="rect">
+            <a:avLst/>
+          </a:prstGeom>
+        </p:spPr>
+        <p:style>
+          <a:lnRef idx="1">
+            <a:schemeClr val="accent2"/>
+          </a:lnRef>
+          <a:fillRef idx="3">
+            <a:schemeClr val="accent2"/>
+          </a:fillRef>
+          <a:effectRef idx="2">
+            <a:schemeClr val="accent2"/>
+          </a:effectRef>
+          <a:fontRef idx="minor">
+            <a:schemeClr val="lt1"/>
+          </a:fontRef>
+        </p:style>
+      </p:pic>
+    </p:spTree>
+    <p:extLst>
+      <p:ext uri="{BB962C8B-B14F-4D97-AF65-F5344CB8AC3E}">
+        <p14:creationId xmlns:p14="http://schemas.microsoft.com/office/powerpoint/2010/main" val="320622260"/>
       </p:ext>
     </p:extLst>
   </p:cSld>
@@ -10376,6 +11032,380 @@
     <p:extLst>
       <p:ext uri="{BB962C8B-B14F-4D97-AF65-F5344CB8AC3E}">
         <p14:creationId xmlns:p14="http://schemas.microsoft.com/office/powerpoint/2010/main" val="814912263"/>
+      </p:ext>
+    </p:extLst>
+  </p:cSld>
+  <p:clrMapOvr>
+    <a:masterClrMapping/>
+  </p:clrMapOvr>
+  <mc:AlternateContent xmlns:mc="http://schemas.openxmlformats.org/markup-compatibility/2006" xmlns:p14="http://schemas.microsoft.com/office/powerpoint/2010/main">
+    <mc:Choice Requires="p14">
+      <p:transition p14:dur="0" advClick="0"/>
+    </mc:Choice>
+    <mc:Fallback xmlns="">
+      <p:transition advClick="0"/>
+    </mc:Fallback>
+  </mc:AlternateContent>
+</p:sld>
+</file>
+
+<file path=ppt/slides/slide20.xml><?xml version="1.0" encoding="utf-8"?>
+<p:sld xmlns:a="http://schemas.openxmlformats.org/drawingml/2006/main" xmlns:r="http://schemas.openxmlformats.org/officeDocument/2006/relationships" xmlns:p="http://schemas.openxmlformats.org/presentationml/2006/main">
+  <p:cSld>
+    <p:spTree>
+      <p:nvGrpSpPr>
+        <p:cNvPr id="1" name=""/>
+        <p:cNvGrpSpPr/>
+        <p:nvPr/>
+      </p:nvGrpSpPr>
+      <p:grpSpPr>
+        <a:xfrm>
+          <a:off x="0" y="0"/>
+          <a:ext cx="0" cy="0"/>
+          <a:chOff x="0" y="0"/>
+          <a:chExt cx="0" cy="0"/>
+        </a:xfrm>
+      </p:grpSpPr>
+      <p:sp>
+        <p:nvSpPr>
+          <p:cNvPr id="3" name="AutoShape 2" descr="data:image/png;base64,iVBORw0KGgoAAAANSUhEUgAAANEAAADxCAMAAABiSKLrAAAAbFBMVEWIiIj////6+vr29vb19fX4+Pj5+fnu7u77+/v39/f9/f3z8/P+/v709PT8/Pyqqqrt7e3v7+/w8PDx8fHy8vK+vr7Q0NCjo6OBgYHY2Njk5OTHx8eNjY3c3NzGxsbn5+eWlpa1tbWcnJx6enob4+f+AAAIqklEQVR4nO3dCZuaOhQGYEZAh0FkX2W1//8/lkVMICeIkRmOPHz22lYg5OVEZLFzJRNrnC+xSGt3nJvQekMUYktnEiM1ouDrjCs/pukLkzoRtpjmNRcloRUFoiS8oo5UvLwsYpEgCaXoHLYiMRJqkRAJt0iEhFwkQMIqCgJRElpRLErCL3r1oxavSJSEWCRIQikyOtGQNPd8CaXICc04FiXhFomQkIsESChFbmhmwiT0opf3eBivMzSjLuORnh49oKxRKxIloayR24oESShFRScSI6EUJaGZCJNwiwhp/skFcpFAlbCLXiehF71MQisSJiEVVYkwqRP9oEpXI1HSXXRuWjo/2jz3f3v8YfjS7871lbU1EiT1IjrAKrvX/2iurzisijkk8OQC5ah7iERIyEUCJOyi10noRU9J490DUpFPRAApniJhFVnzSaOdOF6RKAmlKGhFgiTMohdIyYeIhEh30aV99E9NLo8VXLqn++Q/mIuIREid6DJsv32s91Ityi1hEtJRl5+ESX2NMKUR2ZYoCbNIjIRV5FiiJIyicx7mriVEKnCKfvxadBIloRQ1NTqJkcICpcgPr7rjOPYJZnFNbZVwikw/YHNlXmDi4xW9kU70jSnNqOu/xL4R0aWg3yNMgNHWp0I66i7Dy5PsdXFuApw1Eg8RndfuykLZa4Q/512EPrsIfzYtOmwje43wh4h+1u7KQvm5bk601wh9NlijXYQ+uwh/HqLrZkTXh+h4PDQP8lQ/PvAlSrT2xl0oRHQ5biOXXYQ+uwh/dhH+7CL82bRI3Ua2XKPvtTfuQvneReizi/BnF+HPLsKfTYu0bYQWsd5PfImIDmtv3IVy2EXos4vwZxfhzy7CH0okbyO7CH+2/D46rr1xF8pxF6HPLsKfXYQ/uwh/KJGyjWxatPZwWShEpK69cReKuovQZxfhzy7Cn12EP0SkGduItmHRzFF3P3r63ZHzTl4YdYqsHg/e/YdF2e7xcFRVrba109gMFp2evGhmjzpFVZLcvJVpl7K8hWaVB1liNVNdJh7VZ4Wd7P4aaa5I866lFEnDRHWksC5eVgtH8VWy8PHGTE5V/rr+QqSocTnm9CpTM+SMmRhVVJcPKbPYv5VFcs7x1F3P1eeikl1sXZHGB0lRLH+eSI75ICk6KZ8nctkOkaQN+cNEWjBRIimU0YpkHY4hmxOgqNIMHRaRJo6giLO+dyM/F1nsvpfqWVAv92Eihe0u3bNE+TgR/FkURfWhUHPMIBsguh6N0yKNs7o/EGkVIEpj+XA8fltJ0GzqDxMdQwBka+2gqQ/p9FYkpaNIiEXuje3OddQfg738rFCTcYmME9sdKXntbY1MBOy802JrotJ6bSUiInLia7y2+aZEbXuyxXbn5vXXGQazDs+6xUWGoql2kXU/DDrOssLWNFmZ65oQufeflwvU6PHDdO8ki/0xu/Rb7RVRvZNJgupW7y3bU+T6JLnej97MPLNUhbPIbJEV9U2y/eknHds5lfhfNMo/sb23oRX5LQXWGUmpGdtz3nxEpOiep7eP+5MFUEZJj+0SCnsCVX/CkrZUQFRvQG+8RkNOzHTi5LL0rW6x8YL0bwolGtdolqir0fQxAyQCNrdsVczFmdFS6fXp+4kSecPMEqntrAYkkklTYI288frkYKI+j+XCYtzRUdCIdMV/7mkWTDNmY6AU6bo5C9QknqwSEpFuzAdJUjZFQiJSoFMWfhIDu0ievDjD5ubquEV6AjVet3krU3B/Hvn8cYdDBJxUSlKVaJqmWvENMiXcImEQKcCYi26W1nZaN9SAXXFkcos0JZpxXLeICDpLDnVSBDkDusAtEhGN72p5J78LcMbn9+nudemgiDSlASLF66cC20NKbZ3qCnAnIfKp9gcxiIjVPj8/8mbVCBY9VsNes42C4YgBrgyUJ06NpkRdCuD8yB418pYIOkl2hyuQ2SOkKOMMO4M76vrBB4sG84Cjjrr5Cooeo4TdLwyGbLsC4IKgD93dHY66lUQye7gQxfqgfdcDhr7JeSOtLoL2dOn4KEdX2E+s0hp24j3RaUERsPnLLBmlYPceaYJVBB0Bja85p8ANn3rXgFX02kEqaSGAeywoGs7zjghYdqYoxyp68USCtMDZfX+wqHomav53fkBcWDSYx4NEBpkuAyLj3oSwSDIVsMM6ETVAp/3V/KG2tP/xRPRccI1IW7Comyr8PupE9052bbW/0yLHpX/1T1wRmQuskULa4oqcd/Z1pjLu6li0zqgDP49m5fmo+2NR3z50zFBYczLsBB6Rxx6y8Q5wRoE7LCaylhM5BnTs7cGdmZP1RZzdygeLXOjW9fg94jYXUnjjbBHRcJ5nImVKBA67fFgkL/HzIE4KRW7vM0/i/kQ0WSPHg75KldHdqc+h7pfZ0jKs/GuDM3hvNSLizSEqoroE1Yia7ELf00kIWS/o09z+EmLA6bC3hMh9TwRskDq51x47e4Zzhc73Qt64wyByPOjmUVT6cZZkcQV+0zxNflX05qgD36tSe3MilcCr1FLEe9sPRDYYjmgwD1wjMl1hm4h0ugF43PETVd6wB3RbKES2Pu+2cr9waHFBWESO+8JtyxrkckFYRDa8dxAAoRHNH3hRNTHkUIlsY9Z3TqR6LzcFokScSsKi4TzPRMYske0VT78XJJkJZ8uTzojV6FdEtmNkE9/diqLUzJTpAtmzalQyF6FvI5ETA9+OpraQwTYhwRvQMYqryX6sNn8vq8AynnqoGuXuCY7N/vMR3R7N47DzePR04J+gjJt4rM7V3SzwzbC8FzYtb2Z1jQtDd3nLDOLmD1E9v90++qfT4Lfh5N+cq/508shXb5st6Ll1cWa2RYu2EUo0p6QfkF2EP7sIf3YR/hCRs3ZXFoqzYdEGR92su1D4Q486yzq1D/L0iS85W67R2l1ZKLsIfzYs4l05+bg8rpxU/lZS3UXbyvZE/wFXu+LXNTDaDQAAAABJRU5ErkJggg=="/>
+          <p:cNvSpPr>
+            <a:spLocks noChangeAspect="1" noChangeArrowheads="1"/>
+          </p:cNvSpPr>
+          <p:nvPr/>
+        </p:nvSpPr>
+        <p:spPr bwMode="auto">
+          <a:xfrm>
+            <a:off x="207436" y="-116412"/>
+            <a:ext cx="406400" cy="406402"/>
+          </a:xfrm>
+          <a:prstGeom prst="rect">
+            <a:avLst/>
+          </a:prstGeom>
+          <a:noFill/>
+          <a:extLst>
+            <a:ext uri="{909E8E84-426E-40DD-AFC4-6F175D3DCCD1}">
+              <a14:hiddenFill xmlns:a14="http://schemas.microsoft.com/office/drawing/2010/main">
+                <a:solidFill>
+                  <a:srgbClr val="FFFFFF"/>
+                </a:solidFill>
+              </a14:hiddenFill>
+            </a:ext>
+          </a:extLst>
+        </p:spPr>
+        <p:txBody>
+          <a:bodyPr vert="horz" wrap="square" lIns="121920" tIns="60960" rIns="121920" bIns="60960" numCol="1" anchor="t" anchorCtr="0" compatLnSpc="1">
+            <a:prstTxWarp prst="textNoShape">
+              <a:avLst/>
+            </a:prstTxWarp>
+          </a:bodyPr>
+          <a:lstStyle/>
+          <a:p>
+            <a:endParaRPr lang="en-US" sz="1600" dirty="0"/>
+          </a:p>
+        </p:txBody>
+      </p:sp>
+      <p:sp>
+        <p:nvSpPr>
+          <p:cNvPr id="2" name="AutoShape 2" descr="Image result for file"/>
+          <p:cNvSpPr>
+            <a:spLocks noChangeAspect="1" noChangeArrowheads="1"/>
+          </p:cNvSpPr>
+          <p:nvPr/>
+        </p:nvSpPr>
+        <p:spPr bwMode="auto">
+          <a:xfrm>
+            <a:off x="410635" y="86789"/>
+            <a:ext cx="406400" cy="406402"/>
+          </a:xfrm>
+          <a:prstGeom prst="rect">
+            <a:avLst/>
+          </a:prstGeom>
+          <a:noFill/>
+          <a:extLst>
+            <a:ext uri="{909E8E84-426E-40DD-AFC4-6F175D3DCCD1}">
+              <a14:hiddenFill xmlns:a14="http://schemas.microsoft.com/office/drawing/2010/main">
+                <a:solidFill>
+                  <a:srgbClr val="FFFFFF"/>
+                </a:solidFill>
+              </a14:hiddenFill>
+            </a:ext>
+          </a:extLst>
+        </p:spPr>
+        <p:txBody>
+          <a:bodyPr vert="horz" wrap="square" lIns="121920" tIns="60960" rIns="121920" bIns="60960" numCol="1" anchor="t" anchorCtr="0" compatLnSpc="1">
+            <a:prstTxWarp prst="textNoShape">
+              <a:avLst/>
+            </a:prstTxWarp>
+          </a:bodyPr>
+          <a:lstStyle/>
+          <a:p>
+            <a:endParaRPr lang="en-US" sz="2400" dirty="0"/>
+          </a:p>
+        </p:txBody>
+      </p:sp>
+      <p:sp>
+        <p:nvSpPr>
+          <p:cNvPr id="6" name="AutoShape 2" descr="Image result for activemq image"/>
+          <p:cNvSpPr>
+            <a:spLocks noChangeAspect="1" noChangeArrowheads="1"/>
+          </p:cNvSpPr>
+          <p:nvPr/>
+        </p:nvSpPr>
+        <p:spPr bwMode="auto">
+          <a:xfrm>
+            <a:off x="613835" y="289988"/>
+            <a:ext cx="406400" cy="406402"/>
+          </a:xfrm>
+          <a:prstGeom prst="rect">
+            <a:avLst/>
+          </a:prstGeom>
+          <a:noFill/>
+          <a:extLst>
+            <a:ext uri="{909E8E84-426E-40DD-AFC4-6F175D3DCCD1}">
+              <a14:hiddenFill xmlns:a14="http://schemas.microsoft.com/office/drawing/2010/main">
+                <a:solidFill>
+                  <a:srgbClr val="FFFFFF"/>
+                </a:solidFill>
+              </a14:hiddenFill>
+            </a:ext>
+          </a:extLst>
+        </p:spPr>
+        <p:txBody>
+          <a:bodyPr vert="horz" wrap="square" lIns="121920" tIns="60960" rIns="121920" bIns="60960" numCol="1" anchor="t" anchorCtr="0" compatLnSpc="1">
+            <a:prstTxWarp prst="textNoShape">
+              <a:avLst/>
+            </a:prstTxWarp>
+          </a:bodyPr>
+          <a:lstStyle/>
+          <a:p>
+            <a:endParaRPr lang="en-US" sz="2400" dirty="0"/>
+          </a:p>
+        </p:txBody>
+      </p:sp>
+      <p:sp>
+        <p:nvSpPr>
+          <p:cNvPr id="14" name="Rectangle 13"/>
+          <p:cNvSpPr/>
+          <p:nvPr/>
+        </p:nvSpPr>
+        <p:spPr>
+          <a:xfrm>
+            <a:off x="3222948" y="39135"/>
+            <a:ext cx="5768652" cy="400110"/>
+          </a:xfrm>
+          <a:prstGeom prst="rect">
+            <a:avLst/>
+          </a:prstGeom>
+        </p:spPr>
+        <p:style>
+          <a:lnRef idx="1">
+            <a:schemeClr val="accent4"/>
+          </a:lnRef>
+          <a:fillRef idx="3">
+            <a:schemeClr val="accent4"/>
+          </a:fillRef>
+          <a:effectRef idx="2">
+            <a:schemeClr val="accent4"/>
+          </a:effectRef>
+          <a:fontRef idx="minor">
+            <a:schemeClr val="lt1"/>
+          </a:fontRef>
+        </p:style>
+        <p:txBody>
+          <a:bodyPr wrap="square">
+            <a:spAutoFit/>
+          </a:bodyPr>
+          <a:lstStyle>
+            <a:defPPr>
+              <a:defRPr lang="en-US"/>
+            </a:defPPr>
+            <a:lvl1pPr marL="0" algn="l" defTabSz="914400" rtl="0" eaLnBrk="1" latinLnBrk="0" hangingPunct="1">
+              <a:defRPr sz="1800" kern="1200">
+                <a:solidFill>
+                  <a:schemeClr val="lt1"/>
+                </a:solidFill>
+                <a:latin typeface="+mn-lt"/>
+                <a:ea typeface="+mn-ea"/>
+                <a:cs typeface="+mn-cs"/>
+              </a:defRPr>
+            </a:lvl1pPr>
+            <a:lvl2pPr marL="457200" algn="l" defTabSz="914400" rtl="0" eaLnBrk="1" latinLnBrk="0" hangingPunct="1">
+              <a:defRPr sz="1800" kern="1200">
+                <a:solidFill>
+                  <a:schemeClr val="lt1"/>
+                </a:solidFill>
+                <a:latin typeface="+mn-lt"/>
+                <a:ea typeface="+mn-ea"/>
+                <a:cs typeface="+mn-cs"/>
+              </a:defRPr>
+            </a:lvl2pPr>
+            <a:lvl3pPr marL="914400" algn="l" defTabSz="914400" rtl="0" eaLnBrk="1" latinLnBrk="0" hangingPunct="1">
+              <a:defRPr sz="1800" kern="1200">
+                <a:solidFill>
+                  <a:schemeClr val="lt1"/>
+                </a:solidFill>
+                <a:latin typeface="+mn-lt"/>
+                <a:ea typeface="+mn-ea"/>
+                <a:cs typeface="+mn-cs"/>
+              </a:defRPr>
+            </a:lvl3pPr>
+            <a:lvl4pPr marL="1371600" algn="l" defTabSz="914400" rtl="0" eaLnBrk="1" latinLnBrk="0" hangingPunct="1">
+              <a:defRPr sz="1800" kern="1200">
+                <a:solidFill>
+                  <a:schemeClr val="lt1"/>
+                </a:solidFill>
+                <a:latin typeface="+mn-lt"/>
+                <a:ea typeface="+mn-ea"/>
+                <a:cs typeface="+mn-cs"/>
+              </a:defRPr>
+            </a:lvl4pPr>
+            <a:lvl5pPr marL="1828800" algn="l" defTabSz="914400" rtl="0" eaLnBrk="1" latinLnBrk="0" hangingPunct="1">
+              <a:defRPr sz="1800" kern="1200">
+                <a:solidFill>
+                  <a:schemeClr val="lt1"/>
+                </a:solidFill>
+                <a:latin typeface="+mn-lt"/>
+                <a:ea typeface="+mn-ea"/>
+                <a:cs typeface="+mn-cs"/>
+              </a:defRPr>
+            </a:lvl5pPr>
+            <a:lvl6pPr marL="2286000" algn="l" defTabSz="914400" rtl="0" eaLnBrk="1" latinLnBrk="0" hangingPunct="1">
+              <a:defRPr sz="1800" kern="1200">
+                <a:solidFill>
+                  <a:schemeClr val="lt1"/>
+                </a:solidFill>
+                <a:latin typeface="+mn-lt"/>
+                <a:ea typeface="+mn-ea"/>
+                <a:cs typeface="+mn-cs"/>
+              </a:defRPr>
+            </a:lvl6pPr>
+            <a:lvl7pPr marL="2743200" algn="l" defTabSz="914400" rtl="0" eaLnBrk="1" latinLnBrk="0" hangingPunct="1">
+              <a:defRPr sz="1800" kern="1200">
+                <a:solidFill>
+                  <a:schemeClr val="lt1"/>
+                </a:solidFill>
+                <a:latin typeface="+mn-lt"/>
+                <a:ea typeface="+mn-ea"/>
+                <a:cs typeface="+mn-cs"/>
+              </a:defRPr>
+            </a:lvl7pPr>
+            <a:lvl8pPr marL="3200400" algn="l" defTabSz="914400" rtl="0" eaLnBrk="1" latinLnBrk="0" hangingPunct="1">
+              <a:defRPr sz="1800" kern="1200">
+                <a:solidFill>
+                  <a:schemeClr val="lt1"/>
+                </a:solidFill>
+                <a:latin typeface="+mn-lt"/>
+                <a:ea typeface="+mn-ea"/>
+                <a:cs typeface="+mn-cs"/>
+              </a:defRPr>
+            </a:lvl8pPr>
+            <a:lvl9pPr marL="3657600" algn="l" defTabSz="914400" rtl="0" eaLnBrk="1" latinLnBrk="0" hangingPunct="1">
+              <a:defRPr sz="1800" kern="1200">
+                <a:solidFill>
+                  <a:schemeClr val="lt1"/>
+                </a:solidFill>
+                <a:latin typeface="+mn-lt"/>
+                <a:ea typeface="+mn-ea"/>
+                <a:cs typeface="+mn-cs"/>
+              </a:defRPr>
+            </a:lvl9pPr>
+          </a:lstStyle>
+          <a:p>
+            <a:pPr algn="ctr"/>
+            <a:r>
+              <a:rPr lang="en-US" sz="2000" dirty="0"/>
+              <a:t>Spring Boot - Deploying to Amazon Cloud. AWS EC2</a:t>
+            </a:r>
+          </a:p>
+        </p:txBody>
+      </p:sp>
+      <p:sp>
+        <p:nvSpPr>
+          <p:cNvPr id="4" name="Rectangle 3">
+            <a:extLst>
+              <a:ext uri="{FF2B5EF4-FFF2-40B4-BE49-F238E27FC236}">
+                <a16:creationId xmlns:a16="http://schemas.microsoft.com/office/drawing/2014/main" id="{D77B9781-D75E-4E55-9E2D-07EDF11ACBF0}"/>
+              </a:ext>
+            </a:extLst>
+          </p:cNvPr>
+          <p:cNvSpPr/>
+          <p:nvPr/>
+        </p:nvSpPr>
+        <p:spPr>
+          <a:xfrm>
+            <a:off x="2888974" y="1981200"/>
+            <a:ext cx="6096000" cy="3869008"/>
+          </a:xfrm>
+          <a:prstGeom prst="rect">
+            <a:avLst/>
+          </a:prstGeom>
+        </p:spPr>
+        <p:txBody>
+          <a:bodyPr>
+            <a:spAutoFit/>
+          </a:bodyPr>
+          <a:lstStyle/>
+          <a:p>
+            <a:r>
+              <a:rPr lang="en-US" dirty="0"/>
+              <a:t>Putty keep alive</a:t>
+            </a:r>
+          </a:p>
+          <a:p>
+            <a:endParaRPr lang="en-US" dirty="0"/>
+          </a:p>
+          <a:p>
+            <a:r>
+              <a:rPr lang="en-US" dirty="0"/>
+              <a:t>Connect DB run on ec2 workbench and </a:t>
+            </a:r>
+            <a:r>
+              <a:rPr lang="en-US" dirty="0" err="1"/>
+              <a:t>sqlyog</a:t>
+            </a:r>
+            <a:r>
+              <a:rPr lang="en-US" dirty="0"/>
+              <a:t>?</a:t>
+            </a:r>
+          </a:p>
+          <a:p>
+            <a:endParaRPr lang="en-US" dirty="0"/>
+          </a:p>
+          <a:p>
+            <a:r>
+              <a:rPr lang="en-US" dirty="0"/>
+              <a:t>Tomcat yum install?</a:t>
+            </a:r>
+          </a:p>
+          <a:p>
+            <a:endParaRPr lang="en-US" dirty="0"/>
+          </a:p>
+          <a:p>
+            <a:r>
+              <a:rPr lang="en-US" dirty="0"/>
+              <a:t>Tomcat uninstall</a:t>
+            </a:r>
+          </a:p>
+          <a:p>
+            <a:endParaRPr lang="en-US" dirty="0"/>
+          </a:p>
+          <a:p>
+            <a:r>
+              <a:rPr lang="en-US" dirty="0" err="1"/>
+              <a:t>Mariadb</a:t>
+            </a:r>
+            <a:r>
+              <a:rPr lang="en-US" dirty="0"/>
+              <a:t> uninstall</a:t>
+            </a:r>
+          </a:p>
+        </p:txBody>
+      </p:sp>
+    </p:spTree>
+    <p:extLst>
+      <p:ext uri="{BB962C8B-B14F-4D97-AF65-F5344CB8AC3E}">
+        <p14:creationId xmlns:p14="http://schemas.microsoft.com/office/powerpoint/2010/main" val="1683088280"/>
       </p:ext>
     </p:extLst>
   </p:cSld>

--- a/Java_2021/Deploying to Amazon Cloud. AWS EC2/Deploying to Amazon Cloud. AWS EC2.pptx
+++ b/Java_2021/Deploying to Amazon Cloud. AWS EC2/Deploying to Amazon Cloud. AWS EC2.pptx
@@ -5,7 +5,7 @@
     <p:sldMasterId id="2147483672" r:id="rId1"/>
   </p:sldMasterIdLst>
   <p:notesMasterIdLst>
-    <p:notesMasterId r:id="rId22"/>
+    <p:notesMasterId r:id="rId25"/>
   </p:notesMasterIdLst>
   <p:sldIdLst>
     <p:sldId id="471" r:id="rId2"/>
@@ -27,7 +27,10 @@
     <p:sldId id="491" r:id="rId18"/>
     <p:sldId id="492" r:id="rId19"/>
     <p:sldId id="493" r:id="rId20"/>
-    <p:sldId id="472" r:id="rId21"/>
+    <p:sldId id="494" r:id="rId21"/>
+    <p:sldId id="495" r:id="rId22"/>
+    <p:sldId id="496" r:id="rId23"/>
+    <p:sldId id="472" r:id="rId24"/>
   </p:sldIdLst>
   <p:sldSz cx="12192000" cy="6858000"/>
   <p:notesSz cx="6858000" cy="9144000"/>
@@ -241,7 +244,7 @@
           <a:p>
             <a:fld id="{62274EC6-3890-417B-9308-14EFBD00FA63}" type="datetimeFigureOut">
               <a:rPr lang="en-US" smtClean="0"/>
-              <a:t>4/13/2022</a:t>
+              <a:t>4/19/2022</a:t>
             </a:fld>
             <a:endParaRPr lang="en-US" dirty="0"/>
           </a:p>
@@ -1655,6 +1658,273 @@
     </p:spTree>
     <p:extLst>
       <p:ext uri="{BB962C8B-B14F-4D97-AF65-F5344CB8AC3E}">
+        <p14:creationId xmlns:p14="http://schemas.microsoft.com/office/powerpoint/2010/main" val="3368529107"/>
+      </p:ext>
+    </p:extLst>
+  </p:cSld>
+  <p:clrMapOvr>
+    <a:masterClrMapping/>
+  </p:clrMapOvr>
+</p:notes>
+</file>
+
+<file path=ppt/notesSlides/notesSlide21.xml><?xml version="1.0" encoding="utf-8"?>
+<p:notes xmlns:a="http://schemas.openxmlformats.org/drawingml/2006/main" xmlns:r="http://schemas.openxmlformats.org/officeDocument/2006/relationships" xmlns:p="http://schemas.openxmlformats.org/presentationml/2006/main">
+  <p:cSld>
+    <p:spTree>
+      <p:nvGrpSpPr>
+        <p:cNvPr id="1" name=""/>
+        <p:cNvGrpSpPr/>
+        <p:nvPr/>
+      </p:nvGrpSpPr>
+      <p:grpSpPr>
+        <a:xfrm>
+          <a:off x="0" y="0"/>
+          <a:ext cx="0" cy="0"/>
+          <a:chOff x="0" y="0"/>
+          <a:chExt cx="0" cy="0"/>
+        </a:xfrm>
+      </p:grpSpPr>
+      <p:sp>
+        <p:nvSpPr>
+          <p:cNvPr id="2" name="Slide Image Placeholder 1"/>
+          <p:cNvSpPr>
+            <a:spLocks noGrp="1" noRot="1" noChangeAspect="1"/>
+          </p:cNvSpPr>
+          <p:nvPr>
+            <p:ph type="sldImg"/>
+          </p:nvPr>
+        </p:nvSpPr>
+        <p:spPr>
+          <a:xfrm>
+            <a:off x="381000" y="685800"/>
+            <a:ext cx="6096000" cy="3429000"/>
+          </a:xfrm>
+        </p:spPr>
+      </p:sp>
+      <p:sp>
+        <p:nvSpPr>
+          <p:cNvPr id="3" name="Notes Placeholder 2"/>
+          <p:cNvSpPr>
+            <a:spLocks noGrp="1"/>
+          </p:cNvSpPr>
+          <p:nvPr>
+            <p:ph type="body" idx="1"/>
+          </p:nvPr>
+        </p:nvSpPr>
+        <p:spPr/>
+        <p:txBody>
+          <a:bodyPr/>
+          <a:lstStyle/>
+          <a:p>
+            <a:endParaRPr lang="en-US" dirty="0"/>
+          </a:p>
+        </p:txBody>
+      </p:sp>
+      <p:sp>
+        <p:nvSpPr>
+          <p:cNvPr id="4" name="Slide Number Placeholder 3"/>
+          <p:cNvSpPr>
+            <a:spLocks noGrp="1"/>
+          </p:cNvSpPr>
+          <p:nvPr>
+            <p:ph type="sldNum" sz="quarter" idx="10"/>
+          </p:nvPr>
+        </p:nvSpPr>
+        <p:spPr/>
+        <p:txBody>
+          <a:bodyPr/>
+          <a:lstStyle/>
+          <a:p>
+            <a:fld id="{A883C400-BD9D-4609-A213-F91E9750031E}" type="slidenum">
+              <a:rPr lang="en-US" smtClean="0"/>
+              <a:t>21</a:t>
+            </a:fld>
+            <a:endParaRPr lang="en-US" dirty="0"/>
+          </a:p>
+        </p:txBody>
+      </p:sp>
+    </p:spTree>
+    <p:extLst>
+      <p:ext uri="{BB962C8B-B14F-4D97-AF65-F5344CB8AC3E}">
+        <p14:creationId xmlns:p14="http://schemas.microsoft.com/office/powerpoint/2010/main" val="3975040331"/>
+      </p:ext>
+    </p:extLst>
+  </p:cSld>
+  <p:clrMapOvr>
+    <a:masterClrMapping/>
+  </p:clrMapOvr>
+</p:notes>
+</file>
+
+<file path=ppt/notesSlides/notesSlide22.xml><?xml version="1.0" encoding="utf-8"?>
+<p:notes xmlns:a="http://schemas.openxmlformats.org/drawingml/2006/main" xmlns:r="http://schemas.openxmlformats.org/officeDocument/2006/relationships" xmlns:p="http://schemas.openxmlformats.org/presentationml/2006/main">
+  <p:cSld>
+    <p:spTree>
+      <p:nvGrpSpPr>
+        <p:cNvPr id="1" name=""/>
+        <p:cNvGrpSpPr/>
+        <p:nvPr/>
+      </p:nvGrpSpPr>
+      <p:grpSpPr>
+        <a:xfrm>
+          <a:off x="0" y="0"/>
+          <a:ext cx="0" cy="0"/>
+          <a:chOff x="0" y="0"/>
+          <a:chExt cx="0" cy="0"/>
+        </a:xfrm>
+      </p:grpSpPr>
+      <p:sp>
+        <p:nvSpPr>
+          <p:cNvPr id="2" name="Slide Image Placeholder 1"/>
+          <p:cNvSpPr>
+            <a:spLocks noGrp="1" noRot="1" noChangeAspect="1"/>
+          </p:cNvSpPr>
+          <p:nvPr>
+            <p:ph type="sldImg"/>
+          </p:nvPr>
+        </p:nvSpPr>
+        <p:spPr>
+          <a:xfrm>
+            <a:off x="381000" y="685800"/>
+            <a:ext cx="6096000" cy="3429000"/>
+          </a:xfrm>
+        </p:spPr>
+      </p:sp>
+      <p:sp>
+        <p:nvSpPr>
+          <p:cNvPr id="3" name="Notes Placeholder 2"/>
+          <p:cNvSpPr>
+            <a:spLocks noGrp="1"/>
+          </p:cNvSpPr>
+          <p:nvPr>
+            <p:ph type="body" idx="1"/>
+          </p:nvPr>
+        </p:nvSpPr>
+        <p:spPr/>
+        <p:txBody>
+          <a:bodyPr/>
+          <a:lstStyle/>
+          <a:p>
+            <a:endParaRPr lang="en-US" dirty="0"/>
+          </a:p>
+        </p:txBody>
+      </p:sp>
+      <p:sp>
+        <p:nvSpPr>
+          <p:cNvPr id="4" name="Slide Number Placeholder 3"/>
+          <p:cNvSpPr>
+            <a:spLocks noGrp="1"/>
+          </p:cNvSpPr>
+          <p:nvPr>
+            <p:ph type="sldNum" sz="quarter" idx="10"/>
+          </p:nvPr>
+        </p:nvSpPr>
+        <p:spPr/>
+        <p:txBody>
+          <a:bodyPr/>
+          <a:lstStyle/>
+          <a:p>
+            <a:fld id="{A883C400-BD9D-4609-A213-F91E9750031E}" type="slidenum">
+              <a:rPr lang="en-US" smtClean="0"/>
+              <a:t>22</a:t>
+            </a:fld>
+            <a:endParaRPr lang="en-US" dirty="0"/>
+          </a:p>
+        </p:txBody>
+      </p:sp>
+    </p:spTree>
+    <p:extLst>
+      <p:ext uri="{BB962C8B-B14F-4D97-AF65-F5344CB8AC3E}">
+        <p14:creationId xmlns:p14="http://schemas.microsoft.com/office/powerpoint/2010/main" val="1313803902"/>
+      </p:ext>
+    </p:extLst>
+  </p:cSld>
+  <p:clrMapOvr>
+    <a:masterClrMapping/>
+  </p:clrMapOvr>
+</p:notes>
+</file>
+
+<file path=ppt/notesSlides/notesSlide23.xml><?xml version="1.0" encoding="utf-8"?>
+<p:notes xmlns:a="http://schemas.openxmlformats.org/drawingml/2006/main" xmlns:r="http://schemas.openxmlformats.org/officeDocument/2006/relationships" xmlns:p="http://schemas.openxmlformats.org/presentationml/2006/main">
+  <p:cSld>
+    <p:spTree>
+      <p:nvGrpSpPr>
+        <p:cNvPr id="1" name=""/>
+        <p:cNvGrpSpPr/>
+        <p:nvPr/>
+      </p:nvGrpSpPr>
+      <p:grpSpPr>
+        <a:xfrm>
+          <a:off x="0" y="0"/>
+          <a:ext cx="0" cy="0"/>
+          <a:chOff x="0" y="0"/>
+          <a:chExt cx="0" cy="0"/>
+        </a:xfrm>
+      </p:grpSpPr>
+      <p:sp>
+        <p:nvSpPr>
+          <p:cNvPr id="2" name="Slide Image Placeholder 1"/>
+          <p:cNvSpPr>
+            <a:spLocks noGrp="1" noRot="1" noChangeAspect="1"/>
+          </p:cNvSpPr>
+          <p:nvPr>
+            <p:ph type="sldImg"/>
+          </p:nvPr>
+        </p:nvSpPr>
+        <p:spPr>
+          <a:xfrm>
+            <a:off x="381000" y="685800"/>
+            <a:ext cx="6096000" cy="3429000"/>
+          </a:xfrm>
+        </p:spPr>
+      </p:sp>
+      <p:sp>
+        <p:nvSpPr>
+          <p:cNvPr id="3" name="Notes Placeholder 2"/>
+          <p:cNvSpPr>
+            <a:spLocks noGrp="1"/>
+          </p:cNvSpPr>
+          <p:nvPr>
+            <p:ph type="body" idx="1"/>
+          </p:nvPr>
+        </p:nvSpPr>
+        <p:spPr/>
+        <p:txBody>
+          <a:bodyPr/>
+          <a:lstStyle/>
+          <a:p>
+            <a:endParaRPr lang="en-US" dirty="0"/>
+          </a:p>
+        </p:txBody>
+      </p:sp>
+      <p:sp>
+        <p:nvSpPr>
+          <p:cNvPr id="4" name="Slide Number Placeholder 3"/>
+          <p:cNvSpPr>
+            <a:spLocks noGrp="1"/>
+          </p:cNvSpPr>
+          <p:nvPr>
+            <p:ph type="sldNum" sz="quarter" idx="10"/>
+          </p:nvPr>
+        </p:nvSpPr>
+        <p:spPr/>
+        <p:txBody>
+          <a:bodyPr/>
+          <a:lstStyle/>
+          <a:p>
+            <a:fld id="{A883C400-BD9D-4609-A213-F91E9750031E}" type="slidenum">
+              <a:rPr lang="en-US" smtClean="0"/>
+              <a:t>23</a:t>
+            </a:fld>
+            <a:endParaRPr lang="en-US" dirty="0"/>
+          </a:p>
+        </p:txBody>
+      </p:sp>
+    </p:spTree>
+    <p:extLst>
+      <p:ext uri="{BB962C8B-B14F-4D97-AF65-F5344CB8AC3E}">
         <p14:creationId xmlns:p14="http://schemas.microsoft.com/office/powerpoint/2010/main" val="4137454117"/>
       </p:ext>
     </p:extLst>
@@ -2468,7 +2738,7 @@
             <a:fld id="{1D8BD707-D9CF-40AE-B4C6-C98DA3205C09}" type="datetimeFigureOut">
               <a:rPr lang="en-US" smtClean="0"/>
               <a:pPr/>
-              <a:t>4/13/2022</a:t>
+              <a:t>4/19/2022</a:t>
             </a:fld>
             <a:endParaRPr lang="en-US" dirty="0"/>
           </a:p>
@@ -2646,7 +2916,7 @@
             <a:fld id="{1D8BD707-D9CF-40AE-B4C6-C98DA3205C09}" type="datetimeFigureOut">
               <a:rPr lang="en-US" smtClean="0"/>
               <a:pPr/>
-              <a:t>4/13/2022</a:t>
+              <a:t>4/19/2022</a:t>
             </a:fld>
             <a:endParaRPr lang="en-US" dirty="0"/>
           </a:p>
@@ -2834,7 +3104,7 @@
             <a:fld id="{1D8BD707-D9CF-40AE-B4C6-C98DA3205C09}" type="datetimeFigureOut">
               <a:rPr lang="en-US" smtClean="0"/>
               <a:pPr/>
-              <a:t>4/13/2022</a:t>
+              <a:t>4/19/2022</a:t>
             </a:fld>
             <a:endParaRPr lang="en-US" dirty="0"/>
           </a:p>
@@ -3012,7 +3282,7 @@
             <a:fld id="{1D8BD707-D9CF-40AE-B4C6-C98DA3205C09}" type="datetimeFigureOut">
               <a:rPr lang="en-US" smtClean="0"/>
               <a:pPr/>
-              <a:t>4/13/2022</a:t>
+              <a:t>4/19/2022</a:t>
             </a:fld>
             <a:endParaRPr lang="en-US" dirty="0"/>
           </a:p>
@@ -3267,7 +3537,7 @@
             <a:fld id="{1D8BD707-D9CF-40AE-B4C6-C98DA3205C09}" type="datetimeFigureOut">
               <a:rPr lang="en-US" smtClean="0"/>
               <a:pPr/>
-              <a:t>4/13/2022</a:t>
+              <a:t>4/19/2022</a:t>
             </a:fld>
             <a:endParaRPr lang="en-US" dirty="0"/>
           </a:p>
@@ -3562,7 +3832,7 @@
             <a:fld id="{1D8BD707-D9CF-40AE-B4C6-C98DA3205C09}" type="datetimeFigureOut">
               <a:rPr lang="en-US" smtClean="0"/>
               <a:pPr/>
-              <a:t>4/13/2022</a:t>
+              <a:t>4/19/2022</a:t>
             </a:fld>
             <a:endParaRPr lang="en-US" dirty="0"/>
           </a:p>
@@ -3996,7 +4266,7 @@
             <a:fld id="{1D8BD707-D9CF-40AE-B4C6-C98DA3205C09}" type="datetimeFigureOut">
               <a:rPr lang="en-US" smtClean="0"/>
               <a:pPr/>
-              <a:t>4/13/2022</a:t>
+              <a:t>4/19/2022</a:t>
             </a:fld>
             <a:endParaRPr lang="en-US" dirty="0"/>
           </a:p>
@@ -4123,7 +4393,7 @@
             <a:fld id="{1D8BD707-D9CF-40AE-B4C6-C98DA3205C09}" type="datetimeFigureOut">
               <a:rPr lang="en-US" smtClean="0"/>
               <a:pPr/>
-              <a:t>4/13/2022</a:t>
+              <a:t>4/19/2022</a:t>
             </a:fld>
             <a:endParaRPr lang="en-US" dirty="0"/>
           </a:p>
@@ -4228,7 +4498,7 @@
             <a:fld id="{1D8BD707-D9CF-40AE-B4C6-C98DA3205C09}" type="datetimeFigureOut">
               <a:rPr lang="en-US" smtClean="0"/>
               <a:pPr/>
-              <a:t>4/13/2022</a:t>
+              <a:t>4/19/2022</a:t>
             </a:fld>
             <a:endParaRPr lang="en-US" dirty="0"/>
           </a:p>
@@ -4513,7 +4783,7 @@
             <a:fld id="{1D8BD707-D9CF-40AE-B4C6-C98DA3205C09}" type="datetimeFigureOut">
               <a:rPr lang="en-US" smtClean="0"/>
               <a:pPr/>
-              <a:t>4/13/2022</a:t>
+              <a:t>4/19/2022</a:t>
             </a:fld>
             <a:endParaRPr lang="en-US" dirty="0"/>
           </a:p>
@@ -4775,7 +5045,7 @@
             <a:fld id="{1D8BD707-D9CF-40AE-B4C6-C98DA3205C09}" type="datetimeFigureOut">
               <a:rPr lang="en-US" smtClean="0"/>
               <a:pPr/>
-              <a:t>4/13/2022</a:t>
+              <a:t>4/19/2022</a:t>
             </a:fld>
             <a:endParaRPr lang="en-US" dirty="0"/>
           </a:p>
@@ -4996,7 +5266,7 @@
             <a:fld id="{1D8BD707-D9CF-40AE-B4C6-C98DA3205C09}" type="datetimeFigureOut">
               <a:rPr lang="en-US" smtClean="0"/>
               <a:pPr/>
-              <a:t>4/13/2022</a:t>
+              <a:t>4/19/2022</a:t>
             </a:fld>
             <a:endParaRPr lang="en-US" dirty="0"/>
           </a:p>
@@ -11191,8 +11461,8 @@
         </p:nvSpPr>
         <p:spPr>
           <a:xfrm>
-            <a:off x="3222948" y="39135"/>
-            <a:ext cx="5768652" cy="400110"/>
+            <a:off x="2209800" y="13595"/>
+            <a:ext cx="8229600" cy="400110"/>
           </a:xfrm>
           <a:prstGeom prst="rect">
             <a:avLst/>
@@ -11315,6 +11585,1335 @@
             <a:pPr algn="ctr"/>
             <a:r>
               <a:rPr lang="en-US" sz="2000" dirty="0"/>
+              <a:t>Linux and Mac OS X operating systems | How to keep SSH connections alive?</a:t>
+            </a:r>
+          </a:p>
+        </p:txBody>
+      </p:sp>
+      <p:pic>
+        <p:nvPicPr>
+          <p:cNvPr id="7" name="Picture 6">
+            <a:extLst>
+              <a:ext uri="{FF2B5EF4-FFF2-40B4-BE49-F238E27FC236}">
+                <a16:creationId xmlns:a16="http://schemas.microsoft.com/office/drawing/2014/main" id="{B453F5EA-519C-4DAE-875C-24DC3D9C7A09}"/>
+              </a:ext>
+            </a:extLst>
+          </p:cNvPr>
+          <p:cNvPicPr>
+            <a:picLocks noChangeAspect="1"/>
+          </p:cNvPicPr>
+          <p:nvPr/>
+        </p:nvPicPr>
+        <p:blipFill>
+          <a:blip r:embed="rId3"/>
+          <a:stretch>
+            <a:fillRect/>
+          </a:stretch>
+        </p:blipFill>
+        <p:spPr>
+          <a:xfrm>
+            <a:off x="1600200" y="1066800"/>
+            <a:ext cx="8706937" cy="5577550"/>
+          </a:xfrm>
+          <a:prstGeom prst="rect">
+            <a:avLst/>
+          </a:prstGeom>
+        </p:spPr>
+        <p:style>
+          <a:lnRef idx="1">
+            <a:schemeClr val="accent5"/>
+          </a:lnRef>
+          <a:fillRef idx="2">
+            <a:schemeClr val="accent5"/>
+          </a:fillRef>
+          <a:effectRef idx="1">
+            <a:schemeClr val="accent5"/>
+          </a:effectRef>
+          <a:fontRef idx="minor">
+            <a:schemeClr val="dk1"/>
+          </a:fontRef>
+        </p:style>
+      </p:pic>
+    </p:spTree>
+    <p:extLst>
+      <p:ext uri="{BB962C8B-B14F-4D97-AF65-F5344CB8AC3E}">
+        <p14:creationId xmlns:p14="http://schemas.microsoft.com/office/powerpoint/2010/main" val="4184367034"/>
+      </p:ext>
+    </p:extLst>
+  </p:cSld>
+  <p:clrMapOvr>
+    <a:masterClrMapping/>
+  </p:clrMapOvr>
+  <mc:AlternateContent xmlns:mc="http://schemas.openxmlformats.org/markup-compatibility/2006" xmlns:p14="http://schemas.microsoft.com/office/powerpoint/2010/main">
+    <mc:Choice Requires="p14">
+      <p:transition p14:dur="0" advClick="0"/>
+    </mc:Choice>
+    <mc:Fallback xmlns="">
+      <p:transition advClick="0"/>
+    </mc:Fallback>
+  </mc:AlternateContent>
+</p:sld>
+</file>
+
+<file path=ppt/slides/slide21.xml><?xml version="1.0" encoding="utf-8"?>
+<p:sld xmlns:a="http://schemas.openxmlformats.org/drawingml/2006/main" xmlns:r="http://schemas.openxmlformats.org/officeDocument/2006/relationships" xmlns:p="http://schemas.openxmlformats.org/presentationml/2006/main">
+  <p:cSld>
+    <p:spTree>
+      <p:nvGrpSpPr>
+        <p:cNvPr id="1" name=""/>
+        <p:cNvGrpSpPr/>
+        <p:nvPr/>
+      </p:nvGrpSpPr>
+      <p:grpSpPr>
+        <a:xfrm>
+          <a:off x="0" y="0"/>
+          <a:ext cx="0" cy="0"/>
+          <a:chOff x="0" y="0"/>
+          <a:chExt cx="0" cy="0"/>
+        </a:xfrm>
+      </p:grpSpPr>
+      <p:sp>
+        <p:nvSpPr>
+          <p:cNvPr id="3" name="AutoShape 2" descr="data:image/png;base64,iVBORw0KGgoAAAANSUhEUgAAANEAAADxCAMAAABiSKLrAAAAbFBMVEWIiIj////6+vr29vb19fX4+Pj5+fnu7u77+/v39/f9/f3z8/P+/v709PT8/Pyqqqrt7e3v7+/w8PDx8fHy8vK+vr7Q0NCjo6OBgYHY2Njk5OTHx8eNjY3c3NzGxsbn5+eWlpa1tbWcnJx6enob4+f+AAAIqklEQVR4nO3dCZuaOhQGYEZAh0FkX2W1//8/lkVMICeIkRmOPHz22lYg5OVEZLFzJRNrnC+xSGt3nJvQekMUYktnEiM1ouDrjCs/pukLkzoRtpjmNRcloRUFoiS8oo5UvLwsYpEgCaXoHLYiMRJqkRAJt0iEhFwkQMIqCgJRElpRLErCL3r1oxavSJSEWCRIQikyOtGQNPd8CaXICc04FiXhFomQkIsESChFbmhmwiT0opf3eBivMzSjLuORnh49oKxRKxIloayR24oESShFRScSI6EUJaGZCJNwiwhp/skFcpFAlbCLXiehF71MQisSJiEVVYkwqRP9oEpXI1HSXXRuWjo/2jz3f3v8YfjS7871lbU1EiT1IjrAKrvX/2iurzisijkk8OQC5ah7iERIyEUCJOyi10noRU9J490DUpFPRAApniJhFVnzSaOdOF6RKAmlKGhFgiTMohdIyYeIhEh30aV99E9NLo8VXLqn++Q/mIuIREid6DJsv32s91Ityi1hEtJRl5+ESX2NMKUR2ZYoCbNIjIRV5FiiJIyicx7mriVEKnCKfvxadBIloRQ1NTqJkcICpcgPr7rjOPYJZnFNbZVwikw/YHNlXmDi4xW9kU70jSnNqOu/xL4R0aWg3yNMgNHWp0I66i7Dy5PsdXFuApw1Eg8RndfuykLZa4Q/512EPrsIfzYtOmwje43wh4h+1u7KQvm5bk601wh9NlijXYQ+uwh/HqLrZkTXh+h4PDQP8lQ/PvAlSrT2xl0oRHQ5biOXXYQ+uwh/dhH+7CL82bRI3Ua2XKPvtTfuQvneReizi/BnF+HPLsKfTYu0bYQWsd5PfImIDmtv3IVy2EXos4vwZxfhzy7CH0okbyO7CH+2/D46rr1xF8pxF6HPLsKfXYQ/uwh/KJGyjWxatPZwWShEpK69cReKuovQZxfhzy7Cn12EP0SkGduItmHRzFF3P3r63ZHzTl4YdYqsHg/e/YdF2e7xcFRVrba109gMFp2evGhmjzpFVZLcvJVpl7K8hWaVB1liNVNdJh7VZ4Wd7P4aaa5I866lFEnDRHWksC5eVgtH8VWy8PHGTE5V/rr+QqSocTnm9CpTM+SMmRhVVJcPKbPYv5VFcs7x1F3P1eeikl1sXZHGB0lRLH+eSI75ICk6KZ8nctkOkaQN+cNEWjBRIimU0YpkHY4hmxOgqNIMHRaRJo6giLO+dyM/F1nsvpfqWVAv92Eihe0u3bNE+TgR/FkURfWhUHPMIBsguh6N0yKNs7o/EGkVIEpj+XA8fltJ0GzqDxMdQwBka+2gqQ/p9FYkpaNIiEXuje3OddQfg738rFCTcYmME9sdKXntbY1MBOy802JrotJ6bSUiInLia7y2+aZEbXuyxXbn5vXXGQazDs+6xUWGoql2kXU/DDrOssLWNFmZ65oQufeflwvU6PHDdO8ki/0xu/Rb7RVRvZNJgupW7y3bU+T6JLnej97MPLNUhbPIbJEV9U2y/eknHds5lfhfNMo/sb23oRX5LQXWGUmpGdtz3nxEpOiep7eP+5MFUEZJj+0SCnsCVX/CkrZUQFRvQG+8RkNOzHTi5LL0rW6x8YL0bwolGtdolqir0fQxAyQCNrdsVczFmdFS6fXp+4kSecPMEqntrAYkkklTYI288frkYKI+j+XCYtzRUdCIdMV/7mkWTDNmY6AU6bo5C9QknqwSEpFuzAdJUjZFQiJSoFMWfhIDu0ievDjD5ubquEV6AjVet3krU3B/Hvn8cYdDBJxUSlKVaJqmWvENMiXcImEQKcCYi26W1nZaN9SAXXFkcos0JZpxXLeICDpLDnVSBDkDusAtEhGN72p5J78LcMbn9+nudemgiDSlASLF66cC20NKbZ3qCnAnIfKp9gcxiIjVPj8/8mbVCBY9VsNes42C4YgBrgyUJ06NpkRdCuD8yB418pYIOkl2hyuQ2SOkKOMMO4M76vrBB4sG84Cjjrr5Cooeo4TdLwyGbLsC4IKgD93dHY66lUQye7gQxfqgfdcDhr7JeSOtLoL2dOn4KEdX2E+s0hp24j3RaUERsPnLLBmlYPceaYJVBB0Bja85p8ANn3rXgFX02kEqaSGAeywoGs7zjghYdqYoxyp68USCtMDZfX+wqHomav53fkBcWDSYx4NEBpkuAyLj3oSwSDIVsMM6ETVAp/3V/KG2tP/xRPRccI1IW7Comyr8PupE9052bbW/0yLHpX/1T1wRmQuskULa4oqcd/Z1pjLu6li0zqgDP49m5fmo+2NR3z50zFBYczLsBB6Rxx6y8Q5wRoE7LCaylhM5BnTs7cGdmZP1RZzdygeLXOjW9fg94jYXUnjjbBHRcJ5nImVKBA67fFgkL/HzIE4KRW7vM0/i/kQ0WSPHg75KldHdqc+h7pfZ0jKs/GuDM3hvNSLizSEqoroE1Yia7ELf00kIWS/o09z+EmLA6bC3hMh9TwRskDq51x47e4Zzhc73Qt64wyByPOjmUVT6cZZkcQV+0zxNflX05qgD36tSe3MilcCr1FLEe9sPRDYYjmgwD1wjMl1hm4h0ugF43PETVd6wB3RbKES2Pu+2cr9waHFBWESO+8JtyxrkckFYRDa8dxAAoRHNH3hRNTHkUIlsY9Z3TqR6LzcFokScSsKi4TzPRMYske0VT78XJJkJZ8uTzojV6FdEtmNkE9/diqLUzJTpAtmzalQyF6FvI5ETA9+OpraQwTYhwRvQMYqryX6sNn8vq8AynnqoGuXuCY7N/vMR3R7N47DzePR04J+gjJt4rM7V3SzwzbC8FzYtb2Z1jQtDd3nLDOLmD1E9v90++qfT4Lfh5N+cq/508shXb5st6Ll1cWa2RYu2EUo0p6QfkF2EP7sIf3YR/hCRs3ZXFoqzYdEGR92su1D4Q486yzq1D/L0iS85W67R2l1ZKLsIfzYs4l05+bg8rpxU/lZS3UXbyvZE/wFXu+LXNTDaDQAAAABJRU5ErkJggg=="/>
+          <p:cNvSpPr>
+            <a:spLocks noChangeAspect="1" noChangeArrowheads="1"/>
+          </p:cNvSpPr>
+          <p:nvPr/>
+        </p:nvSpPr>
+        <p:spPr bwMode="auto">
+          <a:xfrm>
+            <a:off x="207436" y="-116412"/>
+            <a:ext cx="406400" cy="406402"/>
+          </a:xfrm>
+          <a:prstGeom prst="rect">
+            <a:avLst/>
+          </a:prstGeom>
+          <a:noFill/>
+          <a:extLst>
+            <a:ext uri="{909E8E84-426E-40DD-AFC4-6F175D3DCCD1}">
+              <a14:hiddenFill xmlns:a14="http://schemas.microsoft.com/office/drawing/2010/main">
+                <a:solidFill>
+                  <a:srgbClr val="FFFFFF"/>
+                </a:solidFill>
+              </a14:hiddenFill>
+            </a:ext>
+          </a:extLst>
+        </p:spPr>
+        <p:txBody>
+          <a:bodyPr vert="horz" wrap="square" lIns="121920" tIns="60960" rIns="121920" bIns="60960" numCol="1" anchor="t" anchorCtr="0" compatLnSpc="1">
+            <a:prstTxWarp prst="textNoShape">
+              <a:avLst/>
+            </a:prstTxWarp>
+          </a:bodyPr>
+          <a:lstStyle/>
+          <a:p>
+            <a:endParaRPr lang="en-US" sz="1600" dirty="0"/>
+          </a:p>
+        </p:txBody>
+      </p:sp>
+      <p:sp>
+        <p:nvSpPr>
+          <p:cNvPr id="2" name="AutoShape 2" descr="Image result for file"/>
+          <p:cNvSpPr>
+            <a:spLocks noChangeAspect="1" noChangeArrowheads="1"/>
+          </p:cNvSpPr>
+          <p:nvPr/>
+        </p:nvSpPr>
+        <p:spPr bwMode="auto">
+          <a:xfrm>
+            <a:off x="410635" y="86789"/>
+            <a:ext cx="406400" cy="406402"/>
+          </a:xfrm>
+          <a:prstGeom prst="rect">
+            <a:avLst/>
+          </a:prstGeom>
+          <a:noFill/>
+          <a:extLst>
+            <a:ext uri="{909E8E84-426E-40DD-AFC4-6F175D3DCCD1}">
+              <a14:hiddenFill xmlns:a14="http://schemas.microsoft.com/office/drawing/2010/main">
+                <a:solidFill>
+                  <a:srgbClr val="FFFFFF"/>
+                </a:solidFill>
+              </a14:hiddenFill>
+            </a:ext>
+          </a:extLst>
+        </p:spPr>
+        <p:txBody>
+          <a:bodyPr vert="horz" wrap="square" lIns="121920" tIns="60960" rIns="121920" bIns="60960" numCol="1" anchor="t" anchorCtr="0" compatLnSpc="1">
+            <a:prstTxWarp prst="textNoShape">
+              <a:avLst/>
+            </a:prstTxWarp>
+          </a:bodyPr>
+          <a:lstStyle/>
+          <a:p>
+            <a:endParaRPr lang="en-US" sz="2400" dirty="0"/>
+          </a:p>
+        </p:txBody>
+      </p:sp>
+      <p:sp>
+        <p:nvSpPr>
+          <p:cNvPr id="6" name="AutoShape 2" descr="Image result for activemq image"/>
+          <p:cNvSpPr>
+            <a:spLocks noChangeAspect="1" noChangeArrowheads="1"/>
+          </p:cNvSpPr>
+          <p:nvPr/>
+        </p:nvSpPr>
+        <p:spPr bwMode="auto">
+          <a:xfrm>
+            <a:off x="613835" y="289988"/>
+            <a:ext cx="406400" cy="406402"/>
+          </a:xfrm>
+          <a:prstGeom prst="rect">
+            <a:avLst/>
+          </a:prstGeom>
+          <a:noFill/>
+          <a:extLst>
+            <a:ext uri="{909E8E84-426E-40DD-AFC4-6F175D3DCCD1}">
+              <a14:hiddenFill xmlns:a14="http://schemas.microsoft.com/office/drawing/2010/main">
+                <a:solidFill>
+                  <a:srgbClr val="FFFFFF"/>
+                </a:solidFill>
+              </a14:hiddenFill>
+            </a:ext>
+          </a:extLst>
+        </p:spPr>
+        <p:txBody>
+          <a:bodyPr vert="horz" wrap="square" lIns="121920" tIns="60960" rIns="121920" bIns="60960" numCol="1" anchor="t" anchorCtr="0" compatLnSpc="1">
+            <a:prstTxWarp prst="textNoShape">
+              <a:avLst/>
+            </a:prstTxWarp>
+          </a:bodyPr>
+          <a:lstStyle/>
+          <a:p>
+            <a:endParaRPr lang="en-US" sz="2400" dirty="0"/>
+          </a:p>
+        </p:txBody>
+      </p:sp>
+      <p:pic>
+        <p:nvPicPr>
+          <p:cNvPr id="4" name="Picture 3">
+            <a:extLst>
+              <a:ext uri="{FF2B5EF4-FFF2-40B4-BE49-F238E27FC236}">
+                <a16:creationId xmlns:a16="http://schemas.microsoft.com/office/drawing/2014/main" id="{ECD8FFE0-5DA9-4773-B9A3-FCB489AF7858}"/>
+              </a:ext>
+            </a:extLst>
+          </p:cNvPr>
+          <p:cNvPicPr>
+            <a:picLocks noChangeAspect="1"/>
+          </p:cNvPicPr>
+          <p:nvPr/>
+        </p:nvPicPr>
+        <p:blipFill>
+          <a:blip r:embed="rId3"/>
+          <a:stretch>
+            <a:fillRect/>
+          </a:stretch>
+        </p:blipFill>
+        <p:spPr>
+          <a:xfrm>
+            <a:off x="1624336" y="1752600"/>
+            <a:ext cx="8943327" cy="4419600"/>
+          </a:xfrm>
+          <a:prstGeom prst="rect">
+            <a:avLst/>
+          </a:prstGeom>
+        </p:spPr>
+        <p:style>
+          <a:lnRef idx="1">
+            <a:schemeClr val="accent4"/>
+          </a:lnRef>
+          <a:fillRef idx="2">
+            <a:schemeClr val="accent4"/>
+          </a:fillRef>
+          <a:effectRef idx="1">
+            <a:schemeClr val="accent4"/>
+          </a:effectRef>
+          <a:fontRef idx="minor">
+            <a:schemeClr val="dk1"/>
+          </a:fontRef>
+        </p:style>
+      </p:pic>
+      <p:sp>
+        <p:nvSpPr>
+          <p:cNvPr id="7" name="Rectangle 6">
+            <a:extLst>
+              <a:ext uri="{FF2B5EF4-FFF2-40B4-BE49-F238E27FC236}">
+                <a16:creationId xmlns:a16="http://schemas.microsoft.com/office/drawing/2014/main" id="{3177545C-EEE8-4B4F-BC37-17141354D0E9}"/>
+              </a:ext>
+            </a:extLst>
+          </p:cNvPr>
+          <p:cNvSpPr/>
+          <p:nvPr/>
+        </p:nvSpPr>
+        <p:spPr>
+          <a:xfrm>
+            <a:off x="2209800" y="13595"/>
+            <a:ext cx="8229600" cy="400110"/>
+          </a:xfrm>
+          <a:prstGeom prst="rect">
+            <a:avLst/>
+          </a:prstGeom>
+        </p:spPr>
+        <p:style>
+          <a:lnRef idx="1">
+            <a:schemeClr val="accent4"/>
+          </a:lnRef>
+          <a:fillRef idx="3">
+            <a:schemeClr val="accent4"/>
+          </a:fillRef>
+          <a:effectRef idx="2">
+            <a:schemeClr val="accent4"/>
+          </a:effectRef>
+          <a:fontRef idx="minor">
+            <a:schemeClr val="lt1"/>
+          </a:fontRef>
+        </p:style>
+        <p:txBody>
+          <a:bodyPr wrap="square">
+            <a:spAutoFit/>
+          </a:bodyPr>
+          <a:lstStyle>
+            <a:defPPr>
+              <a:defRPr lang="en-US"/>
+            </a:defPPr>
+            <a:lvl1pPr marL="0" algn="l" defTabSz="914400" rtl="0" eaLnBrk="1" latinLnBrk="0" hangingPunct="1">
+              <a:defRPr sz="1800" kern="1200">
+                <a:solidFill>
+                  <a:schemeClr val="lt1"/>
+                </a:solidFill>
+                <a:latin typeface="+mn-lt"/>
+                <a:ea typeface="+mn-ea"/>
+                <a:cs typeface="+mn-cs"/>
+              </a:defRPr>
+            </a:lvl1pPr>
+            <a:lvl2pPr marL="457200" algn="l" defTabSz="914400" rtl="0" eaLnBrk="1" latinLnBrk="0" hangingPunct="1">
+              <a:defRPr sz="1800" kern="1200">
+                <a:solidFill>
+                  <a:schemeClr val="lt1"/>
+                </a:solidFill>
+                <a:latin typeface="+mn-lt"/>
+                <a:ea typeface="+mn-ea"/>
+                <a:cs typeface="+mn-cs"/>
+              </a:defRPr>
+            </a:lvl2pPr>
+            <a:lvl3pPr marL="914400" algn="l" defTabSz="914400" rtl="0" eaLnBrk="1" latinLnBrk="0" hangingPunct="1">
+              <a:defRPr sz="1800" kern="1200">
+                <a:solidFill>
+                  <a:schemeClr val="lt1"/>
+                </a:solidFill>
+                <a:latin typeface="+mn-lt"/>
+                <a:ea typeface="+mn-ea"/>
+                <a:cs typeface="+mn-cs"/>
+              </a:defRPr>
+            </a:lvl3pPr>
+            <a:lvl4pPr marL="1371600" algn="l" defTabSz="914400" rtl="0" eaLnBrk="1" latinLnBrk="0" hangingPunct="1">
+              <a:defRPr sz="1800" kern="1200">
+                <a:solidFill>
+                  <a:schemeClr val="lt1"/>
+                </a:solidFill>
+                <a:latin typeface="+mn-lt"/>
+                <a:ea typeface="+mn-ea"/>
+                <a:cs typeface="+mn-cs"/>
+              </a:defRPr>
+            </a:lvl4pPr>
+            <a:lvl5pPr marL="1828800" algn="l" defTabSz="914400" rtl="0" eaLnBrk="1" latinLnBrk="0" hangingPunct="1">
+              <a:defRPr sz="1800" kern="1200">
+                <a:solidFill>
+                  <a:schemeClr val="lt1"/>
+                </a:solidFill>
+                <a:latin typeface="+mn-lt"/>
+                <a:ea typeface="+mn-ea"/>
+                <a:cs typeface="+mn-cs"/>
+              </a:defRPr>
+            </a:lvl5pPr>
+            <a:lvl6pPr marL="2286000" algn="l" defTabSz="914400" rtl="0" eaLnBrk="1" latinLnBrk="0" hangingPunct="1">
+              <a:defRPr sz="1800" kern="1200">
+                <a:solidFill>
+                  <a:schemeClr val="lt1"/>
+                </a:solidFill>
+                <a:latin typeface="+mn-lt"/>
+                <a:ea typeface="+mn-ea"/>
+                <a:cs typeface="+mn-cs"/>
+              </a:defRPr>
+            </a:lvl6pPr>
+            <a:lvl7pPr marL="2743200" algn="l" defTabSz="914400" rtl="0" eaLnBrk="1" latinLnBrk="0" hangingPunct="1">
+              <a:defRPr sz="1800" kern="1200">
+                <a:solidFill>
+                  <a:schemeClr val="lt1"/>
+                </a:solidFill>
+                <a:latin typeface="+mn-lt"/>
+                <a:ea typeface="+mn-ea"/>
+                <a:cs typeface="+mn-cs"/>
+              </a:defRPr>
+            </a:lvl7pPr>
+            <a:lvl8pPr marL="3200400" algn="l" defTabSz="914400" rtl="0" eaLnBrk="1" latinLnBrk="0" hangingPunct="1">
+              <a:defRPr sz="1800" kern="1200">
+                <a:solidFill>
+                  <a:schemeClr val="lt1"/>
+                </a:solidFill>
+                <a:latin typeface="+mn-lt"/>
+                <a:ea typeface="+mn-ea"/>
+                <a:cs typeface="+mn-cs"/>
+              </a:defRPr>
+            </a:lvl8pPr>
+            <a:lvl9pPr marL="3657600" algn="l" defTabSz="914400" rtl="0" eaLnBrk="1" latinLnBrk="0" hangingPunct="1">
+              <a:defRPr sz="1800" kern="1200">
+                <a:solidFill>
+                  <a:schemeClr val="lt1"/>
+                </a:solidFill>
+                <a:latin typeface="+mn-lt"/>
+                <a:ea typeface="+mn-ea"/>
+                <a:cs typeface="+mn-cs"/>
+              </a:defRPr>
+            </a:lvl9pPr>
+          </a:lstStyle>
+          <a:p>
+            <a:pPr algn="ctr"/>
+            <a:r>
+              <a:rPr lang="en-US" sz="2000" dirty="0"/>
+              <a:t>Linux and Mac OS X operating systems | How to keep SSH connections alive?</a:t>
+            </a:r>
+          </a:p>
+        </p:txBody>
+      </p:sp>
+    </p:spTree>
+    <p:extLst>
+      <p:ext uri="{BB962C8B-B14F-4D97-AF65-F5344CB8AC3E}">
+        <p14:creationId xmlns:p14="http://schemas.microsoft.com/office/powerpoint/2010/main" val="4265566177"/>
+      </p:ext>
+    </p:extLst>
+  </p:cSld>
+  <p:clrMapOvr>
+    <a:masterClrMapping/>
+  </p:clrMapOvr>
+  <mc:AlternateContent xmlns:mc="http://schemas.openxmlformats.org/markup-compatibility/2006" xmlns:p14="http://schemas.microsoft.com/office/powerpoint/2010/main">
+    <mc:Choice Requires="p14">
+      <p:transition p14:dur="0" advClick="0"/>
+    </mc:Choice>
+    <mc:Fallback xmlns="">
+      <p:transition advClick="0"/>
+    </mc:Fallback>
+  </mc:AlternateContent>
+</p:sld>
+</file>
+
+<file path=ppt/slides/slide22.xml><?xml version="1.0" encoding="utf-8"?>
+<p:sld xmlns:a="http://schemas.openxmlformats.org/drawingml/2006/main" xmlns:r="http://schemas.openxmlformats.org/officeDocument/2006/relationships" xmlns:p="http://schemas.openxmlformats.org/presentationml/2006/main">
+  <p:cSld>
+    <p:spTree>
+      <p:nvGrpSpPr>
+        <p:cNvPr id="1" name=""/>
+        <p:cNvGrpSpPr/>
+        <p:nvPr/>
+      </p:nvGrpSpPr>
+      <p:grpSpPr>
+        <a:xfrm>
+          <a:off x="0" y="0"/>
+          <a:ext cx="0" cy="0"/>
+          <a:chOff x="0" y="0"/>
+          <a:chExt cx="0" cy="0"/>
+        </a:xfrm>
+      </p:grpSpPr>
+      <p:sp>
+        <p:nvSpPr>
+          <p:cNvPr id="3" name="AutoShape 2" descr="data:image/png;base64,iVBORw0KGgoAAAANSUhEUgAAANEAAADxCAMAAABiSKLrAAAAbFBMVEWIiIj////6+vr29vb19fX4+Pj5+fnu7u77+/v39/f9/f3z8/P+/v709PT8/Pyqqqrt7e3v7+/w8PDx8fHy8vK+vr7Q0NCjo6OBgYHY2Njk5OTHx8eNjY3c3NzGxsbn5+eWlpa1tbWcnJx6enob4+f+AAAIqklEQVR4nO3dCZuaOhQGYEZAh0FkX2W1//8/lkVMICeIkRmOPHz22lYg5OVEZLFzJRNrnC+xSGt3nJvQekMUYktnEiM1ouDrjCs/pukLkzoRtpjmNRcloRUFoiS8oo5UvLwsYpEgCaXoHLYiMRJqkRAJt0iEhFwkQMIqCgJRElpRLErCL3r1oxavSJSEWCRIQikyOtGQNPd8CaXICc04FiXhFomQkIsESChFbmhmwiT0opf3eBivMzSjLuORnh49oKxRKxIloayR24oESShFRScSI6EUJaGZCJNwiwhp/skFcpFAlbCLXiehF71MQisSJiEVVYkwqRP9oEpXI1HSXXRuWjo/2jz3f3v8YfjS7871lbU1EiT1IjrAKrvX/2iurzisijkk8OQC5ah7iERIyEUCJOyi10noRU9J490DUpFPRAApniJhFVnzSaOdOF6RKAmlKGhFgiTMohdIyYeIhEh30aV99E9NLo8VXLqn++Q/mIuIREid6DJsv32s91Ityi1hEtJRl5+ESX2NMKUR2ZYoCbNIjIRV5FiiJIyicx7mriVEKnCKfvxadBIloRQ1NTqJkcICpcgPr7rjOPYJZnFNbZVwikw/YHNlXmDi4xW9kU70jSnNqOu/xL4R0aWg3yNMgNHWp0I66i7Dy5PsdXFuApw1Eg8RndfuykLZa4Q/512EPrsIfzYtOmwje43wh4h+1u7KQvm5bk601wh9NlijXYQ+uwh/HqLrZkTXh+h4PDQP8lQ/PvAlSrT2xl0oRHQ5biOXXYQ+uwh/dhH+7CL82bRI3Ua2XKPvtTfuQvneReizi/BnF+HPLsKfTYu0bYQWsd5PfImIDmtv3IVy2EXos4vwZxfhzy7CH0okbyO7CH+2/D46rr1xF8pxF6HPLsKfXYQ/uwh/KJGyjWxatPZwWShEpK69cReKuovQZxfhzy7Cn12EP0SkGduItmHRzFF3P3r63ZHzTl4YdYqsHg/e/YdF2e7xcFRVrba109gMFp2evGhmjzpFVZLcvJVpl7K8hWaVB1liNVNdJh7VZ4Wd7P4aaa5I866lFEnDRHWksC5eVgtH8VWy8PHGTE5V/rr+QqSocTnm9CpTM+SMmRhVVJcPKbPYv5VFcs7x1F3P1eeikl1sXZHGB0lRLH+eSI75ICk6KZ8nctkOkaQN+cNEWjBRIimU0YpkHY4hmxOgqNIMHRaRJo6giLO+dyM/F1nsvpfqWVAv92Eihe0u3bNE+TgR/FkURfWhUHPMIBsguh6N0yKNs7o/EGkVIEpj+XA8fltJ0GzqDxMdQwBka+2gqQ/p9FYkpaNIiEXuje3OddQfg738rFCTcYmME9sdKXntbY1MBOy802JrotJ6bSUiInLia7y2+aZEbXuyxXbn5vXXGQazDs+6xUWGoql2kXU/DDrOssLWNFmZ65oQufeflwvU6PHDdO8ki/0xu/Rb7RVRvZNJgupW7y3bU+T6JLnej97MPLNUhbPIbJEV9U2y/eknHds5lfhfNMo/sb23oRX5LQXWGUmpGdtz3nxEpOiep7eP+5MFUEZJj+0SCnsCVX/CkrZUQFRvQG+8RkNOzHTi5LL0rW6x8YL0bwolGtdolqir0fQxAyQCNrdsVczFmdFS6fXp+4kSecPMEqntrAYkkklTYI288frkYKI+j+XCYtzRUdCIdMV/7mkWTDNmY6AU6bo5C9QknqwSEpFuzAdJUjZFQiJSoFMWfhIDu0ievDjD5ubquEV6AjVet3krU3B/Hvn8cYdDBJxUSlKVaJqmWvENMiXcImEQKcCYi26W1nZaN9SAXXFkcos0JZpxXLeICDpLDnVSBDkDusAtEhGN72p5J78LcMbn9+nudemgiDSlASLF66cC20NKbZ3qCnAnIfKp9gcxiIjVPj8/8mbVCBY9VsNes42C4YgBrgyUJ06NpkRdCuD8yB418pYIOkl2hyuQ2SOkKOMMO4M76vrBB4sG84Cjjrr5Cooeo4TdLwyGbLsC4IKgD93dHY66lUQye7gQxfqgfdcDhr7JeSOtLoL2dOn4KEdX2E+s0hp24j3RaUERsPnLLBmlYPceaYJVBB0Bja85p8ANn3rXgFX02kEqaSGAeywoGs7zjghYdqYoxyp68USCtMDZfX+wqHomav53fkBcWDSYx4NEBpkuAyLj3oSwSDIVsMM6ETVAp/3V/KG2tP/xRPRccI1IW7Comyr8PupE9052bbW/0yLHpX/1T1wRmQuskULa4oqcd/Z1pjLu6li0zqgDP49m5fmo+2NR3z50zFBYczLsBB6Rxx6y8Q5wRoE7LCaylhM5BnTs7cGdmZP1RZzdygeLXOjW9fg94jYXUnjjbBHRcJ5nImVKBA67fFgkL/HzIE4KRW7vM0/i/kQ0WSPHg75KldHdqc+h7pfZ0jKs/GuDM3hvNSLizSEqoroE1Yia7ELf00kIWS/o09z+EmLA6bC3hMh9TwRskDq51x47e4Zzhc73Qt64wyByPOjmUVT6cZZkcQV+0zxNflX05qgD36tSe3MilcCr1FLEe9sPRDYYjmgwD1wjMl1hm4h0ugF43PETVd6wB3RbKES2Pu+2cr9waHFBWESO+8JtyxrkckFYRDa8dxAAoRHNH3hRNTHkUIlsY9Z3TqR6LzcFokScSsKi4TzPRMYske0VT78XJJkJZ8uTzojV6FdEtmNkE9/diqLUzJTpAtmzalQyF6FvI5ETA9+OpraQwTYhwRvQMYqryX6sNn8vq8AynnqoGuXuCY7N/vMR3R7N47DzePR04J+gjJt4rM7V3SzwzbC8FzYtb2Z1jQtDd3nLDOLmD1E9v90++qfT4Lfh5N+cq/508shXb5st6Ll1cWa2RYu2EUo0p6QfkF2EP7sIf3YR/hCRs3ZXFoqzYdEGR92su1D4Q486yzq1D/L0iS85W67R2l1ZKLsIfzYs4l05+bg8rpxU/lZS3UXbyvZE/wFXu+LXNTDaDQAAAABJRU5ErkJggg=="/>
+          <p:cNvSpPr>
+            <a:spLocks noChangeAspect="1" noChangeArrowheads="1"/>
+          </p:cNvSpPr>
+          <p:nvPr/>
+        </p:nvSpPr>
+        <p:spPr bwMode="auto">
+          <a:xfrm>
+            <a:off x="207436" y="-116412"/>
+            <a:ext cx="406400" cy="406402"/>
+          </a:xfrm>
+          <a:prstGeom prst="rect">
+            <a:avLst/>
+          </a:prstGeom>
+          <a:noFill/>
+          <a:extLst>
+            <a:ext uri="{909E8E84-426E-40DD-AFC4-6F175D3DCCD1}">
+              <a14:hiddenFill xmlns:a14="http://schemas.microsoft.com/office/drawing/2010/main">
+                <a:solidFill>
+                  <a:srgbClr val="FFFFFF"/>
+                </a:solidFill>
+              </a14:hiddenFill>
+            </a:ext>
+          </a:extLst>
+        </p:spPr>
+        <p:txBody>
+          <a:bodyPr vert="horz" wrap="square" lIns="121920" tIns="60960" rIns="121920" bIns="60960" numCol="1" anchor="t" anchorCtr="0" compatLnSpc="1">
+            <a:prstTxWarp prst="textNoShape">
+              <a:avLst/>
+            </a:prstTxWarp>
+          </a:bodyPr>
+          <a:lstStyle/>
+          <a:p>
+            <a:endParaRPr lang="en-US" sz="1600" dirty="0"/>
+          </a:p>
+        </p:txBody>
+      </p:sp>
+      <p:sp>
+        <p:nvSpPr>
+          <p:cNvPr id="2" name="AutoShape 2" descr="Image result for file"/>
+          <p:cNvSpPr>
+            <a:spLocks noChangeAspect="1" noChangeArrowheads="1"/>
+          </p:cNvSpPr>
+          <p:nvPr/>
+        </p:nvSpPr>
+        <p:spPr bwMode="auto">
+          <a:xfrm>
+            <a:off x="410635" y="86789"/>
+            <a:ext cx="406400" cy="406402"/>
+          </a:xfrm>
+          <a:prstGeom prst="rect">
+            <a:avLst/>
+          </a:prstGeom>
+          <a:noFill/>
+          <a:extLst>
+            <a:ext uri="{909E8E84-426E-40DD-AFC4-6F175D3DCCD1}">
+              <a14:hiddenFill xmlns:a14="http://schemas.microsoft.com/office/drawing/2010/main">
+                <a:solidFill>
+                  <a:srgbClr val="FFFFFF"/>
+                </a:solidFill>
+              </a14:hiddenFill>
+            </a:ext>
+          </a:extLst>
+        </p:spPr>
+        <p:txBody>
+          <a:bodyPr vert="horz" wrap="square" lIns="121920" tIns="60960" rIns="121920" bIns="60960" numCol="1" anchor="t" anchorCtr="0" compatLnSpc="1">
+            <a:prstTxWarp prst="textNoShape">
+              <a:avLst/>
+            </a:prstTxWarp>
+          </a:bodyPr>
+          <a:lstStyle/>
+          <a:p>
+            <a:endParaRPr lang="en-US" sz="2400" dirty="0"/>
+          </a:p>
+        </p:txBody>
+      </p:sp>
+      <p:sp>
+        <p:nvSpPr>
+          <p:cNvPr id="6" name="AutoShape 2" descr="Image result for activemq image"/>
+          <p:cNvSpPr>
+            <a:spLocks noChangeAspect="1" noChangeArrowheads="1"/>
+          </p:cNvSpPr>
+          <p:nvPr/>
+        </p:nvSpPr>
+        <p:spPr bwMode="auto">
+          <a:xfrm>
+            <a:off x="613835" y="289988"/>
+            <a:ext cx="406400" cy="406402"/>
+          </a:xfrm>
+          <a:prstGeom prst="rect">
+            <a:avLst/>
+          </a:prstGeom>
+          <a:noFill/>
+          <a:extLst>
+            <a:ext uri="{909E8E84-426E-40DD-AFC4-6F175D3DCCD1}">
+              <a14:hiddenFill xmlns:a14="http://schemas.microsoft.com/office/drawing/2010/main">
+                <a:solidFill>
+                  <a:srgbClr val="FFFFFF"/>
+                </a:solidFill>
+              </a14:hiddenFill>
+            </a:ext>
+          </a:extLst>
+        </p:spPr>
+        <p:txBody>
+          <a:bodyPr vert="horz" wrap="square" lIns="121920" tIns="60960" rIns="121920" bIns="60960" numCol="1" anchor="t" anchorCtr="0" compatLnSpc="1">
+            <a:prstTxWarp prst="textNoShape">
+              <a:avLst/>
+            </a:prstTxWarp>
+          </a:bodyPr>
+          <a:lstStyle/>
+          <a:p>
+            <a:endParaRPr lang="en-US" sz="2400" dirty="0"/>
+          </a:p>
+        </p:txBody>
+      </p:sp>
+      <p:sp>
+        <p:nvSpPr>
+          <p:cNvPr id="7" name="Rectangle 6">
+            <a:extLst>
+              <a:ext uri="{FF2B5EF4-FFF2-40B4-BE49-F238E27FC236}">
+                <a16:creationId xmlns:a16="http://schemas.microsoft.com/office/drawing/2014/main" id="{3177545C-EEE8-4B4F-BC37-17141354D0E9}"/>
+              </a:ext>
+            </a:extLst>
+          </p:cNvPr>
+          <p:cNvSpPr/>
+          <p:nvPr/>
+        </p:nvSpPr>
+        <p:spPr>
+          <a:xfrm>
+            <a:off x="2209800" y="13595"/>
+            <a:ext cx="8229600" cy="400110"/>
+          </a:xfrm>
+          <a:prstGeom prst="rect">
+            <a:avLst/>
+          </a:prstGeom>
+        </p:spPr>
+        <p:style>
+          <a:lnRef idx="1">
+            <a:schemeClr val="accent4"/>
+          </a:lnRef>
+          <a:fillRef idx="3">
+            <a:schemeClr val="accent4"/>
+          </a:fillRef>
+          <a:effectRef idx="2">
+            <a:schemeClr val="accent4"/>
+          </a:effectRef>
+          <a:fontRef idx="minor">
+            <a:schemeClr val="lt1"/>
+          </a:fontRef>
+        </p:style>
+        <p:txBody>
+          <a:bodyPr wrap="square">
+            <a:spAutoFit/>
+          </a:bodyPr>
+          <a:lstStyle>
+            <a:defPPr>
+              <a:defRPr lang="en-US"/>
+            </a:defPPr>
+            <a:lvl1pPr marL="0" algn="l" defTabSz="914400" rtl="0" eaLnBrk="1" latinLnBrk="0" hangingPunct="1">
+              <a:defRPr sz="1800" kern="1200">
+                <a:solidFill>
+                  <a:schemeClr val="lt1"/>
+                </a:solidFill>
+                <a:latin typeface="+mn-lt"/>
+                <a:ea typeface="+mn-ea"/>
+                <a:cs typeface="+mn-cs"/>
+              </a:defRPr>
+            </a:lvl1pPr>
+            <a:lvl2pPr marL="457200" algn="l" defTabSz="914400" rtl="0" eaLnBrk="1" latinLnBrk="0" hangingPunct="1">
+              <a:defRPr sz="1800" kern="1200">
+                <a:solidFill>
+                  <a:schemeClr val="lt1"/>
+                </a:solidFill>
+                <a:latin typeface="+mn-lt"/>
+                <a:ea typeface="+mn-ea"/>
+                <a:cs typeface="+mn-cs"/>
+              </a:defRPr>
+            </a:lvl2pPr>
+            <a:lvl3pPr marL="914400" algn="l" defTabSz="914400" rtl="0" eaLnBrk="1" latinLnBrk="0" hangingPunct="1">
+              <a:defRPr sz="1800" kern="1200">
+                <a:solidFill>
+                  <a:schemeClr val="lt1"/>
+                </a:solidFill>
+                <a:latin typeface="+mn-lt"/>
+                <a:ea typeface="+mn-ea"/>
+                <a:cs typeface="+mn-cs"/>
+              </a:defRPr>
+            </a:lvl3pPr>
+            <a:lvl4pPr marL="1371600" algn="l" defTabSz="914400" rtl="0" eaLnBrk="1" latinLnBrk="0" hangingPunct="1">
+              <a:defRPr sz="1800" kern="1200">
+                <a:solidFill>
+                  <a:schemeClr val="lt1"/>
+                </a:solidFill>
+                <a:latin typeface="+mn-lt"/>
+                <a:ea typeface="+mn-ea"/>
+                <a:cs typeface="+mn-cs"/>
+              </a:defRPr>
+            </a:lvl4pPr>
+            <a:lvl5pPr marL="1828800" algn="l" defTabSz="914400" rtl="0" eaLnBrk="1" latinLnBrk="0" hangingPunct="1">
+              <a:defRPr sz="1800" kern="1200">
+                <a:solidFill>
+                  <a:schemeClr val="lt1"/>
+                </a:solidFill>
+                <a:latin typeface="+mn-lt"/>
+                <a:ea typeface="+mn-ea"/>
+                <a:cs typeface="+mn-cs"/>
+              </a:defRPr>
+            </a:lvl5pPr>
+            <a:lvl6pPr marL="2286000" algn="l" defTabSz="914400" rtl="0" eaLnBrk="1" latinLnBrk="0" hangingPunct="1">
+              <a:defRPr sz="1800" kern="1200">
+                <a:solidFill>
+                  <a:schemeClr val="lt1"/>
+                </a:solidFill>
+                <a:latin typeface="+mn-lt"/>
+                <a:ea typeface="+mn-ea"/>
+                <a:cs typeface="+mn-cs"/>
+              </a:defRPr>
+            </a:lvl6pPr>
+            <a:lvl7pPr marL="2743200" algn="l" defTabSz="914400" rtl="0" eaLnBrk="1" latinLnBrk="0" hangingPunct="1">
+              <a:defRPr sz="1800" kern="1200">
+                <a:solidFill>
+                  <a:schemeClr val="lt1"/>
+                </a:solidFill>
+                <a:latin typeface="+mn-lt"/>
+                <a:ea typeface="+mn-ea"/>
+                <a:cs typeface="+mn-cs"/>
+              </a:defRPr>
+            </a:lvl7pPr>
+            <a:lvl8pPr marL="3200400" algn="l" defTabSz="914400" rtl="0" eaLnBrk="1" latinLnBrk="0" hangingPunct="1">
+              <a:defRPr sz="1800" kern="1200">
+                <a:solidFill>
+                  <a:schemeClr val="lt1"/>
+                </a:solidFill>
+                <a:latin typeface="+mn-lt"/>
+                <a:ea typeface="+mn-ea"/>
+                <a:cs typeface="+mn-cs"/>
+              </a:defRPr>
+            </a:lvl8pPr>
+            <a:lvl9pPr marL="3657600" algn="l" defTabSz="914400" rtl="0" eaLnBrk="1" latinLnBrk="0" hangingPunct="1">
+              <a:defRPr sz="1800" kern="1200">
+                <a:solidFill>
+                  <a:schemeClr val="lt1"/>
+                </a:solidFill>
+                <a:latin typeface="+mn-lt"/>
+                <a:ea typeface="+mn-ea"/>
+                <a:cs typeface="+mn-cs"/>
+              </a:defRPr>
+            </a:lvl9pPr>
+          </a:lstStyle>
+          <a:p>
+            <a:pPr algn="ctr"/>
+            <a:r>
+              <a:rPr lang="en-US" sz="2000" dirty="0"/>
+              <a:t>Linux and Mac OS X operating systems | How to keep SSH connections alive?</a:t>
+            </a:r>
+          </a:p>
+        </p:txBody>
+      </p:sp>
+      <p:sp>
+        <p:nvSpPr>
+          <p:cNvPr id="5" name="Rectangle 4">
+            <a:extLst>
+              <a:ext uri="{FF2B5EF4-FFF2-40B4-BE49-F238E27FC236}">
+                <a16:creationId xmlns:a16="http://schemas.microsoft.com/office/drawing/2014/main" id="{E755D094-FE96-4DBE-9E7E-F11D344CAB77}"/>
+              </a:ext>
+            </a:extLst>
+          </p:cNvPr>
+          <p:cNvSpPr/>
+          <p:nvPr/>
+        </p:nvSpPr>
+        <p:spPr>
+          <a:xfrm>
+            <a:off x="633713" y="1143000"/>
+            <a:ext cx="6853765" cy="4801314"/>
+          </a:xfrm>
+          <a:prstGeom prst="rect">
+            <a:avLst/>
+          </a:prstGeom>
+          <a:solidFill>
+            <a:srgbClr val="FFC000"/>
+          </a:solidFill>
+        </p:spPr>
+        <p:txBody>
+          <a:bodyPr wrap="square">
+            <a:spAutoFit/>
+          </a:bodyPr>
+          <a:lstStyle/>
+          <a:p>
+            <a:r>
+              <a:rPr lang="en-US" sz="1800" dirty="0"/>
+              <a:t>[ec2-user@ip-172-31-89-104 ~]$ man </a:t>
+            </a:r>
+            <a:r>
+              <a:rPr lang="en-US" sz="1800" dirty="0" err="1"/>
+              <a:t>ssh_config</a:t>
+            </a:r>
+            <a:endParaRPr lang="en-US" sz="1800" dirty="0"/>
+          </a:p>
+          <a:p>
+            <a:r>
+              <a:rPr lang="en-US" sz="1800" dirty="0"/>
+              <a:t>[ec2-user@ip-172-31-89-104 ~]$ </a:t>
+            </a:r>
+            <a:r>
+              <a:rPr lang="en-US" sz="1800" dirty="0" err="1"/>
+              <a:t>pwd</a:t>
+            </a:r>
+            <a:endParaRPr lang="en-US" sz="1800" dirty="0"/>
+          </a:p>
+          <a:p>
+            <a:r>
+              <a:rPr lang="en-US" sz="1800" dirty="0"/>
+              <a:t>/home/ec2-user</a:t>
+            </a:r>
+          </a:p>
+          <a:p>
+            <a:r>
+              <a:rPr lang="en-US" sz="1800" dirty="0"/>
+              <a:t>[ec2-user@ip-172-31-89-104 ~]$ cd .</a:t>
+            </a:r>
+            <a:r>
+              <a:rPr lang="en-US" sz="1800" dirty="0" err="1"/>
+              <a:t>ssh</a:t>
+            </a:r>
+            <a:endParaRPr lang="en-US" sz="1800" dirty="0"/>
+          </a:p>
+          <a:p>
+            <a:r>
+              <a:rPr lang="en-US" sz="1800" dirty="0"/>
+              <a:t>[ec2-user@ip-172-31-89-104 .</a:t>
+            </a:r>
+            <a:r>
+              <a:rPr lang="en-US" sz="1800" dirty="0" err="1"/>
+              <a:t>ssh</a:t>
+            </a:r>
+            <a:r>
+              <a:rPr lang="en-US" sz="1800" dirty="0"/>
+              <a:t>]$ </a:t>
+            </a:r>
+            <a:r>
+              <a:rPr lang="en-US" sz="1800" dirty="0" err="1"/>
+              <a:t>pwd</a:t>
+            </a:r>
+            <a:endParaRPr lang="en-US" sz="1800" dirty="0"/>
+          </a:p>
+          <a:p>
+            <a:r>
+              <a:rPr lang="en-US" sz="1800" dirty="0"/>
+              <a:t>/home/ec2-user/.</a:t>
+            </a:r>
+            <a:r>
+              <a:rPr lang="en-US" sz="1800" dirty="0" err="1"/>
+              <a:t>ssh</a:t>
+            </a:r>
+            <a:endParaRPr lang="en-US" sz="1800" dirty="0"/>
+          </a:p>
+          <a:p>
+            <a:r>
+              <a:rPr lang="en-US" sz="1800" dirty="0"/>
+              <a:t>[ec2-user@ip-172-31-89-104 .</a:t>
+            </a:r>
+            <a:r>
+              <a:rPr lang="en-US" sz="1800" dirty="0" err="1"/>
+              <a:t>ssh</a:t>
+            </a:r>
+            <a:r>
+              <a:rPr lang="en-US" sz="1800" dirty="0"/>
+              <a:t>]$ touch config</a:t>
+            </a:r>
+          </a:p>
+          <a:p>
+            <a:r>
+              <a:rPr lang="en-US" sz="1800" dirty="0"/>
+              <a:t>[ec2-user@ip-172-31-89-104 .</a:t>
+            </a:r>
+            <a:r>
+              <a:rPr lang="en-US" sz="1800" dirty="0" err="1"/>
+              <a:t>ssh</a:t>
+            </a:r>
+            <a:r>
+              <a:rPr lang="en-US" sz="1800" dirty="0"/>
+              <a:t>]$ ls</a:t>
+            </a:r>
+          </a:p>
+          <a:p>
+            <a:r>
+              <a:rPr lang="en-US" sz="1800" dirty="0" err="1"/>
+              <a:t>authorized_keys</a:t>
+            </a:r>
+            <a:r>
+              <a:rPr lang="en-US" sz="1800" dirty="0"/>
+              <a:t>  config</a:t>
+            </a:r>
+          </a:p>
+          <a:p>
+            <a:r>
+              <a:rPr lang="en-US" sz="1800" dirty="0"/>
+              <a:t>[ec2-user@ip-172-31-89-104 .</a:t>
+            </a:r>
+            <a:r>
+              <a:rPr lang="en-US" sz="1800" dirty="0" err="1"/>
+              <a:t>ssh</a:t>
+            </a:r>
+            <a:r>
+              <a:rPr lang="en-US" sz="1800" dirty="0"/>
+              <a:t>]$ vi config</a:t>
+            </a:r>
+          </a:p>
+          <a:p>
+            <a:r>
+              <a:rPr lang="en-US" sz="1800" dirty="0"/>
+              <a:t>[ec2-user@ip-172-31-89-104 .</a:t>
+            </a:r>
+            <a:r>
+              <a:rPr lang="en-US" sz="1800" dirty="0" err="1"/>
+              <a:t>ssh</a:t>
+            </a:r>
+            <a:r>
+              <a:rPr lang="en-US" sz="1800" dirty="0"/>
+              <a:t>]$ vi config</a:t>
+            </a:r>
+          </a:p>
+          <a:p>
+            <a:r>
+              <a:rPr lang="en-US" sz="1800" dirty="0"/>
+              <a:t>[ec2-user@ip-172-31-89-104 .</a:t>
+            </a:r>
+            <a:r>
+              <a:rPr lang="en-US" sz="1800" dirty="0" err="1"/>
+              <a:t>ssh</a:t>
+            </a:r>
+            <a:r>
+              <a:rPr lang="en-US" sz="1800" dirty="0"/>
+              <a:t>]$ vi config</a:t>
+            </a:r>
+          </a:p>
+          <a:p>
+            <a:r>
+              <a:rPr lang="en-US" sz="1800" dirty="0"/>
+              <a:t>[ec2-user@ip-172-31-89-104 .</a:t>
+            </a:r>
+            <a:r>
+              <a:rPr lang="en-US" sz="1800" dirty="0" err="1"/>
+              <a:t>ssh</a:t>
+            </a:r>
+            <a:r>
+              <a:rPr lang="en-US" sz="1800" dirty="0"/>
+              <a:t>]$ </a:t>
+            </a:r>
+            <a:r>
+              <a:rPr lang="en-US" sz="1800" dirty="0" err="1"/>
+              <a:t>ssh</a:t>
+            </a:r>
+            <a:r>
+              <a:rPr lang="en-US" sz="1800" dirty="0"/>
+              <a:t> example</a:t>
+            </a:r>
+          </a:p>
+          <a:p>
+            <a:r>
+              <a:rPr lang="en-US" sz="1800" dirty="0"/>
+              <a:t>Bad owner or permissions on /home/ec2-user/.</a:t>
+            </a:r>
+            <a:r>
+              <a:rPr lang="en-US" sz="1800" dirty="0" err="1"/>
+              <a:t>ssh</a:t>
+            </a:r>
+            <a:r>
+              <a:rPr lang="en-US" sz="1800" dirty="0"/>
+              <a:t>/config</a:t>
+            </a:r>
+          </a:p>
+          <a:p>
+            <a:r>
+              <a:rPr lang="en-US" sz="1800" dirty="0"/>
+              <a:t>[ec2-user@ip-172-31-89-104 .</a:t>
+            </a:r>
+            <a:r>
+              <a:rPr lang="en-US" sz="1800" dirty="0" err="1"/>
+              <a:t>ssh</a:t>
+            </a:r>
+            <a:r>
+              <a:rPr lang="en-US" sz="1800" dirty="0"/>
+              <a:t>]$ </a:t>
+            </a:r>
+            <a:r>
+              <a:rPr lang="en-US" sz="1800" dirty="0" err="1"/>
+              <a:t>sudo</a:t>
+            </a:r>
+            <a:r>
+              <a:rPr lang="en-US" sz="1800" dirty="0"/>
+              <a:t> </a:t>
+            </a:r>
+            <a:r>
+              <a:rPr lang="en-US" sz="1800" dirty="0" err="1"/>
+              <a:t>ssh</a:t>
+            </a:r>
+            <a:r>
+              <a:rPr lang="en-US" sz="1800" dirty="0"/>
+              <a:t> example</a:t>
+            </a:r>
+          </a:p>
+          <a:p>
+            <a:r>
+              <a:rPr lang="en-US" sz="1800" dirty="0" err="1"/>
+              <a:t>ssh</a:t>
+            </a:r>
+            <a:r>
+              <a:rPr lang="en-US" sz="1800" dirty="0"/>
+              <a:t>: Could not resolve hostname example: Name or service not known</a:t>
+            </a:r>
+          </a:p>
+          <a:p>
+            <a:r>
+              <a:rPr lang="en-US" sz="1800" dirty="0"/>
+              <a:t>[ec2-user@ip-172-31-89-104 .</a:t>
+            </a:r>
+            <a:r>
+              <a:rPr lang="en-US" sz="1800" dirty="0" err="1"/>
+              <a:t>ssh</a:t>
+            </a:r>
+            <a:r>
+              <a:rPr lang="en-US" sz="1800" dirty="0"/>
+              <a:t>]$</a:t>
+            </a:r>
+          </a:p>
+        </p:txBody>
+      </p:sp>
+      <p:sp>
+        <p:nvSpPr>
+          <p:cNvPr id="9" name="Rectangle 8">
+            <a:extLst>
+              <a:ext uri="{FF2B5EF4-FFF2-40B4-BE49-F238E27FC236}">
+                <a16:creationId xmlns:a16="http://schemas.microsoft.com/office/drawing/2014/main" id="{6954E314-7E18-4093-A21C-BDC260840374}"/>
+              </a:ext>
+            </a:extLst>
+          </p:cNvPr>
+          <p:cNvSpPr/>
+          <p:nvPr/>
+        </p:nvSpPr>
+        <p:spPr>
+          <a:xfrm>
+            <a:off x="8205487" y="1143000"/>
+            <a:ext cx="3352800" cy="1754326"/>
+          </a:xfrm>
+          <a:prstGeom prst="rect">
+            <a:avLst/>
+          </a:prstGeom>
+          <a:solidFill>
+            <a:srgbClr val="00B0F0"/>
+          </a:solidFill>
+        </p:spPr>
+        <p:txBody>
+          <a:bodyPr wrap="square">
+            <a:spAutoFit/>
+          </a:bodyPr>
+          <a:lstStyle/>
+          <a:p>
+            <a:r>
+              <a:rPr lang="en-US" sz="1800" dirty="0"/>
+              <a:t>Host example</a:t>
+            </a:r>
+          </a:p>
+          <a:p>
+            <a:r>
+              <a:rPr lang="en-US" sz="1800" dirty="0"/>
+              <a:t>    Hostname example.com</a:t>
+            </a:r>
+          </a:p>
+          <a:p>
+            <a:r>
+              <a:rPr lang="en-US" sz="1800" dirty="0"/>
+              <a:t>    Port 7822</a:t>
+            </a:r>
+          </a:p>
+          <a:p>
+            <a:r>
+              <a:rPr lang="en-US" sz="1800" dirty="0"/>
+              <a:t>    User username</a:t>
+            </a:r>
+          </a:p>
+          <a:p>
+            <a:r>
+              <a:rPr lang="en-US" sz="1800" dirty="0"/>
+              <a:t>    </a:t>
+            </a:r>
+            <a:r>
+              <a:rPr lang="en-US" sz="1800" dirty="0" err="1"/>
+              <a:t>ServerAliveInterval</a:t>
+            </a:r>
+            <a:r>
+              <a:rPr lang="en-US" sz="1800" dirty="0"/>
+              <a:t> 240</a:t>
+            </a:r>
+          </a:p>
+          <a:p>
+            <a:r>
+              <a:rPr lang="en-US" sz="1800" dirty="0"/>
+              <a:t>    </a:t>
+            </a:r>
+            <a:r>
+              <a:rPr lang="en-US" sz="1800" dirty="0" err="1"/>
+              <a:t>ServerAliveCountMax</a:t>
+            </a:r>
+            <a:r>
+              <a:rPr lang="en-US" sz="1800" dirty="0"/>
+              <a:t> 2</a:t>
+            </a:r>
+          </a:p>
+        </p:txBody>
+      </p:sp>
+    </p:spTree>
+    <p:extLst>
+      <p:ext uri="{BB962C8B-B14F-4D97-AF65-F5344CB8AC3E}">
+        <p14:creationId xmlns:p14="http://schemas.microsoft.com/office/powerpoint/2010/main" val="1853763421"/>
+      </p:ext>
+    </p:extLst>
+  </p:cSld>
+  <p:clrMapOvr>
+    <a:masterClrMapping/>
+  </p:clrMapOvr>
+  <mc:AlternateContent xmlns:mc="http://schemas.openxmlformats.org/markup-compatibility/2006" xmlns:p14="http://schemas.microsoft.com/office/powerpoint/2010/main">
+    <mc:Choice Requires="p14">
+      <p:transition p14:dur="0" advClick="0"/>
+    </mc:Choice>
+    <mc:Fallback xmlns="">
+      <p:transition advClick="0"/>
+    </mc:Fallback>
+  </mc:AlternateContent>
+</p:sld>
+</file>
+
+<file path=ppt/slides/slide23.xml><?xml version="1.0" encoding="utf-8"?>
+<p:sld xmlns:a="http://schemas.openxmlformats.org/drawingml/2006/main" xmlns:r="http://schemas.openxmlformats.org/officeDocument/2006/relationships" xmlns:p="http://schemas.openxmlformats.org/presentationml/2006/main">
+  <p:cSld>
+    <p:spTree>
+      <p:nvGrpSpPr>
+        <p:cNvPr id="1" name=""/>
+        <p:cNvGrpSpPr/>
+        <p:nvPr/>
+      </p:nvGrpSpPr>
+      <p:grpSpPr>
+        <a:xfrm>
+          <a:off x="0" y="0"/>
+          <a:ext cx="0" cy="0"/>
+          <a:chOff x="0" y="0"/>
+          <a:chExt cx="0" cy="0"/>
+        </a:xfrm>
+      </p:grpSpPr>
+      <p:sp>
+        <p:nvSpPr>
+          <p:cNvPr id="3" name="AutoShape 2" descr="data:image/png;base64,iVBORw0KGgoAAAANSUhEUgAAANEAAADxCAMAAABiSKLrAAAAbFBMVEWIiIj////6+vr29vb19fX4+Pj5+fnu7u77+/v39/f9/f3z8/P+/v709PT8/Pyqqqrt7e3v7+/w8PDx8fHy8vK+vr7Q0NCjo6OBgYHY2Njk5OTHx8eNjY3c3NzGxsbn5+eWlpa1tbWcnJx6enob4+f+AAAIqklEQVR4nO3dCZuaOhQGYEZAh0FkX2W1//8/lkVMICeIkRmOPHz22lYg5OVEZLFzJRNrnC+xSGt3nJvQekMUYktnEiM1ouDrjCs/pukLkzoRtpjmNRcloRUFoiS8oo5UvLwsYpEgCaXoHLYiMRJqkRAJt0iEhFwkQMIqCgJRElpRLErCL3r1oxavSJSEWCRIQikyOtGQNPd8CaXICc04FiXhFomQkIsESChFbmhmwiT0opf3eBivMzSjLuORnh49oKxRKxIloayR24oESShFRScSI6EUJaGZCJNwiwhp/skFcpFAlbCLXiehF71MQisSJiEVVYkwqRP9oEpXI1HSXXRuWjo/2jz3f3v8YfjS7871lbU1EiT1IjrAKrvX/2iurzisijkk8OQC5ah7iERIyEUCJOyi10noRU9J490DUpFPRAApniJhFVnzSaOdOF6RKAmlKGhFgiTMohdIyYeIhEh30aV99E9NLo8VXLqn++Q/mIuIREid6DJsv32s91Ityi1hEtJRl5+ESX2NMKUR2ZYoCbNIjIRV5FiiJIyicx7mriVEKnCKfvxadBIloRQ1NTqJkcICpcgPr7rjOPYJZnFNbZVwikw/YHNlXmDi4xW9kU70jSnNqOu/xL4R0aWg3yNMgNHWp0I66i7Dy5PsdXFuApw1Eg8RndfuykLZa4Q/512EPrsIfzYtOmwje43wh4h+1u7KQvm5bk601wh9NlijXYQ+uwh/HqLrZkTXh+h4PDQP8lQ/PvAlSrT2xl0oRHQ5biOXXYQ+uwh/dhH+7CL82bRI3Ua2XKPvtTfuQvneReizi/BnF+HPLsKfTYu0bYQWsd5PfImIDmtv3IVy2EXos4vwZxfhzy7CH0okbyO7CH+2/D46rr1xF8pxF6HPLsKfXYQ/uwh/KJGyjWxatPZwWShEpK69cReKuovQZxfhzy7Cn12EP0SkGduItmHRzFF3P3r63ZHzTl4YdYqsHg/e/YdF2e7xcFRVrba109gMFp2evGhmjzpFVZLcvJVpl7K8hWaVB1liNVNdJh7VZ4Wd7P4aaa5I866lFEnDRHWksC5eVgtH8VWy8PHGTE5V/rr+QqSocTnm9CpTM+SMmRhVVJcPKbPYv5VFcs7x1F3P1eeikl1sXZHGB0lRLH+eSI75ICk6KZ8nctkOkaQN+cNEWjBRIimU0YpkHY4hmxOgqNIMHRaRJo6giLO+dyM/F1nsvpfqWVAv92Eihe0u3bNE+TgR/FkURfWhUHPMIBsguh6N0yKNs7o/EGkVIEpj+XA8fltJ0GzqDxMdQwBka+2gqQ/p9FYkpaNIiEXuje3OddQfg738rFCTcYmME9sdKXntbY1MBOy802JrotJ6bSUiInLia7y2+aZEbXuyxXbn5vXXGQazDs+6xUWGoql2kXU/DDrOssLWNFmZ65oQufeflwvU6PHDdO8ki/0xu/Rb7RVRvZNJgupW7y3bU+T6JLnej97MPLNUhbPIbJEV9U2y/eknHds5lfhfNMo/sb23oRX5LQXWGUmpGdtz3nxEpOiep7eP+5MFUEZJj+0SCnsCVX/CkrZUQFRvQG+8RkNOzHTi5LL0rW6x8YL0bwolGtdolqir0fQxAyQCNrdsVczFmdFS6fXp+4kSecPMEqntrAYkkklTYI288frkYKI+j+XCYtzRUdCIdMV/7mkWTDNmY6AU6bo5C9QknqwSEpFuzAdJUjZFQiJSoFMWfhIDu0ievDjD5ubquEV6AjVet3krU3B/Hvn8cYdDBJxUSlKVaJqmWvENMiXcImEQKcCYi26W1nZaN9SAXXFkcos0JZpxXLeICDpLDnVSBDkDusAtEhGN72p5J78LcMbn9+nudemgiDSlASLF66cC20NKbZ3qCnAnIfKp9gcxiIjVPj8/8mbVCBY9VsNes42C4YgBrgyUJ06NpkRdCuD8yB418pYIOkl2hyuQ2SOkKOMMO4M76vrBB4sG84Cjjrr5Cooeo4TdLwyGbLsC4IKgD93dHY66lUQye7gQxfqgfdcDhr7JeSOtLoL2dOn4KEdX2E+s0hp24j3RaUERsPnLLBmlYPceaYJVBB0Bja85p8ANn3rXgFX02kEqaSGAeywoGs7zjghYdqYoxyp68USCtMDZfX+wqHomav53fkBcWDSYx4NEBpkuAyLj3oSwSDIVsMM6ETVAp/3V/KG2tP/xRPRccI1IW7Comyr8PupE9052bbW/0yLHpX/1T1wRmQuskULa4oqcd/Z1pjLu6li0zqgDP49m5fmo+2NR3z50zFBYczLsBB6Rxx6y8Q5wRoE7LCaylhM5BnTs7cGdmZP1RZzdygeLXOjW9fg94jYXUnjjbBHRcJ5nImVKBA67fFgkL/HzIE4KRW7vM0/i/kQ0WSPHg75KldHdqc+h7pfZ0jKs/GuDM3hvNSLizSEqoroE1Yia7ELf00kIWS/o09z+EmLA6bC3hMh9TwRskDq51x47e4Zzhc73Qt64wyByPOjmUVT6cZZkcQV+0zxNflX05qgD36tSe3MilcCr1FLEe9sPRDYYjmgwD1wjMl1hm4h0ugF43PETVd6wB3RbKES2Pu+2cr9waHFBWESO+8JtyxrkckFYRDa8dxAAoRHNH3hRNTHkUIlsY9Z3TqR6LzcFokScSsKi4TzPRMYske0VT78XJJkJZ8uTzojV6FdEtmNkE9/diqLUzJTpAtmzalQyF6FvI5ETA9+OpraQwTYhwRvQMYqryX6sNn8vq8AynnqoGuXuCY7N/vMR3R7N47DzePR04J+gjJt4rM7V3SzwzbC8FzYtb2Z1jQtDd3nLDOLmD1E9v90++qfT4Lfh5N+cq/508shXb5st6Ll1cWa2RYu2EUo0p6QfkF2EP7sIf3YR/hCRs3ZXFoqzYdEGR92su1D4Q486yzq1D/L0iS85W67R2l1ZKLsIfzYs4l05+bg8rpxU/lZS3UXbyvZE/wFXu+LXNTDaDQAAAABJRU5ErkJggg=="/>
+          <p:cNvSpPr>
+            <a:spLocks noChangeAspect="1" noChangeArrowheads="1"/>
+          </p:cNvSpPr>
+          <p:nvPr/>
+        </p:nvSpPr>
+        <p:spPr bwMode="auto">
+          <a:xfrm>
+            <a:off x="207436" y="-116412"/>
+            <a:ext cx="406400" cy="406402"/>
+          </a:xfrm>
+          <a:prstGeom prst="rect">
+            <a:avLst/>
+          </a:prstGeom>
+          <a:noFill/>
+          <a:extLst>
+            <a:ext uri="{909E8E84-426E-40DD-AFC4-6F175D3DCCD1}">
+              <a14:hiddenFill xmlns:a14="http://schemas.microsoft.com/office/drawing/2010/main">
+                <a:solidFill>
+                  <a:srgbClr val="FFFFFF"/>
+                </a:solidFill>
+              </a14:hiddenFill>
+            </a:ext>
+          </a:extLst>
+        </p:spPr>
+        <p:txBody>
+          <a:bodyPr vert="horz" wrap="square" lIns="121920" tIns="60960" rIns="121920" bIns="60960" numCol="1" anchor="t" anchorCtr="0" compatLnSpc="1">
+            <a:prstTxWarp prst="textNoShape">
+              <a:avLst/>
+            </a:prstTxWarp>
+          </a:bodyPr>
+          <a:lstStyle/>
+          <a:p>
+            <a:endParaRPr lang="en-US" sz="1600" dirty="0"/>
+          </a:p>
+        </p:txBody>
+      </p:sp>
+      <p:sp>
+        <p:nvSpPr>
+          <p:cNvPr id="2" name="AutoShape 2" descr="Image result for file"/>
+          <p:cNvSpPr>
+            <a:spLocks noChangeAspect="1" noChangeArrowheads="1"/>
+          </p:cNvSpPr>
+          <p:nvPr/>
+        </p:nvSpPr>
+        <p:spPr bwMode="auto">
+          <a:xfrm>
+            <a:off x="410635" y="86789"/>
+            <a:ext cx="406400" cy="406402"/>
+          </a:xfrm>
+          <a:prstGeom prst="rect">
+            <a:avLst/>
+          </a:prstGeom>
+          <a:noFill/>
+          <a:extLst>
+            <a:ext uri="{909E8E84-426E-40DD-AFC4-6F175D3DCCD1}">
+              <a14:hiddenFill xmlns:a14="http://schemas.microsoft.com/office/drawing/2010/main">
+                <a:solidFill>
+                  <a:srgbClr val="FFFFFF"/>
+                </a:solidFill>
+              </a14:hiddenFill>
+            </a:ext>
+          </a:extLst>
+        </p:spPr>
+        <p:txBody>
+          <a:bodyPr vert="horz" wrap="square" lIns="121920" tIns="60960" rIns="121920" bIns="60960" numCol="1" anchor="t" anchorCtr="0" compatLnSpc="1">
+            <a:prstTxWarp prst="textNoShape">
+              <a:avLst/>
+            </a:prstTxWarp>
+          </a:bodyPr>
+          <a:lstStyle/>
+          <a:p>
+            <a:endParaRPr lang="en-US" sz="2400" dirty="0"/>
+          </a:p>
+        </p:txBody>
+      </p:sp>
+      <p:sp>
+        <p:nvSpPr>
+          <p:cNvPr id="6" name="AutoShape 2" descr="Image result for activemq image"/>
+          <p:cNvSpPr>
+            <a:spLocks noChangeAspect="1" noChangeArrowheads="1"/>
+          </p:cNvSpPr>
+          <p:nvPr/>
+        </p:nvSpPr>
+        <p:spPr bwMode="auto">
+          <a:xfrm>
+            <a:off x="613835" y="289988"/>
+            <a:ext cx="406400" cy="406402"/>
+          </a:xfrm>
+          <a:prstGeom prst="rect">
+            <a:avLst/>
+          </a:prstGeom>
+          <a:noFill/>
+          <a:extLst>
+            <a:ext uri="{909E8E84-426E-40DD-AFC4-6F175D3DCCD1}">
+              <a14:hiddenFill xmlns:a14="http://schemas.microsoft.com/office/drawing/2010/main">
+                <a:solidFill>
+                  <a:srgbClr val="FFFFFF"/>
+                </a:solidFill>
+              </a14:hiddenFill>
+            </a:ext>
+          </a:extLst>
+        </p:spPr>
+        <p:txBody>
+          <a:bodyPr vert="horz" wrap="square" lIns="121920" tIns="60960" rIns="121920" bIns="60960" numCol="1" anchor="t" anchorCtr="0" compatLnSpc="1">
+            <a:prstTxWarp prst="textNoShape">
+              <a:avLst/>
+            </a:prstTxWarp>
+          </a:bodyPr>
+          <a:lstStyle/>
+          <a:p>
+            <a:endParaRPr lang="en-US" sz="2400" dirty="0"/>
+          </a:p>
+        </p:txBody>
+      </p:sp>
+      <p:sp>
+        <p:nvSpPr>
+          <p:cNvPr id="14" name="Rectangle 13"/>
+          <p:cNvSpPr/>
+          <p:nvPr/>
+        </p:nvSpPr>
+        <p:spPr>
+          <a:xfrm>
+            <a:off x="3222948" y="39135"/>
+            <a:ext cx="5768652" cy="400110"/>
+          </a:xfrm>
+          <a:prstGeom prst="rect">
+            <a:avLst/>
+          </a:prstGeom>
+        </p:spPr>
+        <p:style>
+          <a:lnRef idx="1">
+            <a:schemeClr val="accent4"/>
+          </a:lnRef>
+          <a:fillRef idx="3">
+            <a:schemeClr val="accent4"/>
+          </a:fillRef>
+          <a:effectRef idx="2">
+            <a:schemeClr val="accent4"/>
+          </a:effectRef>
+          <a:fontRef idx="minor">
+            <a:schemeClr val="lt1"/>
+          </a:fontRef>
+        </p:style>
+        <p:txBody>
+          <a:bodyPr wrap="square">
+            <a:spAutoFit/>
+          </a:bodyPr>
+          <a:lstStyle>
+            <a:defPPr>
+              <a:defRPr lang="en-US"/>
+            </a:defPPr>
+            <a:lvl1pPr marL="0" algn="l" defTabSz="914400" rtl="0" eaLnBrk="1" latinLnBrk="0" hangingPunct="1">
+              <a:defRPr sz="1800" kern="1200">
+                <a:solidFill>
+                  <a:schemeClr val="lt1"/>
+                </a:solidFill>
+                <a:latin typeface="+mn-lt"/>
+                <a:ea typeface="+mn-ea"/>
+                <a:cs typeface="+mn-cs"/>
+              </a:defRPr>
+            </a:lvl1pPr>
+            <a:lvl2pPr marL="457200" algn="l" defTabSz="914400" rtl="0" eaLnBrk="1" latinLnBrk="0" hangingPunct="1">
+              <a:defRPr sz="1800" kern="1200">
+                <a:solidFill>
+                  <a:schemeClr val="lt1"/>
+                </a:solidFill>
+                <a:latin typeface="+mn-lt"/>
+                <a:ea typeface="+mn-ea"/>
+                <a:cs typeface="+mn-cs"/>
+              </a:defRPr>
+            </a:lvl2pPr>
+            <a:lvl3pPr marL="914400" algn="l" defTabSz="914400" rtl="0" eaLnBrk="1" latinLnBrk="0" hangingPunct="1">
+              <a:defRPr sz="1800" kern="1200">
+                <a:solidFill>
+                  <a:schemeClr val="lt1"/>
+                </a:solidFill>
+                <a:latin typeface="+mn-lt"/>
+                <a:ea typeface="+mn-ea"/>
+                <a:cs typeface="+mn-cs"/>
+              </a:defRPr>
+            </a:lvl3pPr>
+            <a:lvl4pPr marL="1371600" algn="l" defTabSz="914400" rtl="0" eaLnBrk="1" latinLnBrk="0" hangingPunct="1">
+              <a:defRPr sz="1800" kern="1200">
+                <a:solidFill>
+                  <a:schemeClr val="lt1"/>
+                </a:solidFill>
+                <a:latin typeface="+mn-lt"/>
+                <a:ea typeface="+mn-ea"/>
+                <a:cs typeface="+mn-cs"/>
+              </a:defRPr>
+            </a:lvl4pPr>
+            <a:lvl5pPr marL="1828800" algn="l" defTabSz="914400" rtl="0" eaLnBrk="1" latinLnBrk="0" hangingPunct="1">
+              <a:defRPr sz="1800" kern="1200">
+                <a:solidFill>
+                  <a:schemeClr val="lt1"/>
+                </a:solidFill>
+                <a:latin typeface="+mn-lt"/>
+                <a:ea typeface="+mn-ea"/>
+                <a:cs typeface="+mn-cs"/>
+              </a:defRPr>
+            </a:lvl5pPr>
+            <a:lvl6pPr marL="2286000" algn="l" defTabSz="914400" rtl="0" eaLnBrk="1" latinLnBrk="0" hangingPunct="1">
+              <a:defRPr sz="1800" kern="1200">
+                <a:solidFill>
+                  <a:schemeClr val="lt1"/>
+                </a:solidFill>
+                <a:latin typeface="+mn-lt"/>
+                <a:ea typeface="+mn-ea"/>
+                <a:cs typeface="+mn-cs"/>
+              </a:defRPr>
+            </a:lvl6pPr>
+            <a:lvl7pPr marL="2743200" algn="l" defTabSz="914400" rtl="0" eaLnBrk="1" latinLnBrk="0" hangingPunct="1">
+              <a:defRPr sz="1800" kern="1200">
+                <a:solidFill>
+                  <a:schemeClr val="lt1"/>
+                </a:solidFill>
+                <a:latin typeface="+mn-lt"/>
+                <a:ea typeface="+mn-ea"/>
+                <a:cs typeface="+mn-cs"/>
+              </a:defRPr>
+            </a:lvl7pPr>
+            <a:lvl8pPr marL="3200400" algn="l" defTabSz="914400" rtl="0" eaLnBrk="1" latinLnBrk="0" hangingPunct="1">
+              <a:defRPr sz="1800" kern="1200">
+                <a:solidFill>
+                  <a:schemeClr val="lt1"/>
+                </a:solidFill>
+                <a:latin typeface="+mn-lt"/>
+                <a:ea typeface="+mn-ea"/>
+                <a:cs typeface="+mn-cs"/>
+              </a:defRPr>
+            </a:lvl8pPr>
+            <a:lvl9pPr marL="3657600" algn="l" defTabSz="914400" rtl="0" eaLnBrk="1" latinLnBrk="0" hangingPunct="1">
+              <a:defRPr sz="1800" kern="1200">
+                <a:solidFill>
+                  <a:schemeClr val="lt1"/>
+                </a:solidFill>
+                <a:latin typeface="+mn-lt"/>
+                <a:ea typeface="+mn-ea"/>
+                <a:cs typeface="+mn-cs"/>
+              </a:defRPr>
+            </a:lvl9pPr>
+          </a:lstStyle>
+          <a:p>
+            <a:pPr algn="ctr"/>
+            <a:r>
+              <a:rPr lang="en-US" sz="2000" dirty="0"/>
               <a:t>Spring Boot - Deploying to Amazon Cloud. AWS EC2</a:t>
             </a:r>
           </a:p>
@@ -11335,7 +12934,7 @@
         <p:spPr>
           <a:xfrm>
             <a:off x="2888974" y="1981200"/>
-            <a:ext cx="6096000" cy="3869008"/>
+            <a:ext cx="6096000" cy="3113673"/>
           </a:xfrm>
           <a:prstGeom prst="rect">
             <a:avLst/>
@@ -11346,15 +12945,6 @@
             <a:spAutoFit/>
           </a:bodyPr>
           <a:lstStyle/>
-          <a:p>
-            <a:r>
-              <a:rPr lang="en-US" dirty="0"/>
-              <a:t>Putty keep alive</a:t>
-            </a:r>
-          </a:p>
-          <a:p>
-            <a:endParaRPr lang="en-US" dirty="0"/>
-          </a:p>
           <a:p>
             <a:r>
               <a:rPr lang="en-US" dirty="0"/>

--- a/Java_2021/Deploying to Amazon Cloud. AWS EC2/Deploying to Amazon Cloud. AWS EC2.pptx
+++ b/Java_2021/Deploying to Amazon Cloud. AWS EC2/Deploying to Amazon Cloud. AWS EC2.pptx
@@ -5,7 +5,7 @@
     <p:sldMasterId id="2147483672" r:id="rId1"/>
   </p:sldMasterIdLst>
   <p:notesMasterIdLst>
-    <p:notesMasterId r:id="rId25"/>
+    <p:notesMasterId r:id="rId26"/>
   </p:notesMasterIdLst>
   <p:sldIdLst>
     <p:sldId id="471" r:id="rId2"/>
@@ -30,7 +30,8 @@
     <p:sldId id="494" r:id="rId21"/>
     <p:sldId id="495" r:id="rId22"/>
     <p:sldId id="496" r:id="rId23"/>
-    <p:sldId id="472" r:id="rId24"/>
+    <p:sldId id="498" r:id="rId24"/>
+    <p:sldId id="472" r:id="rId25"/>
   </p:sldIdLst>
   <p:sldSz cx="12192000" cy="6858000"/>
   <p:notesSz cx="6858000" cy="9144000"/>
@@ -244,7 +245,7 @@
           <a:p>
             <a:fld id="{62274EC6-3890-417B-9308-14EFBD00FA63}" type="datetimeFigureOut">
               <a:rPr lang="en-US" smtClean="0"/>
-              <a:t>4/19/2022</a:t>
+              <a:t>4/21/2022</a:t>
             </a:fld>
             <a:endParaRPr lang="en-US" dirty="0"/>
           </a:p>
@@ -1925,6 +1926,95 @@
     </p:spTree>
     <p:extLst>
       <p:ext uri="{BB962C8B-B14F-4D97-AF65-F5344CB8AC3E}">
+        <p14:creationId xmlns:p14="http://schemas.microsoft.com/office/powerpoint/2010/main" val="1434300202"/>
+      </p:ext>
+    </p:extLst>
+  </p:cSld>
+  <p:clrMapOvr>
+    <a:masterClrMapping/>
+  </p:clrMapOvr>
+</p:notes>
+</file>
+
+<file path=ppt/notesSlides/notesSlide24.xml><?xml version="1.0" encoding="utf-8"?>
+<p:notes xmlns:a="http://schemas.openxmlformats.org/drawingml/2006/main" xmlns:r="http://schemas.openxmlformats.org/officeDocument/2006/relationships" xmlns:p="http://schemas.openxmlformats.org/presentationml/2006/main">
+  <p:cSld>
+    <p:spTree>
+      <p:nvGrpSpPr>
+        <p:cNvPr id="1" name=""/>
+        <p:cNvGrpSpPr/>
+        <p:nvPr/>
+      </p:nvGrpSpPr>
+      <p:grpSpPr>
+        <a:xfrm>
+          <a:off x="0" y="0"/>
+          <a:ext cx="0" cy="0"/>
+          <a:chOff x="0" y="0"/>
+          <a:chExt cx="0" cy="0"/>
+        </a:xfrm>
+      </p:grpSpPr>
+      <p:sp>
+        <p:nvSpPr>
+          <p:cNvPr id="2" name="Slide Image Placeholder 1"/>
+          <p:cNvSpPr>
+            <a:spLocks noGrp="1" noRot="1" noChangeAspect="1"/>
+          </p:cNvSpPr>
+          <p:nvPr>
+            <p:ph type="sldImg"/>
+          </p:nvPr>
+        </p:nvSpPr>
+        <p:spPr>
+          <a:xfrm>
+            <a:off x="381000" y="685800"/>
+            <a:ext cx="6096000" cy="3429000"/>
+          </a:xfrm>
+        </p:spPr>
+      </p:sp>
+      <p:sp>
+        <p:nvSpPr>
+          <p:cNvPr id="3" name="Notes Placeholder 2"/>
+          <p:cNvSpPr>
+            <a:spLocks noGrp="1"/>
+          </p:cNvSpPr>
+          <p:nvPr>
+            <p:ph type="body" idx="1"/>
+          </p:nvPr>
+        </p:nvSpPr>
+        <p:spPr/>
+        <p:txBody>
+          <a:bodyPr/>
+          <a:lstStyle/>
+          <a:p>
+            <a:endParaRPr lang="en-US" dirty="0"/>
+          </a:p>
+        </p:txBody>
+      </p:sp>
+      <p:sp>
+        <p:nvSpPr>
+          <p:cNvPr id="4" name="Slide Number Placeholder 3"/>
+          <p:cNvSpPr>
+            <a:spLocks noGrp="1"/>
+          </p:cNvSpPr>
+          <p:nvPr>
+            <p:ph type="sldNum" sz="quarter" idx="10"/>
+          </p:nvPr>
+        </p:nvSpPr>
+        <p:spPr/>
+        <p:txBody>
+          <a:bodyPr/>
+          <a:lstStyle/>
+          <a:p>
+            <a:fld id="{A883C400-BD9D-4609-A213-F91E9750031E}" type="slidenum">
+              <a:rPr lang="en-US" smtClean="0"/>
+              <a:t>24</a:t>
+            </a:fld>
+            <a:endParaRPr lang="en-US" dirty="0"/>
+          </a:p>
+        </p:txBody>
+      </p:sp>
+    </p:spTree>
+    <p:extLst>
+      <p:ext uri="{BB962C8B-B14F-4D97-AF65-F5344CB8AC3E}">
         <p14:creationId xmlns:p14="http://schemas.microsoft.com/office/powerpoint/2010/main" val="4137454117"/>
       </p:ext>
     </p:extLst>
@@ -2738,7 +2828,7 @@
             <a:fld id="{1D8BD707-D9CF-40AE-B4C6-C98DA3205C09}" type="datetimeFigureOut">
               <a:rPr lang="en-US" smtClean="0"/>
               <a:pPr/>
-              <a:t>4/19/2022</a:t>
+              <a:t>4/21/2022</a:t>
             </a:fld>
             <a:endParaRPr lang="en-US" dirty="0"/>
           </a:p>
@@ -2916,7 +3006,7 @@
             <a:fld id="{1D8BD707-D9CF-40AE-B4C6-C98DA3205C09}" type="datetimeFigureOut">
               <a:rPr lang="en-US" smtClean="0"/>
               <a:pPr/>
-              <a:t>4/19/2022</a:t>
+              <a:t>4/21/2022</a:t>
             </a:fld>
             <a:endParaRPr lang="en-US" dirty="0"/>
           </a:p>
@@ -3104,7 +3194,7 @@
             <a:fld id="{1D8BD707-D9CF-40AE-B4C6-C98DA3205C09}" type="datetimeFigureOut">
               <a:rPr lang="en-US" smtClean="0"/>
               <a:pPr/>
-              <a:t>4/19/2022</a:t>
+              <a:t>4/21/2022</a:t>
             </a:fld>
             <a:endParaRPr lang="en-US" dirty="0"/>
           </a:p>
@@ -3282,7 +3372,7 @@
             <a:fld id="{1D8BD707-D9CF-40AE-B4C6-C98DA3205C09}" type="datetimeFigureOut">
               <a:rPr lang="en-US" smtClean="0"/>
               <a:pPr/>
-              <a:t>4/19/2022</a:t>
+              <a:t>4/21/2022</a:t>
             </a:fld>
             <a:endParaRPr lang="en-US" dirty="0"/>
           </a:p>
@@ -3537,7 +3627,7 @@
             <a:fld id="{1D8BD707-D9CF-40AE-B4C6-C98DA3205C09}" type="datetimeFigureOut">
               <a:rPr lang="en-US" smtClean="0"/>
               <a:pPr/>
-              <a:t>4/19/2022</a:t>
+              <a:t>4/21/2022</a:t>
             </a:fld>
             <a:endParaRPr lang="en-US" dirty="0"/>
           </a:p>
@@ -3832,7 +3922,7 @@
             <a:fld id="{1D8BD707-D9CF-40AE-B4C6-C98DA3205C09}" type="datetimeFigureOut">
               <a:rPr lang="en-US" smtClean="0"/>
               <a:pPr/>
-              <a:t>4/19/2022</a:t>
+              <a:t>4/21/2022</a:t>
             </a:fld>
             <a:endParaRPr lang="en-US" dirty="0"/>
           </a:p>
@@ -4266,7 +4356,7 @@
             <a:fld id="{1D8BD707-D9CF-40AE-B4C6-C98DA3205C09}" type="datetimeFigureOut">
               <a:rPr lang="en-US" smtClean="0"/>
               <a:pPr/>
-              <a:t>4/19/2022</a:t>
+              <a:t>4/21/2022</a:t>
             </a:fld>
             <a:endParaRPr lang="en-US" dirty="0"/>
           </a:p>
@@ -4393,7 +4483,7 @@
             <a:fld id="{1D8BD707-D9CF-40AE-B4C6-C98DA3205C09}" type="datetimeFigureOut">
               <a:rPr lang="en-US" smtClean="0"/>
               <a:pPr/>
-              <a:t>4/19/2022</a:t>
+              <a:t>4/21/2022</a:t>
             </a:fld>
             <a:endParaRPr lang="en-US" dirty="0"/>
           </a:p>
@@ -4498,7 +4588,7 @@
             <a:fld id="{1D8BD707-D9CF-40AE-B4C6-C98DA3205C09}" type="datetimeFigureOut">
               <a:rPr lang="en-US" smtClean="0"/>
               <a:pPr/>
-              <a:t>4/19/2022</a:t>
+              <a:t>4/21/2022</a:t>
             </a:fld>
             <a:endParaRPr lang="en-US" dirty="0"/>
           </a:p>
@@ -4783,7 +4873,7 @@
             <a:fld id="{1D8BD707-D9CF-40AE-B4C6-C98DA3205C09}" type="datetimeFigureOut">
               <a:rPr lang="en-US" smtClean="0"/>
               <a:pPr/>
-              <a:t>4/19/2022</a:t>
+              <a:t>4/21/2022</a:t>
             </a:fld>
             <a:endParaRPr lang="en-US" dirty="0"/>
           </a:p>
@@ -5045,7 +5135,7 @@
             <a:fld id="{1D8BD707-D9CF-40AE-B4C6-C98DA3205C09}" type="datetimeFigureOut">
               <a:rPr lang="en-US" smtClean="0"/>
               <a:pPr/>
-              <a:t>4/19/2022</a:t>
+              <a:t>4/21/2022</a:t>
             </a:fld>
             <a:endParaRPr lang="en-US" dirty="0"/>
           </a:p>
@@ -5266,7 +5356,7 @@
             <a:fld id="{1D8BD707-D9CF-40AE-B4C6-C98DA3205C09}" type="datetimeFigureOut">
               <a:rPr lang="en-US" smtClean="0"/>
               <a:pPr/>
-              <a:t>4/19/2022</a:t>
+              <a:t>4/21/2022</a:t>
             </a:fld>
             <a:endParaRPr lang="en-US" dirty="0"/>
           </a:p>
@@ -12784,14 +12874,20 @@
       </p:sp>
       <p:sp>
         <p:nvSpPr>
-          <p:cNvPr id="14" name="Rectangle 13"/>
+          <p:cNvPr id="7" name="Rectangle 6">
+            <a:extLst>
+              <a:ext uri="{FF2B5EF4-FFF2-40B4-BE49-F238E27FC236}">
+                <a16:creationId xmlns:a16="http://schemas.microsoft.com/office/drawing/2014/main" id="{3177545C-EEE8-4B4F-BC37-17141354D0E9}"/>
+              </a:ext>
+            </a:extLst>
+          </p:cNvPr>
           <p:cNvSpPr/>
           <p:nvPr/>
         </p:nvSpPr>
         <p:spPr>
           <a:xfrm>
-            <a:off x="3222948" y="39135"/>
-            <a:ext cx="5768652" cy="400110"/>
+            <a:off x="833600" y="87868"/>
+            <a:ext cx="10557931" cy="646331"/>
           </a:xfrm>
           <a:prstGeom prst="rect">
             <a:avLst/>
@@ -12913,6 +13009,824 @@
           <a:p>
             <a:pPr algn="ctr"/>
             <a:r>
+              <a:rPr lang="en-US" dirty="0"/>
+              <a:t>How to Install Tomcat using Yum Package Manager, Configure Apache Tomcat Users and Deploy the WAR file in Amazon EC2 Instance?</a:t>
+            </a:r>
+          </a:p>
+        </p:txBody>
+      </p:sp>
+      <p:sp>
+        <p:nvSpPr>
+          <p:cNvPr id="5" name="Rectangle 4">
+            <a:extLst>
+              <a:ext uri="{FF2B5EF4-FFF2-40B4-BE49-F238E27FC236}">
+                <a16:creationId xmlns:a16="http://schemas.microsoft.com/office/drawing/2014/main" id="{404B62B3-E062-4A9B-96B1-E69B3DD9E6FD}"/>
+              </a:ext>
+            </a:extLst>
+          </p:cNvPr>
+          <p:cNvSpPr/>
+          <p:nvPr/>
+        </p:nvSpPr>
+        <p:spPr>
+          <a:xfrm>
+            <a:off x="410635" y="920583"/>
+            <a:ext cx="11476565" cy="5632311"/>
+          </a:xfrm>
+          <a:prstGeom prst="rect">
+            <a:avLst/>
+          </a:prstGeom>
+          <a:solidFill>
+            <a:schemeClr val="bg1"/>
+          </a:solidFill>
+          <a:ln w="3175"/>
+        </p:spPr>
+        <p:style>
+          <a:lnRef idx="2">
+            <a:schemeClr val="accent3"/>
+          </a:lnRef>
+          <a:fillRef idx="1">
+            <a:schemeClr val="lt1"/>
+          </a:fillRef>
+          <a:effectRef idx="0">
+            <a:schemeClr val="accent3"/>
+          </a:effectRef>
+          <a:fontRef idx="minor">
+            <a:schemeClr val="dk1"/>
+          </a:fontRef>
+        </p:style>
+        <p:txBody>
+          <a:bodyPr wrap="square">
+            <a:spAutoFit/>
+          </a:bodyPr>
+          <a:lstStyle/>
+          <a:p>
+            <a:r>
+              <a:rPr lang="en-US" sz="1800" dirty="0">
+                <a:solidFill>
+                  <a:schemeClr val="tx1"/>
+                </a:solidFill>
+              </a:rPr>
+              <a:t>$ </a:t>
+            </a:r>
+            <a:r>
+              <a:rPr lang="en-US" sz="1800" dirty="0" err="1">
+                <a:solidFill>
+                  <a:schemeClr val="tx1"/>
+                </a:solidFill>
+              </a:rPr>
+              <a:t>sudo</a:t>
+            </a:r>
+            <a:r>
+              <a:rPr lang="en-US" sz="1800" dirty="0">
+                <a:solidFill>
+                  <a:schemeClr val="tx1"/>
+                </a:solidFill>
+              </a:rPr>
+              <a:t> yum list tomcat*</a:t>
+            </a:r>
+          </a:p>
+          <a:p>
+            <a:endParaRPr lang="en-US" sz="1800" dirty="0">
+              <a:solidFill>
+                <a:schemeClr val="tx1"/>
+              </a:solidFill>
+            </a:endParaRPr>
+          </a:p>
+          <a:p>
+            <a:r>
+              <a:rPr lang="en-US" sz="1800" dirty="0">
+                <a:solidFill>
+                  <a:schemeClr val="tx1"/>
+                </a:solidFill>
+              </a:rPr>
+              <a:t>$ </a:t>
+            </a:r>
+            <a:r>
+              <a:rPr lang="en-US" sz="1800" dirty="0" err="1">
+                <a:solidFill>
+                  <a:schemeClr val="tx1"/>
+                </a:solidFill>
+              </a:rPr>
+              <a:t>sudo</a:t>
+            </a:r>
+            <a:r>
+              <a:rPr lang="en-US" sz="1800" dirty="0">
+                <a:solidFill>
+                  <a:schemeClr val="tx1"/>
+                </a:solidFill>
+              </a:rPr>
+              <a:t> yum install tomcat tomcat-admin-</a:t>
+            </a:r>
+            <a:r>
+              <a:rPr lang="en-US" sz="1800" dirty="0" err="1">
+                <a:solidFill>
+                  <a:schemeClr val="tx1"/>
+                </a:solidFill>
+              </a:rPr>
+              <a:t>webapps</a:t>
+            </a:r>
+            <a:r>
+              <a:rPr lang="en-US" sz="1800" dirty="0">
+                <a:solidFill>
+                  <a:schemeClr val="tx1"/>
+                </a:solidFill>
+              </a:rPr>
+              <a:t> tomcat-docs-</a:t>
+            </a:r>
+            <a:r>
+              <a:rPr lang="en-US" sz="1800" dirty="0" err="1">
+                <a:solidFill>
+                  <a:schemeClr val="tx1"/>
+                </a:solidFill>
+              </a:rPr>
+              <a:t>webapp</a:t>
+            </a:r>
+            <a:r>
+              <a:rPr lang="en-US" sz="1800" dirty="0">
+                <a:solidFill>
+                  <a:schemeClr val="tx1"/>
+                </a:solidFill>
+              </a:rPr>
+              <a:t> tomcat-</a:t>
+            </a:r>
+            <a:r>
+              <a:rPr lang="en-US" sz="1800" dirty="0" err="1">
+                <a:solidFill>
+                  <a:schemeClr val="tx1"/>
+                </a:solidFill>
+              </a:rPr>
+              <a:t>javadoc</a:t>
+            </a:r>
+            <a:r>
+              <a:rPr lang="en-US" sz="1800" dirty="0">
+                <a:solidFill>
+                  <a:schemeClr val="tx1"/>
+                </a:solidFill>
+              </a:rPr>
+              <a:t> tomcat-</a:t>
+            </a:r>
+            <a:r>
+              <a:rPr lang="en-US" sz="1800" dirty="0" err="1">
+                <a:solidFill>
+                  <a:schemeClr val="tx1"/>
+                </a:solidFill>
+              </a:rPr>
+              <a:t>jsvc</a:t>
+            </a:r>
+            <a:r>
+              <a:rPr lang="en-US" sz="1800" dirty="0">
+                <a:solidFill>
+                  <a:schemeClr val="tx1"/>
+                </a:solidFill>
+              </a:rPr>
+              <a:t> tomcat-</a:t>
+            </a:r>
+            <a:r>
+              <a:rPr lang="en-US" sz="1800" dirty="0" err="1">
+                <a:solidFill>
+                  <a:schemeClr val="tx1"/>
+                </a:solidFill>
+              </a:rPr>
+              <a:t>webapps</a:t>
+            </a:r>
+            <a:r>
+              <a:rPr lang="en-US" sz="1800" dirty="0">
+                <a:solidFill>
+                  <a:schemeClr val="tx1"/>
+                </a:solidFill>
+              </a:rPr>
+              <a:t> </a:t>
+            </a:r>
+            <a:r>
+              <a:rPr lang="en-US" sz="1800" dirty="0" err="1">
+                <a:solidFill>
+                  <a:schemeClr val="tx1"/>
+                </a:solidFill>
+              </a:rPr>
+              <a:t>tomcatjss</a:t>
+            </a:r>
+            <a:endParaRPr lang="en-US" sz="1800" dirty="0">
+              <a:solidFill>
+                <a:schemeClr val="tx1"/>
+              </a:solidFill>
+            </a:endParaRPr>
+          </a:p>
+          <a:p>
+            <a:endParaRPr lang="en-US" sz="1800" dirty="0">
+              <a:solidFill>
+                <a:schemeClr val="tx1"/>
+              </a:solidFill>
+            </a:endParaRPr>
+          </a:p>
+          <a:p>
+            <a:r>
+              <a:rPr lang="en-US" sz="1800" dirty="0">
+                <a:solidFill>
+                  <a:schemeClr val="tx1"/>
+                </a:solidFill>
+              </a:rPr>
+              <a:t>$ </a:t>
+            </a:r>
+            <a:r>
+              <a:rPr lang="en-US" sz="1800" dirty="0" err="1">
+                <a:solidFill>
+                  <a:schemeClr val="tx1"/>
+                </a:solidFill>
+              </a:rPr>
+              <a:t>sudo</a:t>
+            </a:r>
+            <a:r>
+              <a:rPr lang="en-US" sz="1800" dirty="0">
+                <a:solidFill>
+                  <a:schemeClr val="tx1"/>
+                </a:solidFill>
+              </a:rPr>
+              <a:t> service tomcat start</a:t>
+            </a:r>
+          </a:p>
+          <a:p>
+            <a:endParaRPr lang="en-US" sz="1800" dirty="0">
+              <a:solidFill>
+                <a:schemeClr val="tx1"/>
+              </a:solidFill>
+            </a:endParaRPr>
+          </a:p>
+          <a:p>
+            <a:r>
+              <a:rPr lang="en-US" sz="1800" dirty="0">
+                <a:solidFill>
+                  <a:schemeClr val="tx1"/>
+                </a:solidFill>
+              </a:rPr>
+              <a:t>$  </a:t>
+            </a:r>
+            <a:r>
+              <a:rPr lang="en-US" sz="1800" dirty="0" err="1">
+                <a:solidFill>
+                  <a:schemeClr val="tx1"/>
+                </a:solidFill>
+              </a:rPr>
+              <a:t>sudo</a:t>
+            </a:r>
+            <a:r>
+              <a:rPr lang="en-US" sz="1800" dirty="0">
+                <a:solidFill>
+                  <a:schemeClr val="tx1"/>
+                </a:solidFill>
+              </a:rPr>
+              <a:t> service tomcat stop</a:t>
+            </a:r>
+          </a:p>
+          <a:p>
+            <a:endParaRPr lang="en-US" sz="1800" dirty="0">
+              <a:solidFill>
+                <a:schemeClr val="tx1"/>
+              </a:solidFill>
+            </a:endParaRPr>
+          </a:p>
+          <a:p>
+            <a:r>
+              <a:rPr lang="en-US" sz="1800" dirty="0">
+                <a:solidFill>
+                  <a:schemeClr val="tx1"/>
+                </a:solidFill>
+              </a:rPr>
+              <a:t>$ </a:t>
+            </a:r>
+            <a:r>
+              <a:rPr lang="en-US" sz="1800" dirty="0" err="1">
+                <a:solidFill>
+                  <a:schemeClr val="tx1"/>
+                </a:solidFill>
+              </a:rPr>
+              <a:t>sudo</a:t>
+            </a:r>
+            <a:r>
+              <a:rPr lang="en-US" sz="1800" dirty="0">
+                <a:solidFill>
+                  <a:schemeClr val="tx1"/>
+                </a:solidFill>
+              </a:rPr>
+              <a:t> service tomcat restart</a:t>
+            </a:r>
+          </a:p>
+          <a:p>
+            <a:endParaRPr lang="en-US" sz="1800" dirty="0">
+              <a:solidFill>
+                <a:schemeClr val="tx1"/>
+              </a:solidFill>
+            </a:endParaRPr>
+          </a:p>
+          <a:p>
+            <a:r>
+              <a:rPr lang="en-US" sz="1800" dirty="0">
+                <a:solidFill>
+                  <a:schemeClr val="tx1"/>
+                </a:solidFill>
+              </a:rPr>
+              <a:t>$ </a:t>
+            </a:r>
+            <a:r>
+              <a:rPr lang="en-US" sz="1800" dirty="0" err="1">
+                <a:solidFill>
+                  <a:schemeClr val="tx1"/>
+                </a:solidFill>
+              </a:rPr>
+              <a:t>sudo</a:t>
+            </a:r>
+            <a:r>
+              <a:rPr lang="en-US" sz="1800" dirty="0">
+                <a:solidFill>
+                  <a:schemeClr val="tx1"/>
+                </a:solidFill>
+              </a:rPr>
+              <a:t> </a:t>
+            </a:r>
+            <a:r>
+              <a:rPr lang="en-US" sz="1800" dirty="0" err="1">
+                <a:solidFill>
+                  <a:schemeClr val="tx1"/>
+                </a:solidFill>
+              </a:rPr>
+              <a:t>systemctl</a:t>
+            </a:r>
+            <a:r>
+              <a:rPr lang="en-US" sz="1800" dirty="0">
+                <a:solidFill>
+                  <a:schemeClr val="tx1"/>
+                </a:solidFill>
+              </a:rPr>
+              <a:t> start tomcat</a:t>
+            </a:r>
+          </a:p>
+          <a:p>
+            <a:endParaRPr lang="en-US" sz="1800" dirty="0">
+              <a:solidFill>
+                <a:schemeClr val="tx1"/>
+              </a:solidFill>
+            </a:endParaRPr>
+          </a:p>
+          <a:p>
+            <a:r>
+              <a:rPr lang="en-US" sz="1800" dirty="0">
+                <a:solidFill>
+                  <a:schemeClr val="tx1"/>
+                </a:solidFill>
+              </a:rPr>
+              <a:t>$ </a:t>
+            </a:r>
+            <a:r>
+              <a:rPr lang="en-US" sz="1800" dirty="0" err="1">
+                <a:solidFill>
+                  <a:schemeClr val="tx1"/>
+                </a:solidFill>
+              </a:rPr>
+              <a:t>sudo</a:t>
+            </a:r>
+            <a:r>
+              <a:rPr lang="en-US" sz="1800" dirty="0">
+                <a:solidFill>
+                  <a:schemeClr val="tx1"/>
+                </a:solidFill>
+              </a:rPr>
+              <a:t> </a:t>
+            </a:r>
+            <a:r>
+              <a:rPr lang="en-US" sz="1800" dirty="0" err="1">
+                <a:solidFill>
+                  <a:schemeClr val="tx1"/>
+                </a:solidFill>
+              </a:rPr>
+              <a:t>systemctl</a:t>
+            </a:r>
+            <a:r>
+              <a:rPr lang="en-US" sz="1800" dirty="0">
+                <a:solidFill>
+                  <a:schemeClr val="tx1"/>
+                </a:solidFill>
+              </a:rPr>
+              <a:t> stop tomcat</a:t>
+            </a:r>
+          </a:p>
+          <a:p>
+            <a:endParaRPr lang="en-US" sz="1800" dirty="0">
+              <a:solidFill>
+                <a:schemeClr val="tx1"/>
+              </a:solidFill>
+            </a:endParaRPr>
+          </a:p>
+          <a:p>
+            <a:r>
+              <a:rPr lang="en-US" sz="1800" dirty="0">
+                <a:solidFill>
+                  <a:schemeClr val="tx1"/>
+                </a:solidFill>
+              </a:rPr>
+              <a:t>$ </a:t>
+            </a:r>
+            <a:r>
+              <a:rPr lang="en-US" sz="1800" dirty="0" err="1">
+                <a:solidFill>
+                  <a:schemeClr val="tx1"/>
+                </a:solidFill>
+              </a:rPr>
+              <a:t>whereis</a:t>
+            </a:r>
+            <a:r>
+              <a:rPr lang="en-US" sz="1800" dirty="0">
+                <a:solidFill>
+                  <a:schemeClr val="tx1"/>
+                </a:solidFill>
+              </a:rPr>
+              <a:t> tomcat</a:t>
+            </a:r>
+          </a:p>
+          <a:p>
+            <a:endParaRPr lang="en-US" sz="1800" dirty="0">
+              <a:solidFill>
+                <a:schemeClr val="tx1"/>
+              </a:solidFill>
+            </a:endParaRPr>
+          </a:p>
+          <a:p>
+            <a:r>
+              <a:rPr lang="en-US" sz="1800" dirty="0">
+                <a:solidFill>
+                  <a:schemeClr val="tx1"/>
+                </a:solidFill>
+              </a:rPr>
+              <a:t>$ </a:t>
+            </a:r>
+            <a:r>
+              <a:rPr lang="en-US" sz="1800" dirty="0" err="1">
+                <a:solidFill>
+                  <a:schemeClr val="tx1"/>
+                </a:solidFill>
+              </a:rPr>
+              <a:t>sudo</a:t>
+            </a:r>
+            <a:r>
+              <a:rPr lang="en-US" sz="1800" dirty="0">
+                <a:solidFill>
+                  <a:schemeClr val="tx1"/>
+                </a:solidFill>
+              </a:rPr>
+              <a:t> </a:t>
+            </a:r>
+            <a:r>
+              <a:rPr lang="en-US" sz="1800" dirty="0" err="1">
+                <a:solidFill>
+                  <a:schemeClr val="tx1"/>
+                </a:solidFill>
+              </a:rPr>
+              <a:t>systemctl</a:t>
+            </a:r>
+            <a:r>
+              <a:rPr lang="en-US" sz="1800" dirty="0">
+                <a:solidFill>
+                  <a:schemeClr val="tx1"/>
+                </a:solidFill>
+              </a:rPr>
+              <a:t> restart tomcat</a:t>
+            </a:r>
+          </a:p>
+          <a:p>
+            <a:endParaRPr lang="en-US" sz="1800" dirty="0">
+              <a:solidFill>
+                <a:schemeClr val="tx1"/>
+              </a:solidFill>
+            </a:endParaRPr>
+          </a:p>
+          <a:p>
+            <a:r>
+              <a:rPr lang="en-US" sz="1800" dirty="0">
+                <a:solidFill>
+                  <a:schemeClr val="tx1"/>
+                </a:solidFill>
+              </a:rPr>
+              <a:t>$ </a:t>
+            </a:r>
+            <a:r>
+              <a:rPr lang="en-US" sz="1800" dirty="0" err="1">
+                <a:solidFill>
+                  <a:schemeClr val="tx1"/>
+                </a:solidFill>
+              </a:rPr>
+              <a:t>sudo</a:t>
+            </a:r>
+            <a:r>
+              <a:rPr lang="en-US" sz="1800" dirty="0">
+                <a:solidFill>
+                  <a:schemeClr val="tx1"/>
+                </a:solidFill>
+              </a:rPr>
+              <a:t> </a:t>
+            </a:r>
+            <a:r>
+              <a:rPr lang="en-US" sz="1800" dirty="0" err="1">
+                <a:solidFill>
+                  <a:schemeClr val="tx1"/>
+                </a:solidFill>
+              </a:rPr>
+              <a:t>chown</a:t>
+            </a:r>
+            <a:r>
+              <a:rPr lang="en-US" sz="1800" dirty="0">
+                <a:solidFill>
+                  <a:schemeClr val="tx1"/>
+                </a:solidFill>
+              </a:rPr>
+              <a:t> -R ec2-user: /var/log/tomcat</a:t>
+            </a:r>
+          </a:p>
+        </p:txBody>
+      </p:sp>
+    </p:spTree>
+    <p:extLst>
+      <p:ext uri="{BB962C8B-B14F-4D97-AF65-F5344CB8AC3E}">
+        <p14:creationId xmlns:p14="http://schemas.microsoft.com/office/powerpoint/2010/main" val="3231472116"/>
+      </p:ext>
+    </p:extLst>
+  </p:cSld>
+  <p:clrMapOvr>
+    <a:masterClrMapping/>
+  </p:clrMapOvr>
+  <mc:AlternateContent xmlns:mc="http://schemas.openxmlformats.org/markup-compatibility/2006" xmlns:p14="http://schemas.microsoft.com/office/powerpoint/2010/main">
+    <mc:Choice Requires="p14">
+      <p:transition p14:dur="0" advClick="0"/>
+    </mc:Choice>
+    <mc:Fallback xmlns="">
+      <p:transition advClick="0"/>
+    </mc:Fallback>
+  </mc:AlternateContent>
+</p:sld>
+</file>
+
+<file path=ppt/slides/slide24.xml><?xml version="1.0" encoding="utf-8"?>
+<p:sld xmlns:a="http://schemas.openxmlformats.org/drawingml/2006/main" xmlns:r="http://schemas.openxmlformats.org/officeDocument/2006/relationships" xmlns:p="http://schemas.openxmlformats.org/presentationml/2006/main">
+  <p:cSld>
+    <p:spTree>
+      <p:nvGrpSpPr>
+        <p:cNvPr id="1" name=""/>
+        <p:cNvGrpSpPr/>
+        <p:nvPr/>
+      </p:nvGrpSpPr>
+      <p:grpSpPr>
+        <a:xfrm>
+          <a:off x="0" y="0"/>
+          <a:ext cx="0" cy="0"/>
+          <a:chOff x="0" y="0"/>
+          <a:chExt cx="0" cy="0"/>
+        </a:xfrm>
+      </p:grpSpPr>
+      <p:sp>
+        <p:nvSpPr>
+          <p:cNvPr id="3" name="AutoShape 2" descr="data:image/png;base64,iVBORw0KGgoAAAANSUhEUgAAANEAAADxCAMAAABiSKLrAAAAbFBMVEWIiIj////6+vr29vb19fX4+Pj5+fnu7u77+/v39/f9/f3z8/P+/v709PT8/Pyqqqrt7e3v7+/w8PDx8fHy8vK+vr7Q0NCjo6OBgYHY2Njk5OTHx8eNjY3c3NzGxsbn5+eWlpa1tbWcnJx6enob4+f+AAAIqklEQVR4nO3dCZuaOhQGYEZAh0FkX2W1//8/lkVMICeIkRmOPHz22lYg5OVEZLFzJRNrnC+xSGt3nJvQekMUYktnEiM1ouDrjCs/pukLkzoRtpjmNRcloRUFoiS8oo5UvLwsYpEgCaXoHLYiMRJqkRAJt0iEhFwkQMIqCgJRElpRLErCL3r1oxavSJSEWCRIQikyOtGQNPd8CaXICc04FiXhFomQkIsESChFbmhmwiT0opf3eBivMzSjLuORnh49oKxRKxIloayR24oESShFRScSI6EUJaGZCJNwiwhp/skFcpFAlbCLXiehF71MQisSJiEVVYkwqRP9oEpXI1HSXXRuWjo/2jz3f3v8YfjS7871lbU1EiT1IjrAKrvX/2iurzisijkk8OQC5ah7iERIyEUCJOyi10noRU9J490DUpFPRAApniJhFVnzSaOdOF6RKAmlKGhFgiTMohdIyYeIhEh30aV99E9NLo8VXLqn++Q/mIuIREid6DJsv32s91Ityi1hEtJRl5+ESX2NMKUR2ZYoCbNIjIRV5FiiJIyicx7mriVEKnCKfvxadBIloRQ1NTqJkcICpcgPr7rjOPYJZnFNbZVwikw/YHNlXmDi4xW9kU70jSnNqOu/xL4R0aWg3yNMgNHWp0I66i7Dy5PsdXFuApw1Eg8RndfuykLZa4Q/512EPrsIfzYtOmwje43wh4h+1u7KQvm5bk601wh9NlijXYQ+uwh/HqLrZkTXh+h4PDQP8lQ/PvAlSrT2xl0oRHQ5biOXXYQ+uwh/dhH+7CL82bRI3Ua2XKPvtTfuQvneReizi/BnF+HPLsKfTYu0bYQWsd5PfImIDmtv3IVy2EXos4vwZxfhzy7CH0okbyO7CH+2/D46rr1xF8pxF6HPLsKfXYQ/uwh/KJGyjWxatPZwWShEpK69cReKuovQZxfhzy7Cn12EP0SkGduItmHRzFF3P3r63ZHzTl4YdYqsHg/e/YdF2e7xcFRVrba109gMFp2evGhmjzpFVZLcvJVpl7K8hWaVB1liNVNdJh7VZ4Wd7P4aaa5I866lFEnDRHWksC5eVgtH8VWy8PHGTE5V/rr+QqSocTnm9CpTM+SMmRhVVJcPKbPYv5VFcs7x1F3P1eeikl1sXZHGB0lRLH+eSI75ICk6KZ8nctkOkaQN+cNEWjBRIimU0YpkHY4hmxOgqNIMHRaRJo6giLO+dyM/F1nsvpfqWVAv92Eihe0u3bNE+TgR/FkURfWhUHPMIBsguh6N0yKNs7o/EGkVIEpj+XA8fltJ0GzqDxMdQwBka+2gqQ/p9FYkpaNIiEXuje3OddQfg738rFCTcYmME9sdKXntbY1MBOy802JrotJ6bSUiInLia7y2+aZEbXuyxXbn5vXXGQazDs+6xUWGoql2kXU/DDrOssLWNFmZ65oQufeflwvU6PHDdO8ki/0xu/Rb7RVRvZNJgupW7y3bU+T6JLnej97MPLNUhbPIbJEV9U2y/eknHds5lfhfNMo/sb23oRX5LQXWGUmpGdtz3nxEpOiep7eP+5MFUEZJj+0SCnsCVX/CkrZUQFRvQG+8RkNOzHTi5LL0rW6x8YL0bwolGtdolqir0fQxAyQCNrdsVczFmdFS6fXp+4kSecPMEqntrAYkkklTYI288frkYKI+j+XCYtzRUdCIdMV/7mkWTDNmY6AU6bo5C9QknqwSEpFuzAdJUjZFQiJSoFMWfhIDu0ievDjD5ubquEV6AjVet3krU3B/Hvn8cYdDBJxUSlKVaJqmWvENMiXcImEQKcCYi26W1nZaN9SAXXFkcos0JZpxXLeICDpLDnVSBDkDusAtEhGN72p5J78LcMbn9+nudemgiDSlASLF66cC20NKbZ3qCnAnIfKp9gcxiIjVPj8/8mbVCBY9VsNes42C4YgBrgyUJ06NpkRdCuD8yB418pYIOkl2hyuQ2SOkKOMMO4M76vrBB4sG84Cjjrr5Cooeo4TdLwyGbLsC4IKgD93dHY66lUQye7gQxfqgfdcDhr7JeSOtLoL2dOn4KEdX2E+s0hp24j3RaUERsPnLLBmlYPceaYJVBB0Bja85p8ANn3rXgFX02kEqaSGAeywoGs7zjghYdqYoxyp68USCtMDZfX+wqHomav53fkBcWDSYx4NEBpkuAyLj3oSwSDIVsMM6ETVAp/3V/KG2tP/xRPRccI1IW7Comyr8PupE9052bbW/0yLHpX/1T1wRmQuskULa4oqcd/Z1pjLu6li0zqgDP49m5fmo+2NR3z50zFBYczLsBB6Rxx6y8Q5wRoE7LCaylhM5BnTs7cGdmZP1RZzdygeLXOjW9fg94jYXUnjjbBHRcJ5nImVKBA67fFgkL/HzIE4KRW7vM0/i/kQ0WSPHg75KldHdqc+h7pfZ0jKs/GuDM3hvNSLizSEqoroE1Yia7ELf00kIWS/o09z+EmLA6bC3hMh9TwRskDq51x47e4Zzhc73Qt64wyByPOjmUVT6cZZkcQV+0zxNflX05qgD36tSe3MilcCr1FLEe9sPRDYYjmgwD1wjMl1hm4h0ugF43PETVd6wB3RbKES2Pu+2cr9waHFBWESO+8JtyxrkckFYRDa8dxAAoRHNH3hRNTHkUIlsY9Z3TqR6LzcFokScSsKi4TzPRMYske0VT78XJJkJZ8uTzojV6FdEtmNkE9/diqLUzJTpAtmzalQyF6FvI5ETA9+OpraQwTYhwRvQMYqryX6sNn8vq8AynnqoGuXuCY7N/vMR3R7N47DzePR04J+gjJt4rM7V3SzwzbC8FzYtb2Z1jQtDd3nLDOLmD1E9v90++qfT4Lfh5N+cq/508shXb5st6Ll1cWa2RYu2EUo0p6QfkF2EP7sIf3YR/hCRs3ZXFoqzYdEGR92su1D4Q486yzq1D/L0iS85W67R2l1ZKLsIfzYs4l05+bg8rpxU/lZS3UXbyvZE/wFXu+LXNTDaDQAAAABJRU5ErkJggg=="/>
+          <p:cNvSpPr>
+            <a:spLocks noChangeAspect="1" noChangeArrowheads="1"/>
+          </p:cNvSpPr>
+          <p:nvPr/>
+        </p:nvSpPr>
+        <p:spPr bwMode="auto">
+          <a:xfrm>
+            <a:off x="207436" y="-116412"/>
+            <a:ext cx="406400" cy="406402"/>
+          </a:xfrm>
+          <a:prstGeom prst="rect">
+            <a:avLst/>
+          </a:prstGeom>
+          <a:noFill/>
+          <a:extLst>
+            <a:ext uri="{909E8E84-426E-40DD-AFC4-6F175D3DCCD1}">
+              <a14:hiddenFill xmlns:a14="http://schemas.microsoft.com/office/drawing/2010/main">
+                <a:solidFill>
+                  <a:srgbClr val="FFFFFF"/>
+                </a:solidFill>
+              </a14:hiddenFill>
+            </a:ext>
+          </a:extLst>
+        </p:spPr>
+        <p:txBody>
+          <a:bodyPr vert="horz" wrap="square" lIns="121920" tIns="60960" rIns="121920" bIns="60960" numCol="1" anchor="t" anchorCtr="0" compatLnSpc="1">
+            <a:prstTxWarp prst="textNoShape">
+              <a:avLst/>
+            </a:prstTxWarp>
+          </a:bodyPr>
+          <a:lstStyle/>
+          <a:p>
+            <a:endParaRPr lang="en-US" sz="1600" dirty="0"/>
+          </a:p>
+        </p:txBody>
+      </p:sp>
+      <p:sp>
+        <p:nvSpPr>
+          <p:cNvPr id="2" name="AutoShape 2" descr="Image result for file"/>
+          <p:cNvSpPr>
+            <a:spLocks noChangeAspect="1" noChangeArrowheads="1"/>
+          </p:cNvSpPr>
+          <p:nvPr/>
+        </p:nvSpPr>
+        <p:spPr bwMode="auto">
+          <a:xfrm>
+            <a:off x="410635" y="86789"/>
+            <a:ext cx="406400" cy="406402"/>
+          </a:xfrm>
+          <a:prstGeom prst="rect">
+            <a:avLst/>
+          </a:prstGeom>
+          <a:noFill/>
+          <a:extLst>
+            <a:ext uri="{909E8E84-426E-40DD-AFC4-6F175D3DCCD1}">
+              <a14:hiddenFill xmlns:a14="http://schemas.microsoft.com/office/drawing/2010/main">
+                <a:solidFill>
+                  <a:srgbClr val="FFFFFF"/>
+                </a:solidFill>
+              </a14:hiddenFill>
+            </a:ext>
+          </a:extLst>
+        </p:spPr>
+        <p:txBody>
+          <a:bodyPr vert="horz" wrap="square" lIns="121920" tIns="60960" rIns="121920" bIns="60960" numCol="1" anchor="t" anchorCtr="0" compatLnSpc="1">
+            <a:prstTxWarp prst="textNoShape">
+              <a:avLst/>
+            </a:prstTxWarp>
+          </a:bodyPr>
+          <a:lstStyle/>
+          <a:p>
+            <a:endParaRPr lang="en-US" sz="2400" dirty="0"/>
+          </a:p>
+        </p:txBody>
+      </p:sp>
+      <p:sp>
+        <p:nvSpPr>
+          <p:cNvPr id="6" name="AutoShape 2" descr="Image result for activemq image"/>
+          <p:cNvSpPr>
+            <a:spLocks noChangeAspect="1" noChangeArrowheads="1"/>
+          </p:cNvSpPr>
+          <p:nvPr/>
+        </p:nvSpPr>
+        <p:spPr bwMode="auto">
+          <a:xfrm>
+            <a:off x="613835" y="289988"/>
+            <a:ext cx="406400" cy="406402"/>
+          </a:xfrm>
+          <a:prstGeom prst="rect">
+            <a:avLst/>
+          </a:prstGeom>
+          <a:noFill/>
+          <a:extLst>
+            <a:ext uri="{909E8E84-426E-40DD-AFC4-6F175D3DCCD1}">
+              <a14:hiddenFill xmlns:a14="http://schemas.microsoft.com/office/drawing/2010/main">
+                <a:solidFill>
+                  <a:srgbClr val="FFFFFF"/>
+                </a:solidFill>
+              </a14:hiddenFill>
+            </a:ext>
+          </a:extLst>
+        </p:spPr>
+        <p:txBody>
+          <a:bodyPr vert="horz" wrap="square" lIns="121920" tIns="60960" rIns="121920" bIns="60960" numCol="1" anchor="t" anchorCtr="0" compatLnSpc="1">
+            <a:prstTxWarp prst="textNoShape">
+              <a:avLst/>
+            </a:prstTxWarp>
+          </a:bodyPr>
+          <a:lstStyle/>
+          <a:p>
+            <a:endParaRPr lang="en-US" sz="2400" dirty="0"/>
+          </a:p>
+        </p:txBody>
+      </p:sp>
+      <p:sp>
+        <p:nvSpPr>
+          <p:cNvPr id="14" name="Rectangle 13"/>
+          <p:cNvSpPr/>
+          <p:nvPr/>
+        </p:nvSpPr>
+        <p:spPr>
+          <a:xfrm>
+            <a:off x="3222948" y="39135"/>
+            <a:ext cx="5768652" cy="400110"/>
+          </a:xfrm>
+          <a:prstGeom prst="rect">
+            <a:avLst/>
+          </a:prstGeom>
+        </p:spPr>
+        <p:style>
+          <a:lnRef idx="1">
+            <a:schemeClr val="accent4"/>
+          </a:lnRef>
+          <a:fillRef idx="3">
+            <a:schemeClr val="accent4"/>
+          </a:fillRef>
+          <a:effectRef idx="2">
+            <a:schemeClr val="accent4"/>
+          </a:effectRef>
+          <a:fontRef idx="minor">
+            <a:schemeClr val="lt1"/>
+          </a:fontRef>
+        </p:style>
+        <p:txBody>
+          <a:bodyPr wrap="square">
+            <a:spAutoFit/>
+          </a:bodyPr>
+          <a:lstStyle>
+            <a:defPPr>
+              <a:defRPr lang="en-US"/>
+            </a:defPPr>
+            <a:lvl1pPr marL="0" algn="l" defTabSz="914400" rtl="0" eaLnBrk="1" latinLnBrk="0" hangingPunct="1">
+              <a:defRPr sz="1800" kern="1200">
+                <a:solidFill>
+                  <a:schemeClr val="lt1"/>
+                </a:solidFill>
+                <a:latin typeface="+mn-lt"/>
+                <a:ea typeface="+mn-ea"/>
+                <a:cs typeface="+mn-cs"/>
+              </a:defRPr>
+            </a:lvl1pPr>
+            <a:lvl2pPr marL="457200" algn="l" defTabSz="914400" rtl="0" eaLnBrk="1" latinLnBrk="0" hangingPunct="1">
+              <a:defRPr sz="1800" kern="1200">
+                <a:solidFill>
+                  <a:schemeClr val="lt1"/>
+                </a:solidFill>
+                <a:latin typeface="+mn-lt"/>
+                <a:ea typeface="+mn-ea"/>
+                <a:cs typeface="+mn-cs"/>
+              </a:defRPr>
+            </a:lvl2pPr>
+            <a:lvl3pPr marL="914400" algn="l" defTabSz="914400" rtl="0" eaLnBrk="1" latinLnBrk="0" hangingPunct="1">
+              <a:defRPr sz="1800" kern="1200">
+                <a:solidFill>
+                  <a:schemeClr val="lt1"/>
+                </a:solidFill>
+                <a:latin typeface="+mn-lt"/>
+                <a:ea typeface="+mn-ea"/>
+                <a:cs typeface="+mn-cs"/>
+              </a:defRPr>
+            </a:lvl3pPr>
+            <a:lvl4pPr marL="1371600" algn="l" defTabSz="914400" rtl="0" eaLnBrk="1" latinLnBrk="0" hangingPunct="1">
+              <a:defRPr sz="1800" kern="1200">
+                <a:solidFill>
+                  <a:schemeClr val="lt1"/>
+                </a:solidFill>
+                <a:latin typeface="+mn-lt"/>
+                <a:ea typeface="+mn-ea"/>
+                <a:cs typeface="+mn-cs"/>
+              </a:defRPr>
+            </a:lvl4pPr>
+            <a:lvl5pPr marL="1828800" algn="l" defTabSz="914400" rtl="0" eaLnBrk="1" latinLnBrk="0" hangingPunct="1">
+              <a:defRPr sz="1800" kern="1200">
+                <a:solidFill>
+                  <a:schemeClr val="lt1"/>
+                </a:solidFill>
+                <a:latin typeface="+mn-lt"/>
+                <a:ea typeface="+mn-ea"/>
+                <a:cs typeface="+mn-cs"/>
+              </a:defRPr>
+            </a:lvl5pPr>
+            <a:lvl6pPr marL="2286000" algn="l" defTabSz="914400" rtl="0" eaLnBrk="1" latinLnBrk="0" hangingPunct="1">
+              <a:defRPr sz="1800" kern="1200">
+                <a:solidFill>
+                  <a:schemeClr val="lt1"/>
+                </a:solidFill>
+                <a:latin typeface="+mn-lt"/>
+                <a:ea typeface="+mn-ea"/>
+                <a:cs typeface="+mn-cs"/>
+              </a:defRPr>
+            </a:lvl6pPr>
+            <a:lvl7pPr marL="2743200" algn="l" defTabSz="914400" rtl="0" eaLnBrk="1" latinLnBrk="0" hangingPunct="1">
+              <a:defRPr sz="1800" kern="1200">
+                <a:solidFill>
+                  <a:schemeClr val="lt1"/>
+                </a:solidFill>
+                <a:latin typeface="+mn-lt"/>
+                <a:ea typeface="+mn-ea"/>
+                <a:cs typeface="+mn-cs"/>
+              </a:defRPr>
+            </a:lvl7pPr>
+            <a:lvl8pPr marL="3200400" algn="l" defTabSz="914400" rtl="0" eaLnBrk="1" latinLnBrk="0" hangingPunct="1">
+              <a:defRPr sz="1800" kern="1200">
+                <a:solidFill>
+                  <a:schemeClr val="lt1"/>
+                </a:solidFill>
+                <a:latin typeface="+mn-lt"/>
+                <a:ea typeface="+mn-ea"/>
+                <a:cs typeface="+mn-cs"/>
+              </a:defRPr>
+            </a:lvl8pPr>
+            <a:lvl9pPr marL="3657600" algn="l" defTabSz="914400" rtl="0" eaLnBrk="1" latinLnBrk="0" hangingPunct="1">
+              <a:defRPr sz="1800" kern="1200">
+                <a:solidFill>
+                  <a:schemeClr val="lt1"/>
+                </a:solidFill>
+                <a:latin typeface="+mn-lt"/>
+                <a:ea typeface="+mn-ea"/>
+                <a:cs typeface="+mn-cs"/>
+              </a:defRPr>
+            </a:lvl9pPr>
+          </a:lstStyle>
+          <a:p>
+            <a:pPr algn="ctr"/>
+            <a:r>
               <a:rPr lang="en-US" sz="2000" dirty="0"/>
               <a:t>Spring Boot - Deploying to Amazon Cloud. AWS EC2</a:t>
             </a:r>
@@ -12934,7 +13848,7 @@
         <p:spPr>
           <a:xfrm>
             <a:off x="2888974" y="1981200"/>
-            <a:ext cx="6096000" cy="3113673"/>
+            <a:ext cx="6096000" cy="1603003"/>
           </a:xfrm>
           <a:prstGeom prst="rect">
             <a:avLst/>
@@ -12945,29 +13859,6 @@
             <a:spAutoFit/>
           </a:bodyPr>
           <a:lstStyle/>
-          <a:p>
-            <a:r>
-              <a:rPr lang="en-US" dirty="0"/>
-              <a:t>Connect DB run on ec2 workbench and </a:t>
-            </a:r>
-            <a:r>
-              <a:rPr lang="en-US" dirty="0" err="1"/>
-              <a:t>sqlyog</a:t>
-            </a:r>
-            <a:r>
-              <a:rPr lang="en-US" dirty="0"/>
-              <a:t>?</a:t>
-            </a:r>
-          </a:p>
-          <a:p>
-            <a:endParaRPr lang="en-US" dirty="0"/>
-          </a:p>
-          <a:p>
-            <a:r>
-              <a:rPr lang="en-US" dirty="0"/>
-              <a:t>Tomcat yum install?</a:t>
-            </a:r>
-          </a:p>
           <a:p>
             <a:endParaRPr lang="en-US" dirty="0"/>
           </a:p>

--- a/Java_2021/Deploying to Amazon Cloud. AWS EC2/Deploying to Amazon Cloud. AWS EC2.pptx
+++ b/Java_2021/Deploying to Amazon Cloud. AWS EC2/Deploying to Amazon Cloud. AWS EC2.pptx
@@ -5,7 +5,7 @@
     <p:sldMasterId id="2147483672" r:id="rId1"/>
   </p:sldMasterIdLst>
   <p:notesMasterIdLst>
-    <p:notesMasterId r:id="rId26"/>
+    <p:notesMasterId r:id="rId31"/>
   </p:notesMasterIdLst>
   <p:sldIdLst>
     <p:sldId id="471" r:id="rId2"/>
@@ -31,7 +31,12 @@
     <p:sldId id="495" r:id="rId22"/>
     <p:sldId id="496" r:id="rId23"/>
     <p:sldId id="498" r:id="rId24"/>
-    <p:sldId id="472" r:id="rId25"/>
+    <p:sldId id="499" r:id="rId25"/>
+    <p:sldId id="500" r:id="rId26"/>
+    <p:sldId id="501" r:id="rId27"/>
+    <p:sldId id="502" r:id="rId28"/>
+    <p:sldId id="503" r:id="rId29"/>
+    <p:sldId id="472" r:id="rId30"/>
   </p:sldIdLst>
   <p:sldSz cx="12192000" cy="6858000"/>
   <p:notesSz cx="6858000" cy="9144000"/>
@@ -245,7 +250,7 @@
           <a:p>
             <a:fld id="{62274EC6-3890-417B-9308-14EFBD00FA63}" type="datetimeFigureOut">
               <a:rPr lang="en-US" smtClean="0"/>
-              <a:t>4/21/2022</a:t>
+              <a:t>4/22/2022</a:t>
             </a:fld>
             <a:endParaRPr lang="en-US" dirty="0"/>
           </a:p>
@@ -2015,6 +2020,451 @@
     </p:spTree>
     <p:extLst>
       <p:ext uri="{BB962C8B-B14F-4D97-AF65-F5344CB8AC3E}">
+        <p14:creationId xmlns:p14="http://schemas.microsoft.com/office/powerpoint/2010/main" val="1322248565"/>
+      </p:ext>
+    </p:extLst>
+  </p:cSld>
+  <p:clrMapOvr>
+    <a:masterClrMapping/>
+  </p:clrMapOvr>
+</p:notes>
+</file>
+
+<file path=ppt/notesSlides/notesSlide25.xml><?xml version="1.0" encoding="utf-8"?>
+<p:notes xmlns:a="http://schemas.openxmlformats.org/drawingml/2006/main" xmlns:r="http://schemas.openxmlformats.org/officeDocument/2006/relationships" xmlns:p="http://schemas.openxmlformats.org/presentationml/2006/main">
+  <p:cSld>
+    <p:spTree>
+      <p:nvGrpSpPr>
+        <p:cNvPr id="1" name=""/>
+        <p:cNvGrpSpPr/>
+        <p:nvPr/>
+      </p:nvGrpSpPr>
+      <p:grpSpPr>
+        <a:xfrm>
+          <a:off x="0" y="0"/>
+          <a:ext cx="0" cy="0"/>
+          <a:chOff x="0" y="0"/>
+          <a:chExt cx="0" cy="0"/>
+        </a:xfrm>
+      </p:grpSpPr>
+      <p:sp>
+        <p:nvSpPr>
+          <p:cNvPr id="2" name="Slide Image Placeholder 1"/>
+          <p:cNvSpPr>
+            <a:spLocks noGrp="1" noRot="1" noChangeAspect="1"/>
+          </p:cNvSpPr>
+          <p:nvPr>
+            <p:ph type="sldImg"/>
+          </p:nvPr>
+        </p:nvSpPr>
+        <p:spPr>
+          <a:xfrm>
+            <a:off x="381000" y="685800"/>
+            <a:ext cx="6096000" cy="3429000"/>
+          </a:xfrm>
+        </p:spPr>
+      </p:sp>
+      <p:sp>
+        <p:nvSpPr>
+          <p:cNvPr id="3" name="Notes Placeholder 2"/>
+          <p:cNvSpPr>
+            <a:spLocks noGrp="1"/>
+          </p:cNvSpPr>
+          <p:nvPr>
+            <p:ph type="body" idx="1"/>
+          </p:nvPr>
+        </p:nvSpPr>
+        <p:spPr/>
+        <p:txBody>
+          <a:bodyPr/>
+          <a:lstStyle/>
+          <a:p>
+            <a:endParaRPr lang="en-US" dirty="0"/>
+          </a:p>
+        </p:txBody>
+      </p:sp>
+      <p:sp>
+        <p:nvSpPr>
+          <p:cNvPr id="4" name="Slide Number Placeholder 3"/>
+          <p:cNvSpPr>
+            <a:spLocks noGrp="1"/>
+          </p:cNvSpPr>
+          <p:nvPr>
+            <p:ph type="sldNum" sz="quarter" idx="10"/>
+          </p:nvPr>
+        </p:nvSpPr>
+        <p:spPr/>
+        <p:txBody>
+          <a:bodyPr/>
+          <a:lstStyle/>
+          <a:p>
+            <a:fld id="{A883C400-BD9D-4609-A213-F91E9750031E}" type="slidenum">
+              <a:rPr lang="en-US" smtClean="0"/>
+              <a:t>25</a:t>
+            </a:fld>
+            <a:endParaRPr lang="en-US" dirty="0"/>
+          </a:p>
+        </p:txBody>
+      </p:sp>
+    </p:spTree>
+    <p:extLst>
+      <p:ext uri="{BB962C8B-B14F-4D97-AF65-F5344CB8AC3E}">
+        <p14:creationId xmlns:p14="http://schemas.microsoft.com/office/powerpoint/2010/main" val="90677278"/>
+      </p:ext>
+    </p:extLst>
+  </p:cSld>
+  <p:clrMapOvr>
+    <a:masterClrMapping/>
+  </p:clrMapOvr>
+</p:notes>
+</file>
+
+<file path=ppt/notesSlides/notesSlide26.xml><?xml version="1.0" encoding="utf-8"?>
+<p:notes xmlns:a="http://schemas.openxmlformats.org/drawingml/2006/main" xmlns:r="http://schemas.openxmlformats.org/officeDocument/2006/relationships" xmlns:p="http://schemas.openxmlformats.org/presentationml/2006/main">
+  <p:cSld>
+    <p:spTree>
+      <p:nvGrpSpPr>
+        <p:cNvPr id="1" name=""/>
+        <p:cNvGrpSpPr/>
+        <p:nvPr/>
+      </p:nvGrpSpPr>
+      <p:grpSpPr>
+        <a:xfrm>
+          <a:off x="0" y="0"/>
+          <a:ext cx="0" cy="0"/>
+          <a:chOff x="0" y="0"/>
+          <a:chExt cx="0" cy="0"/>
+        </a:xfrm>
+      </p:grpSpPr>
+      <p:sp>
+        <p:nvSpPr>
+          <p:cNvPr id="2" name="Slide Image Placeholder 1"/>
+          <p:cNvSpPr>
+            <a:spLocks noGrp="1" noRot="1" noChangeAspect="1"/>
+          </p:cNvSpPr>
+          <p:nvPr>
+            <p:ph type="sldImg"/>
+          </p:nvPr>
+        </p:nvSpPr>
+        <p:spPr>
+          <a:xfrm>
+            <a:off x="381000" y="685800"/>
+            <a:ext cx="6096000" cy="3429000"/>
+          </a:xfrm>
+        </p:spPr>
+      </p:sp>
+      <p:sp>
+        <p:nvSpPr>
+          <p:cNvPr id="3" name="Notes Placeholder 2"/>
+          <p:cNvSpPr>
+            <a:spLocks noGrp="1"/>
+          </p:cNvSpPr>
+          <p:nvPr>
+            <p:ph type="body" idx="1"/>
+          </p:nvPr>
+        </p:nvSpPr>
+        <p:spPr/>
+        <p:txBody>
+          <a:bodyPr/>
+          <a:lstStyle/>
+          <a:p>
+            <a:endParaRPr lang="en-US" dirty="0"/>
+          </a:p>
+        </p:txBody>
+      </p:sp>
+      <p:sp>
+        <p:nvSpPr>
+          <p:cNvPr id="4" name="Slide Number Placeholder 3"/>
+          <p:cNvSpPr>
+            <a:spLocks noGrp="1"/>
+          </p:cNvSpPr>
+          <p:nvPr>
+            <p:ph type="sldNum" sz="quarter" idx="10"/>
+          </p:nvPr>
+        </p:nvSpPr>
+        <p:spPr/>
+        <p:txBody>
+          <a:bodyPr/>
+          <a:lstStyle/>
+          <a:p>
+            <a:fld id="{A883C400-BD9D-4609-A213-F91E9750031E}" type="slidenum">
+              <a:rPr lang="en-US" smtClean="0"/>
+              <a:t>26</a:t>
+            </a:fld>
+            <a:endParaRPr lang="en-US" dirty="0"/>
+          </a:p>
+        </p:txBody>
+      </p:sp>
+    </p:spTree>
+    <p:extLst>
+      <p:ext uri="{BB962C8B-B14F-4D97-AF65-F5344CB8AC3E}">
+        <p14:creationId xmlns:p14="http://schemas.microsoft.com/office/powerpoint/2010/main" val="3266619097"/>
+      </p:ext>
+    </p:extLst>
+  </p:cSld>
+  <p:clrMapOvr>
+    <a:masterClrMapping/>
+  </p:clrMapOvr>
+</p:notes>
+</file>
+
+<file path=ppt/notesSlides/notesSlide27.xml><?xml version="1.0" encoding="utf-8"?>
+<p:notes xmlns:a="http://schemas.openxmlformats.org/drawingml/2006/main" xmlns:r="http://schemas.openxmlformats.org/officeDocument/2006/relationships" xmlns:p="http://schemas.openxmlformats.org/presentationml/2006/main">
+  <p:cSld>
+    <p:spTree>
+      <p:nvGrpSpPr>
+        <p:cNvPr id="1" name=""/>
+        <p:cNvGrpSpPr/>
+        <p:nvPr/>
+      </p:nvGrpSpPr>
+      <p:grpSpPr>
+        <a:xfrm>
+          <a:off x="0" y="0"/>
+          <a:ext cx="0" cy="0"/>
+          <a:chOff x="0" y="0"/>
+          <a:chExt cx="0" cy="0"/>
+        </a:xfrm>
+      </p:grpSpPr>
+      <p:sp>
+        <p:nvSpPr>
+          <p:cNvPr id="2" name="Slide Image Placeholder 1"/>
+          <p:cNvSpPr>
+            <a:spLocks noGrp="1" noRot="1" noChangeAspect="1"/>
+          </p:cNvSpPr>
+          <p:nvPr>
+            <p:ph type="sldImg"/>
+          </p:nvPr>
+        </p:nvSpPr>
+        <p:spPr>
+          <a:xfrm>
+            <a:off x="381000" y="685800"/>
+            <a:ext cx="6096000" cy="3429000"/>
+          </a:xfrm>
+        </p:spPr>
+      </p:sp>
+      <p:sp>
+        <p:nvSpPr>
+          <p:cNvPr id="3" name="Notes Placeholder 2"/>
+          <p:cNvSpPr>
+            <a:spLocks noGrp="1"/>
+          </p:cNvSpPr>
+          <p:nvPr>
+            <p:ph type="body" idx="1"/>
+          </p:nvPr>
+        </p:nvSpPr>
+        <p:spPr/>
+        <p:txBody>
+          <a:bodyPr/>
+          <a:lstStyle/>
+          <a:p>
+            <a:endParaRPr lang="en-US" dirty="0"/>
+          </a:p>
+        </p:txBody>
+      </p:sp>
+      <p:sp>
+        <p:nvSpPr>
+          <p:cNvPr id="4" name="Slide Number Placeholder 3"/>
+          <p:cNvSpPr>
+            <a:spLocks noGrp="1"/>
+          </p:cNvSpPr>
+          <p:nvPr>
+            <p:ph type="sldNum" sz="quarter" idx="10"/>
+          </p:nvPr>
+        </p:nvSpPr>
+        <p:spPr/>
+        <p:txBody>
+          <a:bodyPr/>
+          <a:lstStyle/>
+          <a:p>
+            <a:fld id="{A883C400-BD9D-4609-A213-F91E9750031E}" type="slidenum">
+              <a:rPr lang="en-US" smtClean="0"/>
+              <a:t>27</a:t>
+            </a:fld>
+            <a:endParaRPr lang="en-US" dirty="0"/>
+          </a:p>
+        </p:txBody>
+      </p:sp>
+    </p:spTree>
+    <p:extLst>
+      <p:ext uri="{BB962C8B-B14F-4D97-AF65-F5344CB8AC3E}">
+        <p14:creationId xmlns:p14="http://schemas.microsoft.com/office/powerpoint/2010/main" val="40995213"/>
+      </p:ext>
+    </p:extLst>
+  </p:cSld>
+  <p:clrMapOvr>
+    <a:masterClrMapping/>
+  </p:clrMapOvr>
+</p:notes>
+</file>
+
+<file path=ppt/notesSlides/notesSlide28.xml><?xml version="1.0" encoding="utf-8"?>
+<p:notes xmlns:a="http://schemas.openxmlformats.org/drawingml/2006/main" xmlns:r="http://schemas.openxmlformats.org/officeDocument/2006/relationships" xmlns:p="http://schemas.openxmlformats.org/presentationml/2006/main">
+  <p:cSld>
+    <p:spTree>
+      <p:nvGrpSpPr>
+        <p:cNvPr id="1" name=""/>
+        <p:cNvGrpSpPr/>
+        <p:nvPr/>
+      </p:nvGrpSpPr>
+      <p:grpSpPr>
+        <a:xfrm>
+          <a:off x="0" y="0"/>
+          <a:ext cx="0" cy="0"/>
+          <a:chOff x="0" y="0"/>
+          <a:chExt cx="0" cy="0"/>
+        </a:xfrm>
+      </p:grpSpPr>
+      <p:sp>
+        <p:nvSpPr>
+          <p:cNvPr id="2" name="Slide Image Placeholder 1"/>
+          <p:cNvSpPr>
+            <a:spLocks noGrp="1" noRot="1" noChangeAspect="1"/>
+          </p:cNvSpPr>
+          <p:nvPr>
+            <p:ph type="sldImg"/>
+          </p:nvPr>
+        </p:nvSpPr>
+        <p:spPr>
+          <a:xfrm>
+            <a:off x="381000" y="685800"/>
+            <a:ext cx="6096000" cy="3429000"/>
+          </a:xfrm>
+        </p:spPr>
+      </p:sp>
+      <p:sp>
+        <p:nvSpPr>
+          <p:cNvPr id="3" name="Notes Placeholder 2"/>
+          <p:cNvSpPr>
+            <a:spLocks noGrp="1"/>
+          </p:cNvSpPr>
+          <p:nvPr>
+            <p:ph type="body" idx="1"/>
+          </p:nvPr>
+        </p:nvSpPr>
+        <p:spPr/>
+        <p:txBody>
+          <a:bodyPr/>
+          <a:lstStyle/>
+          <a:p>
+            <a:endParaRPr lang="en-US" dirty="0"/>
+          </a:p>
+        </p:txBody>
+      </p:sp>
+      <p:sp>
+        <p:nvSpPr>
+          <p:cNvPr id="4" name="Slide Number Placeholder 3"/>
+          <p:cNvSpPr>
+            <a:spLocks noGrp="1"/>
+          </p:cNvSpPr>
+          <p:nvPr>
+            <p:ph type="sldNum" sz="quarter" idx="10"/>
+          </p:nvPr>
+        </p:nvSpPr>
+        <p:spPr/>
+        <p:txBody>
+          <a:bodyPr/>
+          <a:lstStyle/>
+          <a:p>
+            <a:fld id="{A883C400-BD9D-4609-A213-F91E9750031E}" type="slidenum">
+              <a:rPr lang="en-US" smtClean="0"/>
+              <a:t>28</a:t>
+            </a:fld>
+            <a:endParaRPr lang="en-US" dirty="0"/>
+          </a:p>
+        </p:txBody>
+      </p:sp>
+    </p:spTree>
+    <p:extLst>
+      <p:ext uri="{BB962C8B-B14F-4D97-AF65-F5344CB8AC3E}">
+        <p14:creationId xmlns:p14="http://schemas.microsoft.com/office/powerpoint/2010/main" val="3977455992"/>
+      </p:ext>
+    </p:extLst>
+  </p:cSld>
+  <p:clrMapOvr>
+    <a:masterClrMapping/>
+  </p:clrMapOvr>
+</p:notes>
+</file>
+
+<file path=ppt/notesSlides/notesSlide29.xml><?xml version="1.0" encoding="utf-8"?>
+<p:notes xmlns:a="http://schemas.openxmlformats.org/drawingml/2006/main" xmlns:r="http://schemas.openxmlformats.org/officeDocument/2006/relationships" xmlns:p="http://schemas.openxmlformats.org/presentationml/2006/main">
+  <p:cSld>
+    <p:spTree>
+      <p:nvGrpSpPr>
+        <p:cNvPr id="1" name=""/>
+        <p:cNvGrpSpPr/>
+        <p:nvPr/>
+      </p:nvGrpSpPr>
+      <p:grpSpPr>
+        <a:xfrm>
+          <a:off x="0" y="0"/>
+          <a:ext cx="0" cy="0"/>
+          <a:chOff x="0" y="0"/>
+          <a:chExt cx="0" cy="0"/>
+        </a:xfrm>
+      </p:grpSpPr>
+      <p:sp>
+        <p:nvSpPr>
+          <p:cNvPr id="2" name="Slide Image Placeholder 1"/>
+          <p:cNvSpPr>
+            <a:spLocks noGrp="1" noRot="1" noChangeAspect="1"/>
+          </p:cNvSpPr>
+          <p:nvPr>
+            <p:ph type="sldImg"/>
+          </p:nvPr>
+        </p:nvSpPr>
+        <p:spPr>
+          <a:xfrm>
+            <a:off x="381000" y="685800"/>
+            <a:ext cx="6096000" cy="3429000"/>
+          </a:xfrm>
+        </p:spPr>
+      </p:sp>
+      <p:sp>
+        <p:nvSpPr>
+          <p:cNvPr id="3" name="Notes Placeholder 2"/>
+          <p:cNvSpPr>
+            <a:spLocks noGrp="1"/>
+          </p:cNvSpPr>
+          <p:nvPr>
+            <p:ph type="body" idx="1"/>
+          </p:nvPr>
+        </p:nvSpPr>
+        <p:spPr/>
+        <p:txBody>
+          <a:bodyPr/>
+          <a:lstStyle/>
+          <a:p>
+            <a:endParaRPr lang="en-US" dirty="0"/>
+          </a:p>
+        </p:txBody>
+      </p:sp>
+      <p:sp>
+        <p:nvSpPr>
+          <p:cNvPr id="4" name="Slide Number Placeholder 3"/>
+          <p:cNvSpPr>
+            <a:spLocks noGrp="1"/>
+          </p:cNvSpPr>
+          <p:nvPr>
+            <p:ph type="sldNum" sz="quarter" idx="10"/>
+          </p:nvPr>
+        </p:nvSpPr>
+        <p:spPr/>
+        <p:txBody>
+          <a:bodyPr/>
+          <a:lstStyle/>
+          <a:p>
+            <a:fld id="{A883C400-BD9D-4609-A213-F91E9750031E}" type="slidenum">
+              <a:rPr lang="en-US" smtClean="0"/>
+              <a:t>29</a:t>
+            </a:fld>
+            <a:endParaRPr lang="en-US" dirty="0"/>
+          </a:p>
+        </p:txBody>
+      </p:sp>
+    </p:spTree>
+    <p:extLst>
+      <p:ext uri="{BB962C8B-B14F-4D97-AF65-F5344CB8AC3E}">
         <p14:creationId xmlns:p14="http://schemas.microsoft.com/office/powerpoint/2010/main" val="4137454117"/>
       </p:ext>
     </p:extLst>
@@ -2828,7 +3278,7 @@
             <a:fld id="{1D8BD707-D9CF-40AE-B4C6-C98DA3205C09}" type="datetimeFigureOut">
               <a:rPr lang="en-US" smtClean="0"/>
               <a:pPr/>
-              <a:t>4/21/2022</a:t>
+              <a:t>4/22/2022</a:t>
             </a:fld>
             <a:endParaRPr lang="en-US" dirty="0"/>
           </a:p>
@@ -3006,7 +3456,7 @@
             <a:fld id="{1D8BD707-D9CF-40AE-B4C6-C98DA3205C09}" type="datetimeFigureOut">
               <a:rPr lang="en-US" smtClean="0"/>
               <a:pPr/>
-              <a:t>4/21/2022</a:t>
+              <a:t>4/22/2022</a:t>
             </a:fld>
             <a:endParaRPr lang="en-US" dirty="0"/>
           </a:p>
@@ -3194,7 +3644,7 @@
             <a:fld id="{1D8BD707-D9CF-40AE-B4C6-C98DA3205C09}" type="datetimeFigureOut">
               <a:rPr lang="en-US" smtClean="0"/>
               <a:pPr/>
-              <a:t>4/21/2022</a:t>
+              <a:t>4/22/2022</a:t>
             </a:fld>
             <a:endParaRPr lang="en-US" dirty="0"/>
           </a:p>
@@ -3372,7 +3822,7 @@
             <a:fld id="{1D8BD707-D9CF-40AE-B4C6-C98DA3205C09}" type="datetimeFigureOut">
               <a:rPr lang="en-US" smtClean="0"/>
               <a:pPr/>
-              <a:t>4/21/2022</a:t>
+              <a:t>4/22/2022</a:t>
             </a:fld>
             <a:endParaRPr lang="en-US" dirty="0"/>
           </a:p>
@@ -3627,7 +4077,7 @@
             <a:fld id="{1D8BD707-D9CF-40AE-B4C6-C98DA3205C09}" type="datetimeFigureOut">
               <a:rPr lang="en-US" smtClean="0"/>
               <a:pPr/>
-              <a:t>4/21/2022</a:t>
+              <a:t>4/22/2022</a:t>
             </a:fld>
             <a:endParaRPr lang="en-US" dirty="0"/>
           </a:p>
@@ -3922,7 +4372,7 @@
             <a:fld id="{1D8BD707-D9CF-40AE-B4C6-C98DA3205C09}" type="datetimeFigureOut">
               <a:rPr lang="en-US" smtClean="0"/>
               <a:pPr/>
-              <a:t>4/21/2022</a:t>
+              <a:t>4/22/2022</a:t>
             </a:fld>
             <a:endParaRPr lang="en-US" dirty="0"/>
           </a:p>
@@ -4356,7 +4806,7 @@
             <a:fld id="{1D8BD707-D9CF-40AE-B4C6-C98DA3205C09}" type="datetimeFigureOut">
               <a:rPr lang="en-US" smtClean="0"/>
               <a:pPr/>
-              <a:t>4/21/2022</a:t>
+              <a:t>4/22/2022</a:t>
             </a:fld>
             <a:endParaRPr lang="en-US" dirty="0"/>
           </a:p>
@@ -4483,7 +4933,7 @@
             <a:fld id="{1D8BD707-D9CF-40AE-B4C6-C98DA3205C09}" type="datetimeFigureOut">
               <a:rPr lang="en-US" smtClean="0"/>
               <a:pPr/>
-              <a:t>4/21/2022</a:t>
+              <a:t>4/22/2022</a:t>
             </a:fld>
             <a:endParaRPr lang="en-US" dirty="0"/>
           </a:p>
@@ -4588,7 +5038,7 @@
             <a:fld id="{1D8BD707-D9CF-40AE-B4C6-C98DA3205C09}" type="datetimeFigureOut">
               <a:rPr lang="en-US" smtClean="0"/>
               <a:pPr/>
-              <a:t>4/21/2022</a:t>
+              <a:t>4/22/2022</a:t>
             </a:fld>
             <a:endParaRPr lang="en-US" dirty="0"/>
           </a:p>
@@ -4873,7 +5323,7 @@
             <a:fld id="{1D8BD707-D9CF-40AE-B4C6-C98DA3205C09}" type="datetimeFigureOut">
               <a:rPr lang="en-US" smtClean="0"/>
               <a:pPr/>
-              <a:t>4/21/2022</a:t>
+              <a:t>4/22/2022</a:t>
             </a:fld>
             <a:endParaRPr lang="en-US" dirty="0"/>
           </a:p>
@@ -5135,7 +5585,7 @@
             <a:fld id="{1D8BD707-D9CF-40AE-B4C6-C98DA3205C09}" type="datetimeFigureOut">
               <a:rPr lang="en-US" smtClean="0"/>
               <a:pPr/>
-              <a:t>4/21/2022</a:t>
+              <a:t>4/22/2022</a:t>
             </a:fld>
             <a:endParaRPr lang="en-US" dirty="0"/>
           </a:p>
@@ -5356,7 +5806,7 @@
             <a:fld id="{1D8BD707-D9CF-40AE-B4C6-C98DA3205C09}" type="datetimeFigureOut">
               <a:rPr lang="en-US" smtClean="0"/>
               <a:pPr/>
-              <a:t>4/21/2022</a:t>
+              <a:t>4/22/2022</a:t>
             </a:fld>
             <a:endParaRPr lang="en-US" dirty="0"/>
           </a:p>
@@ -13563,6 +14013,2222 @@
 </file>
 
 <file path=ppt/slides/slide24.xml><?xml version="1.0" encoding="utf-8"?>
+<p:sld xmlns:a="http://schemas.openxmlformats.org/drawingml/2006/main" xmlns:r="http://schemas.openxmlformats.org/officeDocument/2006/relationships" xmlns:p="http://schemas.openxmlformats.org/presentationml/2006/main">
+  <p:cSld>
+    <p:spTree>
+      <p:nvGrpSpPr>
+        <p:cNvPr id="1" name=""/>
+        <p:cNvGrpSpPr/>
+        <p:nvPr/>
+      </p:nvGrpSpPr>
+      <p:grpSpPr>
+        <a:xfrm>
+          <a:off x="0" y="0"/>
+          <a:ext cx="0" cy="0"/>
+          <a:chOff x="0" y="0"/>
+          <a:chExt cx="0" cy="0"/>
+        </a:xfrm>
+      </p:grpSpPr>
+      <p:sp>
+        <p:nvSpPr>
+          <p:cNvPr id="3" name="AutoShape 2" descr="data:image/png;base64,iVBORw0KGgoAAAANSUhEUgAAANEAAADxCAMAAABiSKLrAAAAbFBMVEWIiIj////6+vr29vb19fX4+Pj5+fnu7u77+/v39/f9/f3z8/P+/v709PT8/Pyqqqrt7e3v7+/w8PDx8fHy8vK+vr7Q0NCjo6OBgYHY2Njk5OTHx8eNjY3c3NzGxsbn5+eWlpa1tbWcnJx6enob4+f+AAAIqklEQVR4nO3dCZuaOhQGYEZAh0FkX2W1//8/lkVMICeIkRmOPHz22lYg5OVEZLFzJRNrnC+xSGt3nJvQekMUYktnEiM1ouDrjCs/pukLkzoRtpjmNRcloRUFoiS8oo5UvLwsYpEgCaXoHLYiMRJqkRAJt0iEhFwkQMIqCgJRElpRLErCL3r1oxavSJSEWCRIQikyOtGQNPd8CaXICc04FiXhFomQkIsESChFbmhmwiT0opf3eBivMzSjLuORnh49oKxRKxIloayR24oESShFRScSI6EUJaGZCJNwiwhp/skFcpFAlbCLXiehF71MQisSJiEVVYkwqRP9oEpXI1HSXXRuWjo/2jz3f3v8YfjS7871lbU1EiT1IjrAKrvX/2iurzisijkk8OQC5ah7iERIyEUCJOyi10noRU9J490DUpFPRAApniJhFVnzSaOdOF6RKAmlKGhFgiTMohdIyYeIhEh30aV99E9NLo8VXLqn++Q/mIuIREid6DJsv32s91Ityi1hEtJRl5+ESX2NMKUR2ZYoCbNIjIRV5FiiJIyicx7mriVEKnCKfvxadBIloRQ1NTqJkcICpcgPr7rjOPYJZnFNbZVwikw/YHNlXmDi4xW9kU70jSnNqOu/xL4R0aWg3yNMgNHWp0I66i7Dy5PsdXFuApw1Eg8RndfuykLZa4Q/512EPrsIfzYtOmwje43wh4h+1u7KQvm5bk601wh9NlijXYQ+uwh/HqLrZkTXh+h4PDQP8lQ/PvAlSrT2xl0oRHQ5biOXXYQ+uwh/dhH+7CL82bRI3Ua2XKPvtTfuQvneReizi/BnF+HPLsKfTYu0bYQWsd5PfImIDmtv3IVy2EXos4vwZxfhzy7CH0okbyO7CH+2/D46rr1xF8pxF6HPLsKfXYQ/uwh/KJGyjWxatPZwWShEpK69cReKuovQZxfhzy7Cn12EP0SkGduItmHRzFF3P3r63ZHzTl4YdYqsHg/e/YdF2e7xcFRVrba109gMFp2evGhmjzpFVZLcvJVpl7K8hWaVB1liNVNdJh7VZ4Wd7P4aaa5I866lFEnDRHWksC5eVgtH8VWy8PHGTE5V/rr+QqSocTnm9CpTM+SMmRhVVJcPKbPYv5VFcs7x1F3P1eeikl1sXZHGB0lRLH+eSI75ICk6KZ8nctkOkaQN+cNEWjBRIimU0YpkHY4hmxOgqNIMHRaRJo6giLO+dyM/F1nsvpfqWVAv92Eihe0u3bNE+TgR/FkURfWhUHPMIBsguh6N0yKNs7o/EGkVIEpj+XA8fltJ0GzqDxMdQwBka+2gqQ/p9FYkpaNIiEXuje3OddQfg738rFCTcYmME9sdKXntbY1MBOy802JrotJ6bSUiInLia7y2+aZEbXuyxXbn5vXXGQazDs+6xUWGoql2kXU/DDrOssLWNFmZ65oQufeflwvU6PHDdO8ki/0xu/Rb7RVRvZNJgupW7y3bU+T6JLnej97MPLNUhbPIbJEV9U2y/eknHds5lfhfNMo/sb23oRX5LQXWGUmpGdtz3nxEpOiep7eP+5MFUEZJj+0SCnsCVX/CkrZUQFRvQG+8RkNOzHTi5LL0rW6x8YL0bwolGtdolqir0fQxAyQCNrdsVczFmdFS6fXp+4kSecPMEqntrAYkkklTYI288frkYKI+j+XCYtzRUdCIdMV/7mkWTDNmY6AU6bo5C9QknqwSEpFuzAdJUjZFQiJSoFMWfhIDu0ievDjD5ubquEV6AjVet3krU3B/Hvn8cYdDBJxUSlKVaJqmWvENMiXcImEQKcCYi26W1nZaN9SAXXFkcos0JZpxXLeICDpLDnVSBDkDusAtEhGN72p5J78LcMbn9+nudemgiDSlASLF66cC20NKbZ3qCnAnIfKp9gcxiIjVPj8/8mbVCBY9VsNes42C4YgBrgyUJ06NpkRdCuD8yB418pYIOkl2hyuQ2SOkKOMMO4M76vrBB4sG84Cjjrr5Cooeo4TdLwyGbLsC4IKgD93dHY66lUQye7gQxfqgfdcDhr7JeSOtLoL2dOn4KEdX2E+s0hp24j3RaUERsPnLLBmlYPceaYJVBB0Bja85p8ANn3rXgFX02kEqaSGAeywoGs7zjghYdqYoxyp68USCtMDZfX+wqHomav53fkBcWDSYx4NEBpkuAyLj3oSwSDIVsMM6ETVAp/3V/KG2tP/xRPRccI1IW7Comyr8PupE9052bbW/0yLHpX/1T1wRmQuskULa4oqcd/Z1pjLu6li0zqgDP49m5fmo+2NR3z50zFBYczLsBB6Rxx6y8Q5wRoE7LCaylhM5BnTs7cGdmZP1RZzdygeLXOjW9fg94jYXUnjjbBHRcJ5nImVKBA67fFgkL/HzIE4KRW7vM0/i/kQ0WSPHg75KldHdqc+h7pfZ0jKs/GuDM3hvNSLizSEqoroE1Yia7ELf00kIWS/o09z+EmLA6bC3hMh9TwRskDq51x47e4Zzhc73Qt64wyByPOjmUVT6cZZkcQV+0zxNflX05qgD36tSe3MilcCr1FLEe9sPRDYYjmgwD1wjMl1hm4h0ugF43PETVd6wB3RbKES2Pu+2cr9waHFBWESO+8JtyxrkckFYRDa8dxAAoRHNH3hRNTHkUIlsY9Z3TqR6LzcFokScSsKi4TzPRMYske0VT78XJJkJZ8uTzojV6FdEtmNkE9/diqLUzJTpAtmzalQyF6FvI5ETA9+OpraQwTYhwRvQMYqryX6sNn8vq8AynnqoGuXuCY7N/vMR3R7N47DzePR04J+gjJt4rM7V3SzwzbC8FzYtb2Z1jQtDd3nLDOLmD1E9v90++qfT4Lfh5N+cq/508shXb5st6Ll1cWa2RYu2EUo0p6QfkF2EP7sIf3YR/hCRs3ZXFoqzYdEGR92su1D4Q486yzq1D/L0iS85W67R2l1ZKLsIfzYs4l05+bg8rpxU/lZS3UXbyvZE/wFXu+LXNTDaDQAAAABJRU5ErkJggg=="/>
+          <p:cNvSpPr>
+            <a:spLocks noChangeAspect="1" noChangeArrowheads="1"/>
+          </p:cNvSpPr>
+          <p:nvPr/>
+        </p:nvSpPr>
+        <p:spPr bwMode="auto">
+          <a:xfrm>
+            <a:off x="207436" y="-116412"/>
+            <a:ext cx="406400" cy="406402"/>
+          </a:xfrm>
+          <a:prstGeom prst="rect">
+            <a:avLst/>
+          </a:prstGeom>
+          <a:noFill/>
+          <a:extLst>
+            <a:ext uri="{909E8E84-426E-40DD-AFC4-6F175D3DCCD1}">
+              <a14:hiddenFill xmlns:a14="http://schemas.microsoft.com/office/drawing/2010/main">
+                <a:solidFill>
+                  <a:srgbClr val="FFFFFF"/>
+                </a:solidFill>
+              </a14:hiddenFill>
+            </a:ext>
+          </a:extLst>
+        </p:spPr>
+        <p:txBody>
+          <a:bodyPr vert="horz" wrap="square" lIns="121920" tIns="60960" rIns="121920" bIns="60960" numCol="1" anchor="t" anchorCtr="0" compatLnSpc="1">
+            <a:prstTxWarp prst="textNoShape">
+              <a:avLst/>
+            </a:prstTxWarp>
+          </a:bodyPr>
+          <a:lstStyle/>
+          <a:p>
+            <a:endParaRPr lang="en-US" sz="1600" dirty="0"/>
+          </a:p>
+        </p:txBody>
+      </p:sp>
+      <p:sp>
+        <p:nvSpPr>
+          <p:cNvPr id="2" name="AutoShape 2" descr="Image result for file"/>
+          <p:cNvSpPr>
+            <a:spLocks noChangeAspect="1" noChangeArrowheads="1"/>
+          </p:cNvSpPr>
+          <p:nvPr/>
+        </p:nvSpPr>
+        <p:spPr bwMode="auto">
+          <a:xfrm>
+            <a:off x="410635" y="86789"/>
+            <a:ext cx="406400" cy="406402"/>
+          </a:xfrm>
+          <a:prstGeom prst="rect">
+            <a:avLst/>
+          </a:prstGeom>
+          <a:noFill/>
+          <a:extLst>
+            <a:ext uri="{909E8E84-426E-40DD-AFC4-6F175D3DCCD1}">
+              <a14:hiddenFill xmlns:a14="http://schemas.microsoft.com/office/drawing/2010/main">
+                <a:solidFill>
+                  <a:srgbClr val="FFFFFF"/>
+                </a:solidFill>
+              </a14:hiddenFill>
+            </a:ext>
+          </a:extLst>
+        </p:spPr>
+        <p:txBody>
+          <a:bodyPr vert="horz" wrap="square" lIns="121920" tIns="60960" rIns="121920" bIns="60960" numCol="1" anchor="t" anchorCtr="0" compatLnSpc="1">
+            <a:prstTxWarp prst="textNoShape">
+              <a:avLst/>
+            </a:prstTxWarp>
+          </a:bodyPr>
+          <a:lstStyle/>
+          <a:p>
+            <a:endParaRPr lang="en-US" sz="2400" dirty="0"/>
+          </a:p>
+        </p:txBody>
+      </p:sp>
+      <p:sp>
+        <p:nvSpPr>
+          <p:cNvPr id="6" name="AutoShape 2" descr="Image result for activemq image"/>
+          <p:cNvSpPr>
+            <a:spLocks noChangeAspect="1" noChangeArrowheads="1"/>
+          </p:cNvSpPr>
+          <p:nvPr/>
+        </p:nvSpPr>
+        <p:spPr bwMode="auto">
+          <a:xfrm>
+            <a:off x="613835" y="289988"/>
+            <a:ext cx="406400" cy="406402"/>
+          </a:xfrm>
+          <a:prstGeom prst="rect">
+            <a:avLst/>
+          </a:prstGeom>
+          <a:noFill/>
+          <a:extLst>
+            <a:ext uri="{909E8E84-426E-40DD-AFC4-6F175D3DCCD1}">
+              <a14:hiddenFill xmlns:a14="http://schemas.microsoft.com/office/drawing/2010/main">
+                <a:solidFill>
+                  <a:srgbClr val="FFFFFF"/>
+                </a:solidFill>
+              </a14:hiddenFill>
+            </a:ext>
+          </a:extLst>
+        </p:spPr>
+        <p:txBody>
+          <a:bodyPr vert="horz" wrap="square" lIns="121920" tIns="60960" rIns="121920" bIns="60960" numCol="1" anchor="t" anchorCtr="0" compatLnSpc="1">
+            <a:prstTxWarp prst="textNoShape">
+              <a:avLst/>
+            </a:prstTxWarp>
+          </a:bodyPr>
+          <a:lstStyle/>
+          <a:p>
+            <a:endParaRPr lang="en-US" sz="2400" dirty="0"/>
+          </a:p>
+        </p:txBody>
+      </p:sp>
+      <p:sp>
+        <p:nvSpPr>
+          <p:cNvPr id="7" name="Rectangle 6">
+            <a:extLst>
+              <a:ext uri="{FF2B5EF4-FFF2-40B4-BE49-F238E27FC236}">
+                <a16:creationId xmlns:a16="http://schemas.microsoft.com/office/drawing/2014/main" id="{3177545C-EEE8-4B4F-BC37-17141354D0E9}"/>
+              </a:ext>
+            </a:extLst>
+          </p:cNvPr>
+          <p:cNvSpPr/>
+          <p:nvPr/>
+        </p:nvSpPr>
+        <p:spPr>
+          <a:xfrm>
+            <a:off x="2321800" y="87868"/>
+            <a:ext cx="7548400" cy="646331"/>
+          </a:xfrm>
+          <a:prstGeom prst="rect">
+            <a:avLst/>
+          </a:prstGeom>
+        </p:spPr>
+        <p:style>
+          <a:lnRef idx="1">
+            <a:schemeClr val="accent4"/>
+          </a:lnRef>
+          <a:fillRef idx="3">
+            <a:schemeClr val="accent4"/>
+          </a:fillRef>
+          <a:effectRef idx="2">
+            <a:schemeClr val="accent4"/>
+          </a:effectRef>
+          <a:fontRef idx="minor">
+            <a:schemeClr val="lt1"/>
+          </a:fontRef>
+        </p:style>
+        <p:txBody>
+          <a:bodyPr wrap="square">
+            <a:spAutoFit/>
+          </a:bodyPr>
+          <a:lstStyle>
+            <a:defPPr>
+              <a:defRPr lang="en-US"/>
+            </a:defPPr>
+            <a:lvl1pPr marL="0" algn="l" defTabSz="914400" rtl="0" eaLnBrk="1" latinLnBrk="0" hangingPunct="1">
+              <a:defRPr sz="1800" kern="1200">
+                <a:solidFill>
+                  <a:schemeClr val="lt1"/>
+                </a:solidFill>
+                <a:latin typeface="+mn-lt"/>
+                <a:ea typeface="+mn-ea"/>
+                <a:cs typeface="+mn-cs"/>
+              </a:defRPr>
+            </a:lvl1pPr>
+            <a:lvl2pPr marL="457200" algn="l" defTabSz="914400" rtl="0" eaLnBrk="1" latinLnBrk="0" hangingPunct="1">
+              <a:defRPr sz="1800" kern="1200">
+                <a:solidFill>
+                  <a:schemeClr val="lt1"/>
+                </a:solidFill>
+                <a:latin typeface="+mn-lt"/>
+                <a:ea typeface="+mn-ea"/>
+                <a:cs typeface="+mn-cs"/>
+              </a:defRPr>
+            </a:lvl2pPr>
+            <a:lvl3pPr marL="914400" algn="l" defTabSz="914400" rtl="0" eaLnBrk="1" latinLnBrk="0" hangingPunct="1">
+              <a:defRPr sz="1800" kern="1200">
+                <a:solidFill>
+                  <a:schemeClr val="lt1"/>
+                </a:solidFill>
+                <a:latin typeface="+mn-lt"/>
+                <a:ea typeface="+mn-ea"/>
+                <a:cs typeface="+mn-cs"/>
+              </a:defRPr>
+            </a:lvl3pPr>
+            <a:lvl4pPr marL="1371600" algn="l" defTabSz="914400" rtl="0" eaLnBrk="1" latinLnBrk="0" hangingPunct="1">
+              <a:defRPr sz="1800" kern="1200">
+                <a:solidFill>
+                  <a:schemeClr val="lt1"/>
+                </a:solidFill>
+                <a:latin typeface="+mn-lt"/>
+                <a:ea typeface="+mn-ea"/>
+                <a:cs typeface="+mn-cs"/>
+              </a:defRPr>
+            </a:lvl4pPr>
+            <a:lvl5pPr marL="1828800" algn="l" defTabSz="914400" rtl="0" eaLnBrk="1" latinLnBrk="0" hangingPunct="1">
+              <a:defRPr sz="1800" kern="1200">
+                <a:solidFill>
+                  <a:schemeClr val="lt1"/>
+                </a:solidFill>
+                <a:latin typeface="+mn-lt"/>
+                <a:ea typeface="+mn-ea"/>
+                <a:cs typeface="+mn-cs"/>
+              </a:defRPr>
+            </a:lvl5pPr>
+            <a:lvl6pPr marL="2286000" algn="l" defTabSz="914400" rtl="0" eaLnBrk="1" latinLnBrk="0" hangingPunct="1">
+              <a:defRPr sz="1800" kern="1200">
+                <a:solidFill>
+                  <a:schemeClr val="lt1"/>
+                </a:solidFill>
+                <a:latin typeface="+mn-lt"/>
+                <a:ea typeface="+mn-ea"/>
+                <a:cs typeface="+mn-cs"/>
+              </a:defRPr>
+            </a:lvl6pPr>
+            <a:lvl7pPr marL="2743200" algn="l" defTabSz="914400" rtl="0" eaLnBrk="1" latinLnBrk="0" hangingPunct="1">
+              <a:defRPr sz="1800" kern="1200">
+                <a:solidFill>
+                  <a:schemeClr val="lt1"/>
+                </a:solidFill>
+                <a:latin typeface="+mn-lt"/>
+                <a:ea typeface="+mn-ea"/>
+                <a:cs typeface="+mn-cs"/>
+              </a:defRPr>
+            </a:lvl7pPr>
+            <a:lvl8pPr marL="3200400" algn="l" defTabSz="914400" rtl="0" eaLnBrk="1" latinLnBrk="0" hangingPunct="1">
+              <a:defRPr sz="1800" kern="1200">
+                <a:solidFill>
+                  <a:schemeClr val="lt1"/>
+                </a:solidFill>
+                <a:latin typeface="+mn-lt"/>
+                <a:ea typeface="+mn-ea"/>
+                <a:cs typeface="+mn-cs"/>
+              </a:defRPr>
+            </a:lvl8pPr>
+            <a:lvl9pPr marL="3657600" algn="l" defTabSz="914400" rtl="0" eaLnBrk="1" latinLnBrk="0" hangingPunct="1">
+              <a:defRPr sz="1800" kern="1200">
+                <a:solidFill>
+                  <a:schemeClr val="lt1"/>
+                </a:solidFill>
+                <a:latin typeface="+mn-lt"/>
+                <a:ea typeface="+mn-ea"/>
+                <a:cs typeface="+mn-cs"/>
+              </a:defRPr>
+            </a:lvl9pPr>
+          </a:lstStyle>
+          <a:p>
+            <a:pPr algn="ctr"/>
+            <a:r>
+              <a:rPr lang="en-US" dirty="0"/>
+              <a:t>How to Uninstall Tomcat using Yum Package Manager Amazon EC2 Instance? | How to Uninstall or Remove Packages from Linux OS?</a:t>
+            </a:r>
+          </a:p>
+        </p:txBody>
+      </p:sp>
+      <p:pic>
+        <p:nvPicPr>
+          <p:cNvPr id="4" name="Picture 3">
+            <a:extLst>
+              <a:ext uri="{FF2B5EF4-FFF2-40B4-BE49-F238E27FC236}">
+                <a16:creationId xmlns:a16="http://schemas.microsoft.com/office/drawing/2014/main" id="{8CB8129A-007D-4230-89DD-5C304BAD4494}"/>
+              </a:ext>
+            </a:extLst>
+          </p:cNvPr>
+          <p:cNvPicPr>
+            <a:picLocks noChangeAspect="1"/>
+          </p:cNvPicPr>
+          <p:nvPr/>
+        </p:nvPicPr>
+        <p:blipFill>
+          <a:blip r:embed="rId3"/>
+          <a:stretch>
+            <a:fillRect/>
+          </a:stretch>
+        </p:blipFill>
+        <p:spPr>
+          <a:xfrm>
+            <a:off x="817035" y="1828800"/>
+            <a:ext cx="8301565" cy="2516277"/>
+          </a:xfrm>
+          <a:prstGeom prst="rect">
+            <a:avLst/>
+          </a:prstGeom>
+        </p:spPr>
+        <p:style>
+          <a:lnRef idx="1">
+            <a:schemeClr val="accent4"/>
+          </a:lnRef>
+          <a:fillRef idx="3">
+            <a:schemeClr val="accent4"/>
+          </a:fillRef>
+          <a:effectRef idx="2">
+            <a:schemeClr val="accent4"/>
+          </a:effectRef>
+          <a:fontRef idx="minor">
+            <a:schemeClr val="lt1"/>
+          </a:fontRef>
+        </p:style>
+      </p:pic>
+      <p:sp>
+        <p:nvSpPr>
+          <p:cNvPr id="8" name="Rectangle 7">
+            <a:extLst>
+              <a:ext uri="{FF2B5EF4-FFF2-40B4-BE49-F238E27FC236}">
+                <a16:creationId xmlns:a16="http://schemas.microsoft.com/office/drawing/2014/main" id="{663F953A-47BC-4EB3-99A0-578AD5E214C2}"/>
+              </a:ext>
+            </a:extLst>
+          </p:cNvPr>
+          <p:cNvSpPr/>
+          <p:nvPr/>
+        </p:nvSpPr>
+        <p:spPr>
+          <a:xfrm>
+            <a:off x="846852" y="1404944"/>
+            <a:ext cx="6519149" cy="338554"/>
+          </a:xfrm>
+          <a:prstGeom prst="rect">
+            <a:avLst/>
+          </a:prstGeom>
+        </p:spPr>
+        <p:style>
+          <a:lnRef idx="1">
+            <a:schemeClr val="accent2"/>
+          </a:lnRef>
+          <a:fillRef idx="3">
+            <a:schemeClr val="accent2"/>
+          </a:fillRef>
+          <a:effectRef idx="2">
+            <a:schemeClr val="accent2"/>
+          </a:effectRef>
+          <a:fontRef idx="minor">
+            <a:schemeClr val="lt1"/>
+          </a:fontRef>
+        </p:style>
+        <p:txBody>
+          <a:bodyPr wrap="square">
+            <a:spAutoFit/>
+          </a:bodyPr>
+          <a:lstStyle/>
+          <a:p>
+            <a:r>
+              <a:rPr lang="en-US" sz="1600" dirty="0">
+                <a:solidFill>
+                  <a:schemeClr val="bg1"/>
+                </a:solidFill>
+                <a:latin typeface="roboto"/>
+              </a:rPr>
+              <a:t>To </a:t>
+            </a:r>
+            <a:r>
+              <a:rPr lang="en-US" sz="1600" b="1" dirty="0">
+                <a:solidFill>
+                  <a:schemeClr val="bg1"/>
+                </a:solidFill>
+                <a:latin typeface="roboto"/>
+              </a:rPr>
+              <a:t>remove a package from Linux</a:t>
+            </a:r>
+            <a:r>
+              <a:rPr lang="en-US" sz="1600" dirty="0">
+                <a:solidFill>
+                  <a:schemeClr val="bg1"/>
+                </a:solidFill>
+                <a:latin typeface="roboto"/>
+              </a:rPr>
+              <a:t>, use the following yum commands:</a:t>
+            </a:r>
+            <a:endParaRPr lang="en-US" sz="1600" dirty="0">
+              <a:solidFill>
+                <a:schemeClr val="bg1"/>
+              </a:solidFill>
+            </a:endParaRPr>
+          </a:p>
+        </p:txBody>
+      </p:sp>
+      <p:sp>
+        <p:nvSpPr>
+          <p:cNvPr id="9" name="Rectangle 8">
+            <a:extLst>
+              <a:ext uri="{FF2B5EF4-FFF2-40B4-BE49-F238E27FC236}">
+                <a16:creationId xmlns:a16="http://schemas.microsoft.com/office/drawing/2014/main" id="{5B1AD19E-EF1E-46E7-86E6-F6DABA1FC984}"/>
+              </a:ext>
+            </a:extLst>
+          </p:cNvPr>
+          <p:cNvSpPr/>
+          <p:nvPr/>
+        </p:nvSpPr>
+        <p:spPr>
+          <a:xfrm>
+            <a:off x="207436" y="4689346"/>
+            <a:ext cx="11832164" cy="2031325"/>
+          </a:xfrm>
+          <a:prstGeom prst="rect">
+            <a:avLst/>
+          </a:prstGeom>
+          <a:solidFill>
+            <a:srgbClr val="FFC000"/>
+          </a:solidFill>
+        </p:spPr>
+        <p:txBody>
+          <a:bodyPr wrap="square">
+            <a:spAutoFit/>
+          </a:bodyPr>
+          <a:lstStyle/>
+          <a:p>
+            <a:r>
+              <a:rPr lang="en-US" sz="1800" b="1" dirty="0">
+                <a:latin typeface="roboto"/>
+              </a:rPr>
+              <a:t>Note:</a:t>
+            </a:r>
+            <a:r>
+              <a:rPr lang="en-US" sz="1800" dirty="0">
+                <a:latin typeface="roboto"/>
+              </a:rPr>
+              <a:t> </a:t>
+            </a:r>
+          </a:p>
+          <a:p>
+            <a:endParaRPr lang="en-US" sz="1800" dirty="0">
+              <a:latin typeface="roboto"/>
+            </a:endParaRPr>
+          </a:p>
+          <a:p>
+            <a:pPr marL="285750" indent="-285750">
+              <a:buFont typeface="Wingdings" panose="05000000000000000000" pitchFamily="2" charset="2"/>
+              <a:buChar char="ü"/>
+            </a:pPr>
+            <a:r>
+              <a:rPr lang="en-US" sz="1800" dirty="0">
+                <a:latin typeface="roboto"/>
+              </a:rPr>
+              <a:t>Only root users and users added to the </a:t>
+            </a:r>
+            <a:r>
+              <a:rPr lang="en-US" sz="1800" dirty="0" err="1">
+                <a:latin typeface="roboto"/>
+              </a:rPr>
+              <a:t>sudousers</a:t>
+            </a:r>
+            <a:r>
+              <a:rPr lang="en-US" sz="1800" dirty="0">
+                <a:latin typeface="roboto"/>
+              </a:rPr>
+              <a:t> group have permission to install and remove packages in Linux OS.</a:t>
+            </a:r>
+          </a:p>
+          <a:p>
+            <a:pPr marL="285750" indent="-285750">
+              <a:buFont typeface="Wingdings" panose="05000000000000000000" pitchFamily="2" charset="2"/>
+              <a:buChar char="ü"/>
+            </a:pPr>
+            <a:endParaRPr lang="en-US" sz="1800" dirty="0">
+              <a:latin typeface="roboto"/>
+            </a:endParaRPr>
+          </a:p>
+          <a:p>
+            <a:pPr marL="285750" indent="-285750">
+              <a:buFont typeface="Wingdings" panose="05000000000000000000" pitchFamily="2" charset="2"/>
+              <a:buChar char="ü"/>
+            </a:pPr>
+            <a:r>
+              <a:rPr lang="en-US" sz="1800" dirty="0" err="1"/>
+              <a:t>Uncesscerary</a:t>
+            </a:r>
+            <a:r>
+              <a:rPr lang="en-US" sz="1800" dirty="0"/>
+              <a:t> packages slow down system performance and take up storage space. If specific software isn’t being used, then it’s best to remove it, and doing so is easy.</a:t>
+            </a:r>
+          </a:p>
+        </p:txBody>
+      </p:sp>
+    </p:spTree>
+    <p:extLst>
+      <p:ext uri="{BB962C8B-B14F-4D97-AF65-F5344CB8AC3E}">
+        <p14:creationId xmlns:p14="http://schemas.microsoft.com/office/powerpoint/2010/main" val="4134669934"/>
+      </p:ext>
+    </p:extLst>
+  </p:cSld>
+  <p:clrMapOvr>
+    <a:masterClrMapping/>
+  </p:clrMapOvr>
+  <mc:AlternateContent xmlns:mc="http://schemas.openxmlformats.org/markup-compatibility/2006" xmlns:p14="http://schemas.microsoft.com/office/powerpoint/2010/main">
+    <mc:Choice Requires="p14">
+      <p:transition p14:dur="0" advClick="0"/>
+    </mc:Choice>
+    <mc:Fallback xmlns="">
+      <p:transition advClick="0"/>
+    </mc:Fallback>
+  </mc:AlternateContent>
+</p:sld>
+</file>
+
+<file path=ppt/slides/slide25.xml><?xml version="1.0" encoding="utf-8"?>
+<p:sld xmlns:a="http://schemas.openxmlformats.org/drawingml/2006/main" xmlns:r="http://schemas.openxmlformats.org/officeDocument/2006/relationships" xmlns:p="http://schemas.openxmlformats.org/presentationml/2006/main">
+  <p:cSld>
+    <p:spTree>
+      <p:nvGrpSpPr>
+        <p:cNvPr id="1" name=""/>
+        <p:cNvGrpSpPr/>
+        <p:nvPr/>
+      </p:nvGrpSpPr>
+      <p:grpSpPr>
+        <a:xfrm>
+          <a:off x="0" y="0"/>
+          <a:ext cx="0" cy="0"/>
+          <a:chOff x="0" y="0"/>
+          <a:chExt cx="0" cy="0"/>
+        </a:xfrm>
+      </p:grpSpPr>
+      <p:sp>
+        <p:nvSpPr>
+          <p:cNvPr id="3" name="AutoShape 2" descr="data:image/png;base64,iVBORw0KGgoAAAANSUhEUgAAANEAAADxCAMAAABiSKLrAAAAbFBMVEWIiIj////6+vr29vb19fX4+Pj5+fnu7u77+/v39/f9/f3z8/P+/v709PT8/Pyqqqrt7e3v7+/w8PDx8fHy8vK+vr7Q0NCjo6OBgYHY2Njk5OTHx8eNjY3c3NzGxsbn5+eWlpa1tbWcnJx6enob4+f+AAAIqklEQVR4nO3dCZuaOhQGYEZAh0FkX2W1//8/lkVMICeIkRmOPHz22lYg5OVEZLFzJRNrnC+xSGt3nJvQekMUYktnEiM1ouDrjCs/pukLkzoRtpjmNRcloRUFoiS8oo5UvLwsYpEgCaXoHLYiMRJqkRAJt0iEhFwkQMIqCgJRElpRLErCL3r1oxavSJSEWCRIQikyOtGQNPd8CaXICc04FiXhFomQkIsESChFbmhmwiT0opf3eBivMzSjLuORnh49oKxRKxIloayR24oESShFRScSI6EUJaGZCJNwiwhp/skFcpFAlbCLXiehF71MQisSJiEVVYkwqRP9oEpXI1HSXXRuWjo/2jz3f3v8YfjS7871lbU1EiT1IjrAKrvX/2iurzisijkk8OQC5ah7iERIyEUCJOyi10noRU9J490DUpFPRAApniJhFVnzSaOdOF6RKAmlKGhFgiTMohdIyYeIhEh30aV99E9NLo8VXLqn++Q/mIuIREid6DJsv32s91Ityi1hEtJRl5+ESX2NMKUR2ZYoCbNIjIRV5FiiJIyicx7mriVEKnCKfvxadBIloRQ1NTqJkcICpcgPr7rjOPYJZnFNbZVwikw/YHNlXmDi4xW9kU70jSnNqOu/xL4R0aWg3yNMgNHWp0I66i7Dy5PsdXFuApw1Eg8RndfuykLZa4Q/512EPrsIfzYtOmwje43wh4h+1u7KQvm5bk601wh9NlijXYQ+uwh/HqLrZkTXh+h4PDQP8lQ/PvAlSrT2xl0oRHQ5biOXXYQ+uwh/dhH+7CL82bRI3Ua2XKPvtTfuQvneReizi/BnF+HPLsKfTYu0bYQWsd5PfImIDmtv3IVy2EXos4vwZxfhzy7CH0okbyO7CH+2/D46rr1xF8pxF6HPLsKfXYQ/uwh/KJGyjWxatPZwWShEpK69cReKuovQZxfhzy7Cn12EP0SkGduItmHRzFF3P3r63ZHzTl4YdYqsHg/e/YdF2e7xcFRVrba109gMFp2evGhmjzpFVZLcvJVpl7K8hWaVB1liNVNdJh7VZ4Wd7P4aaa5I866lFEnDRHWksC5eVgtH8VWy8PHGTE5V/rr+QqSocTnm9CpTM+SMmRhVVJcPKbPYv5VFcs7x1F3P1eeikl1sXZHGB0lRLH+eSI75ICk6KZ8nctkOkaQN+cNEWjBRIimU0YpkHY4hmxOgqNIMHRaRJo6giLO+dyM/F1nsvpfqWVAv92Eihe0u3bNE+TgR/FkURfWhUHPMIBsguh6N0yKNs7o/EGkVIEpj+XA8fltJ0GzqDxMdQwBka+2gqQ/p9FYkpaNIiEXuje3OddQfg738rFCTcYmME9sdKXntbY1MBOy802JrotJ6bSUiInLia7y2+aZEbXuyxXbn5vXXGQazDs+6xUWGoql2kXU/DDrOssLWNFmZ65oQufeflwvU6PHDdO8ki/0xu/Rb7RVRvZNJgupW7y3bU+T6JLnej97MPLNUhbPIbJEV9U2y/eknHds5lfhfNMo/sb23oRX5LQXWGUmpGdtz3nxEpOiep7eP+5MFUEZJj+0SCnsCVX/CkrZUQFRvQG+8RkNOzHTi5LL0rW6x8YL0bwolGtdolqir0fQxAyQCNrdsVczFmdFS6fXp+4kSecPMEqntrAYkkklTYI288frkYKI+j+XCYtzRUdCIdMV/7mkWTDNmY6AU6bo5C9QknqwSEpFuzAdJUjZFQiJSoFMWfhIDu0ievDjD5ubquEV6AjVet3krU3B/Hvn8cYdDBJxUSlKVaJqmWvENMiXcImEQKcCYi26W1nZaN9SAXXFkcos0JZpxXLeICDpLDnVSBDkDusAtEhGN72p5J78LcMbn9+nudemgiDSlASLF66cC20NKbZ3qCnAnIfKp9gcxiIjVPj8/8mbVCBY9VsNes42C4YgBrgyUJ06NpkRdCuD8yB418pYIOkl2hyuQ2SOkKOMMO4M76vrBB4sG84Cjjrr5Cooeo4TdLwyGbLsC4IKgD93dHY66lUQye7gQxfqgfdcDhr7JeSOtLoL2dOn4KEdX2E+s0hp24j3RaUERsPnLLBmlYPceaYJVBB0Bja85p8ANn3rXgFX02kEqaSGAeywoGs7zjghYdqYoxyp68USCtMDZfX+wqHomav53fkBcWDSYx4NEBpkuAyLj3oSwSDIVsMM6ETVAp/3V/KG2tP/xRPRccI1IW7Comyr8PupE9052bbW/0yLHpX/1T1wRmQuskULa4oqcd/Z1pjLu6li0zqgDP49m5fmo+2NR3z50zFBYczLsBB6Rxx6y8Q5wRoE7LCaylhM5BnTs7cGdmZP1RZzdygeLXOjW9fg94jYXUnjjbBHRcJ5nImVKBA67fFgkL/HzIE4KRW7vM0/i/kQ0WSPHg75KldHdqc+h7pfZ0jKs/GuDM3hvNSLizSEqoroE1Yia7ELf00kIWS/o09z+EmLA6bC3hMh9TwRskDq51x47e4Zzhc73Qt64wyByPOjmUVT6cZZkcQV+0zxNflX05qgD36tSe3MilcCr1FLEe9sPRDYYjmgwD1wjMl1hm4h0ugF43PETVd6wB3RbKES2Pu+2cr9waHFBWESO+8JtyxrkckFYRDa8dxAAoRHNH3hRNTHkUIlsY9Z3TqR6LzcFokScSsKi4TzPRMYske0VT78XJJkJZ8uTzojV6FdEtmNkE9/diqLUzJTpAtmzalQyF6FvI5ETA9+OpraQwTYhwRvQMYqryX6sNn8vq8AynnqoGuXuCY7N/vMR3R7N47DzePR04J+gjJt4rM7V3SzwzbC8FzYtb2Z1jQtDd3nLDOLmD1E9v90++qfT4Lfh5N+cq/508shXb5st6Ll1cWa2RYu2EUo0p6QfkF2EP7sIf3YR/hCRs3ZXFoqzYdEGR92su1D4Q486yzq1D/L0iS85W67R2l1ZKLsIfzYs4l05+bg8rpxU/lZS3UXbyvZE/wFXu+LXNTDaDQAAAABJRU5ErkJggg=="/>
+          <p:cNvSpPr>
+            <a:spLocks noChangeAspect="1" noChangeArrowheads="1"/>
+          </p:cNvSpPr>
+          <p:nvPr/>
+        </p:nvSpPr>
+        <p:spPr bwMode="auto">
+          <a:xfrm>
+            <a:off x="207436" y="-116412"/>
+            <a:ext cx="406400" cy="406402"/>
+          </a:xfrm>
+          <a:prstGeom prst="rect">
+            <a:avLst/>
+          </a:prstGeom>
+          <a:noFill/>
+          <a:extLst>
+            <a:ext uri="{909E8E84-426E-40DD-AFC4-6F175D3DCCD1}">
+              <a14:hiddenFill xmlns:a14="http://schemas.microsoft.com/office/drawing/2010/main">
+                <a:solidFill>
+                  <a:srgbClr val="FFFFFF"/>
+                </a:solidFill>
+              </a14:hiddenFill>
+            </a:ext>
+          </a:extLst>
+        </p:spPr>
+        <p:txBody>
+          <a:bodyPr vert="horz" wrap="square" lIns="121920" tIns="60960" rIns="121920" bIns="60960" numCol="1" anchor="t" anchorCtr="0" compatLnSpc="1">
+            <a:prstTxWarp prst="textNoShape">
+              <a:avLst/>
+            </a:prstTxWarp>
+          </a:bodyPr>
+          <a:lstStyle/>
+          <a:p>
+            <a:endParaRPr lang="en-US" sz="1600" dirty="0"/>
+          </a:p>
+        </p:txBody>
+      </p:sp>
+      <p:sp>
+        <p:nvSpPr>
+          <p:cNvPr id="2" name="AutoShape 2" descr="Image result for file"/>
+          <p:cNvSpPr>
+            <a:spLocks noChangeAspect="1" noChangeArrowheads="1"/>
+          </p:cNvSpPr>
+          <p:nvPr/>
+        </p:nvSpPr>
+        <p:spPr bwMode="auto">
+          <a:xfrm>
+            <a:off x="410635" y="86789"/>
+            <a:ext cx="406400" cy="406402"/>
+          </a:xfrm>
+          <a:prstGeom prst="rect">
+            <a:avLst/>
+          </a:prstGeom>
+          <a:noFill/>
+          <a:extLst>
+            <a:ext uri="{909E8E84-426E-40DD-AFC4-6F175D3DCCD1}">
+              <a14:hiddenFill xmlns:a14="http://schemas.microsoft.com/office/drawing/2010/main">
+                <a:solidFill>
+                  <a:srgbClr val="FFFFFF"/>
+                </a:solidFill>
+              </a14:hiddenFill>
+            </a:ext>
+          </a:extLst>
+        </p:spPr>
+        <p:txBody>
+          <a:bodyPr vert="horz" wrap="square" lIns="121920" tIns="60960" rIns="121920" bIns="60960" numCol="1" anchor="t" anchorCtr="0" compatLnSpc="1">
+            <a:prstTxWarp prst="textNoShape">
+              <a:avLst/>
+            </a:prstTxWarp>
+          </a:bodyPr>
+          <a:lstStyle/>
+          <a:p>
+            <a:endParaRPr lang="en-US" sz="2400" dirty="0"/>
+          </a:p>
+        </p:txBody>
+      </p:sp>
+      <p:sp>
+        <p:nvSpPr>
+          <p:cNvPr id="6" name="AutoShape 2" descr="Image result for activemq image"/>
+          <p:cNvSpPr>
+            <a:spLocks noChangeAspect="1" noChangeArrowheads="1"/>
+          </p:cNvSpPr>
+          <p:nvPr/>
+        </p:nvSpPr>
+        <p:spPr bwMode="auto">
+          <a:xfrm>
+            <a:off x="613835" y="289988"/>
+            <a:ext cx="406400" cy="406402"/>
+          </a:xfrm>
+          <a:prstGeom prst="rect">
+            <a:avLst/>
+          </a:prstGeom>
+          <a:noFill/>
+          <a:extLst>
+            <a:ext uri="{909E8E84-426E-40DD-AFC4-6F175D3DCCD1}">
+              <a14:hiddenFill xmlns:a14="http://schemas.microsoft.com/office/drawing/2010/main">
+                <a:solidFill>
+                  <a:srgbClr val="FFFFFF"/>
+                </a:solidFill>
+              </a14:hiddenFill>
+            </a:ext>
+          </a:extLst>
+        </p:spPr>
+        <p:txBody>
+          <a:bodyPr vert="horz" wrap="square" lIns="121920" tIns="60960" rIns="121920" bIns="60960" numCol="1" anchor="t" anchorCtr="0" compatLnSpc="1">
+            <a:prstTxWarp prst="textNoShape">
+              <a:avLst/>
+            </a:prstTxWarp>
+          </a:bodyPr>
+          <a:lstStyle/>
+          <a:p>
+            <a:endParaRPr lang="en-US" sz="2400" dirty="0"/>
+          </a:p>
+        </p:txBody>
+      </p:sp>
+      <p:sp>
+        <p:nvSpPr>
+          <p:cNvPr id="8" name="Rectangle 7">
+            <a:extLst>
+              <a:ext uri="{FF2B5EF4-FFF2-40B4-BE49-F238E27FC236}">
+                <a16:creationId xmlns:a16="http://schemas.microsoft.com/office/drawing/2014/main" id="{663F953A-47BC-4EB3-99A0-578AD5E214C2}"/>
+              </a:ext>
+            </a:extLst>
+          </p:cNvPr>
+          <p:cNvSpPr/>
+          <p:nvPr/>
+        </p:nvSpPr>
+        <p:spPr>
+          <a:xfrm>
+            <a:off x="76200" y="2344421"/>
+            <a:ext cx="5553947" cy="369332"/>
+          </a:xfrm>
+          <a:prstGeom prst="rect">
+            <a:avLst/>
+          </a:prstGeom>
+        </p:spPr>
+        <p:style>
+          <a:lnRef idx="1">
+            <a:schemeClr val="accent2"/>
+          </a:lnRef>
+          <a:fillRef idx="3">
+            <a:schemeClr val="accent2"/>
+          </a:fillRef>
+          <a:effectRef idx="2">
+            <a:schemeClr val="accent2"/>
+          </a:effectRef>
+          <a:fontRef idx="minor">
+            <a:schemeClr val="lt1"/>
+          </a:fontRef>
+        </p:style>
+        <p:txBody>
+          <a:bodyPr wrap="square">
+            <a:spAutoFit/>
+          </a:bodyPr>
+          <a:lstStyle/>
+          <a:p>
+            <a:r>
+              <a:rPr lang="en-US" sz="1800" dirty="0"/>
+              <a:t>How to Remove Packages with Dependencies Using Yum?</a:t>
+            </a:r>
+            <a:endParaRPr lang="en-US" sz="1100" dirty="0">
+              <a:solidFill>
+                <a:schemeClr val="bg1"/>
+              </a:solidFill>
+            </a:endParaRPr>
+          </a:p>
+        </p:txBody>
+      </p:sp>
+      <p:pic>
+        <p:nvPicPr>
+          <p:cNvPr id="10" name="Picture 9">
+            <a:extLst>
+              <a:ext uri="{FF2B5EF4-FFF2-40B4-BE49-F238E27FC236}">
+                <a16:creationId xmlns:a16="http://schemas.microsoft.com/office/drawing/2014/main" id="{4368E548-9F10-4F1C-86CB-B3DDCED73CC0}"/>
+              </a:ext>
+            </a:extLst>
+          </p:cNvPr>
+          <p:cNvPicPr>
+            <a:picLocks noChangeAspect="1"/>
+          </p:cNvPicPr>
+          <p:nvPr/>
+        </p:nvPicPr>
+        <p:blipFill>
+          <a:blip r:embed="rId3"/>
+          <a:stretch>
+            <a:fillRect/>
+          </a:stretch>
+        </p:blipFill>
+        <p:spPr>
+          <a:xfrm>
+            <a:off x="76200" y="2790736"/>
+            <a:ext cx="7430537" cy="1276528"/>
+          </a:xfrm>
+          <a:prstGeom prst="rect">
+            <a:avLst/>
+          </a:prstGeom>
+        </p:spPr>
+        <p:style>
+          <a:lnRef idx="1">
+            <a:schemeClr val="accent4"/>
+          </a:lnRef>
+          <a:fillRef idx="3">
+            <a:schemeClr val="accent4"/>
+          </a:fillRef>
+          <a:effectRef idx="2">
+            <a:schemeClr val="accent4"/>
+          </a:effectRef>
+          <a:fontRef idx="minor">
+            <a:schemeClr val="lt1"/>
+          </a:fontRef>
+        </p:style>
+      </p:pic>
+      <p:sp>
+        <p:nvSpPr>
+          <p:cNvPr id="11" name="Rectangle 10">
+            <a:extLst>
+              <a:ext uri="{FF2B5EF4-FFF2-40B4-BE49-F238E27FC236}">
+                <a16:creationId xmlns:a16="http://schemas.microsoft.com/office/drawing/2014/main" id="{0707E6CC-4D33-4170-A7F8-41F72CAF1B4B}"/>
+              </a:ext>
+            </a:extLst>
+          </p:cNvPr>
+          <p:cNvSpPr/>
+          <p:nvPr/>
+        </p:nvSpPr>
+        <p:spPr>
+          <a:xfrm>
+            <a:off x="76200" y="857123"/>
+            <a:ext cx="12039600" cy="1384995"/>
+          </a:xfrm>
+          <a:prstGeom prst="rect">
+            <a:avLst/>
+          </a:prstGeom>
+          <a:solidFill>
+            <a:schemeClr val="accent1">
+              <a:lumMod val="20000"/>
+              <a:lumOff val="80000"/>
+            </a:schemeClr>
+          </a:solidFill>
+        </p:spPr>
+        <p:txBody>
+          <a:bodyPr wrap="square">
+            <a:spAutoFit/>
+          </a:bodyPr>
+          <a:lstStyle/>
+          <a:p>
+            <a:pPr marL="285750" indent="-285750">
+              <a:buFont typeface="Wingdings" panose="05000000000000000000" pitchFamily="2" charset="2"/>
+              <a:buChar char="ü"/>
+            </a:pPr>
+            <a:r>
+              <a:rPr lang="en-US" sz="1400" dirty="0">
+                <a:solidFill>
+                  <a:srgbClr val="404040"/>
+                </a:solidFill>
+                <a:latin typeface="roboto"/>
+              </a:rPr>
+              <a:t>Package dependencies are binaries, libraries, and modules on which software rely on. When installing software, it will automatically download and store the required dependencies.</a:t>
+            </a:r>
+          </a:p>
+          <a:p>
+            <a:pPr marL="285750" indent="-285750">
+              <a:buFont typeface="Wingdings" panose="05000000000000000000" pitchFamily="2" charset="2"/>
+              <a:buChar char="ü"/>
+            </a:pPr>
+            <a:endParaRPr lang="en-US" sz="1400" dirty="0">
+              <a:solidFill>
+                <a:srgbClr val="404040"/>
+              </a:solidFill>
+              <a:latin typeface="roboto"/>
+            </a:endParaRPr>
+          </a:p>
+          <a:p>
+            <a:pPr marL="285750" indent="-285750">
+              <a:buFont typeface="Wingdings" panose="05000000000000000000" pitchFamily="2" charset="2"/>
+              <a:buChar char="ü"/>
+            </a:pPr>
+            <a:r>
+              <a:rPr lang="en-US" sz="1400" dirty="0">
+                <a:solidFill>
+                  <a:srgbClr val="404040"/>
+                </a:solidFill>
+                <a:latin typeface="roboto"/>
+              </a:rPr>
+              <a:t>In most cases, deleting software from the local package manager will also erase its dependencies (unless other programs require them).</a:t>
+            </a:r>
+          </a:p>
+          <a:p>
+            <a:pPr marL="285750" indent="-285750">
+              <a:buFont typeface="Wingdings" panose="05000000000000000000" pitchFamily="2" charset="2"/>
+              <a:buChar char="ü"/>
+            </a:pPr>
+            <a:endParaRPr lang="en-US" sz="1400" dirty="0">
+              <a:solidFill>
+                <a:srgbClr val="404040"/>
+              </a:solidFill>
+              <a:latin typeface="roboto"/>
+            </a:endParaRPr>
+          </a:p>
+          <a:p>
+            <a:pPr marL="285750" indent="-285750">
+              <a:buFont typeface="Wingdings" panose="05000000000000000000" pitchFamily="2" charset="2"/>
+              <a:buChar char="ü"/>
+            </a:pPr>
+            <a:r>
+              <a:rPr lang="en-US" sz="1400" dirty="0">
+                <a:solidFill>
+                  <a:srgbClr val="404040"/>
+                </a:solidFill>
+                <a:latin typeface="roboto"/>
+              </a:rPr>
+              <a:t>Still, there are instances in which these dependencies have to be removed manually.</a:t>
+            </a:r>
+            <a:endParaRPr lang="en-US" sz="1400" b="0" i="0" dirty="0">
+              <a:solidFill>
+                <a:srgbClr val="404040"/>
+              </a:solidFill>
+              <a:effectLst/>
+              <a:latin typeface="roboto"/>
+            </a:endParaRPr>
+          </a:p>
+        </p:txBody>
+      </p:sp>
+      <p:sp>
+        <p:nvSpPr>
+          <p:cNvPr id="13" name="Rectangle 12">
+            <a:extLst>
+              <a:ext uri="{FF2B5EF4-FFF2-40B4-BE49-F238E27FC236}">
+                <a16:creationId xmlns:a16="http://schemas.microsoft.com/office/drawing/2014/main" id="{0B988688-36F4-40CE-A6DA-EEFD77865C28}"/>
+              </a:ext>
+            </a:extLst>
+          </p:cNvPr>
+          <p:cNvSpPr/>
+          <p:nvPr/>
+        </p:nvSpPr>
+        <p:spPr>
+          <a:xfrm>
+            <a:off x="2321800" y="87868"/>
+            <a:ext cx="7548400" cy="646331"/>
+          </a:xfrm>
+          <a:prstGeom prst="rect">
+            <a:avLst/>
+          </a:prstGeom>
+        </p:spPr>
+        <p:style>
+          <a:lnRef idx="1">
+            <a:schemeClr val="accent4"/>
+          </a:lnRef>
+          <a:fillRef idx="3">
+            <a:schemeClr val="accent4"/>
+          </a:fillRef>
+          <a:effectRef idx="2">
+            <a:schemeClr val="accent4"/>
+          </a:effectRef>
+          <a:fontRef idx="minor">
+            <a:schemeClr val="lt1"/>
+          </a:fontRef>
+        </p:style>
+        <p:txBody>
+          <a:bodyPr wrap="square">
+            <a:spAutoFit/>
+          </a:bodyPr>
+          <a:lstStyle>
+            <a:defPPr>
+              <a:defRPr lang="en-US"/>
+            </a:defPPr>
+            <a:lvl1pPr marL="0" algn="l" defTabSz="914400" rtl="0" eaLnBrk="1" latinLnBrk="0" hangingPunct="1">
+              <a:defRPr sz="1800" kern="1200">
+                <a:solidFill>
+                  <a:schemeClr val="lt1"/>
+                </a:solidFill>
+                <a:latin typeface="+mn-lt"/>
+                <a:ea typeface="+mn-ea"/>
+                <a:cs typeface="+mn-cs"/>
+              </a:defRPr>
+            </a:lvl1pPr>
+            <a:lvl2pPr marL="457200" algn="l" defTabSz="914400" rtl="0" eaLnBrk="1" latinLnBrk="0" hangingPunct="1">
+              <a:defRPr sz="1800" kern="1200">
+                <a:solidFill>
+                  <a:schemeClr val="lt1"/>
+                </a:solidFill>
+                <a:latin typeface="+mn-lt"/>
+                <a:ea typeface="+mn-ea"/>
+                <a:cs typeface="+mn-cs"/>
+              </a:defRPr>
+            </a:lvl2pPr>
+            <a:lvl3pPr marL="914400" algn="l" defTabSz="914400" rtl="0" eaLnBrk="1" latinLnBrk="0" hangingPunct="1">
+              <a:defRPr sz="1800" kern="1200">
+                <a:solidFill>
+                  <a:schemeClr val="lt1"/>
+                </a:solidFill>
+                <a:latin typeface="+mn-lt"/>
+                <a:ea typeface="+mn-ea"/>
+                <a:cs typeface="+mn-cs"/>
+              </a:defRPr>
+            </a:lvl3pPr>
+            <a:lvl4pPr marL="1371600" algn="l" defTabSz="914400" rtl="0" eaLnBrk="1" latinLnBrk="0" hangingPunct="1">
+              <a:defRPr sz="1800" kern="1200">
+                <a:solidFill>
+                  <a:schemeClr val="lt1"/>
+                </a:solidFill>
+                <a:latin typeface="+mn-lt"/>
+                <a:ea typeface="+mn-ea"/>
+                <a:cs typeface="+mn-cs"/>
+              </a:defRPr>
+            </a:lvl4pPr>
+            <a:lvl5pPr marL="1828800" algn="l" defTabSz="914400" rtl="0" eaLnBrk="1" latinLnBrk="0" hangingPunct="1">
+              <a:defRPr sz="1800" kern="1200">
+                <a:solidFill>
+                  <a:schemeClr val="lt1"/>
+                </a:solidFill>
+                <a:latin typeface="+mn-lt"/>
+                <a:ea typeface="+mn-ea"/>
+                <a:cs typeface="+mn-cs"/>
+              </a:defRPr>
+            </a:lvl5pPr>
+            <a:lvl6pPr marL="2286000" algn="l" defTabSz="914400" rtl="0" eaLnBrk="1" latinLnBrk="0" hangingPunct="1">
+              <a:defRPr sz="1800" kern="1200">
+                <a:solidFill>
+                  <a:schemeClr val="lt1"/>
+                </a:solidFill>
+                <a:latin typeface="+mn-lt"/>
+                <a:ea typeface="+mn-ea"/>
+                <a:cs typeface="+mn-cs"/>
+              </a:defRPr>
+            </a:lvl6pPr>
+            <a:lvl7pPr marL="2743200" algn="l" defTabSz="914400" rtl="0" eaLnBrk="1" latinLnBrk="0" hangingPunct="1">
+              <a:defRPr sz="1800" kern="1200">
+                <a:solidFill>
+                  <a:schemeClr val="lt1"/>
+                </a:solidFill>
+                <a:latin typeface="+mn-lt"/>
+                <a:ea typeface="+mn-ea"/>
+                <a:cs typeface="+mn-cs"/>
+              </a:defRPr>
+            </a:lvl7pPr>
+            <a:lvl8pPr marL="3200400" algn="l" defTabSz="914400" rtl="0" eaLnBrk="1" latinLnBrk="0" hangingPunct="1">
+              <a:defRPr sz="1800" kern="1200">
+                <a:solidFill>
+                  <a:schemeClr val="lt1"/>
+                </a:solidFill>
+                <a:latin typeface="+mn-lt"/>
+                <a:ea typeface="+mn-ea"/>
+                <a:cs typeface="+mn-cs"/>
+              </a:defRPr>
+            </a:lvl8pPr>
+            <a:lvl9pPr marL="3657600" algn="l" defTabSz="914400" rtl="0" eaLnBrk="1" latinLnBrk="0" hangingPunct="1">
+              <a:defRPr sz="1800" kern="1200">
+                <a:solidFill>
+                  <a:schemeClr val="lt1"/>
+                </a:solidFill>
+                <a:latin typeface="+mn-lt"/>
+                <a:ea typeface="+mn-ea"/>
+                <a:cs typeface="+mn-cs"/>
+              </a:defRPr>
+            </a:lvl9pPr>
+          </a:lstStyle>
+          <a:p>
+            <a:pPr algn="ctr"/>
+            <a:r>
+              <a:rPr lang="en-US" dirty="0"/>
+              <a:t>How to Uninstall Tomcat using Yum Package Manager Amazon EC2 Instance? | How to Uninstall or Remove Packages from Linux OS?</a:t>
+            </a:r>
+          </a:p>
+        </p:txBody>
+      </p:sp>
+      <p:pic>
+        <p:nvPicPr>
+          <p:cNvPr id="14" name="Picture 13">
+            <a:extLst>
+              <a:ext uri="{FF2B5EF4-FFF2-40B4-BE49-F238E27FC236}">
+                <a16:creationId xmlns:a16="http://schemas.microsoft.com/office/drawing/2014/main" id="{6AFB2F2E-D49A-45DD-A2D0-571283235946}"/>
+              </a:ext>
+            </a:extLst>
+          </p:cNvPr>
+          <p:cNvPicPr>
+            <a:picLocks noChangeAspect="1"/>
+          </p:cNvPicPr>
+          <p:nvPr/>
+        </p:nvPicPr>
+        <p:blipFill>
+          <a:blip r:embed="rId4"/>
+          <a:stretch>
+            <a:fillRect/>
+          </a:stretch>
+        </p:blipFill>
+        <p:spPr>
+          <a:xfrm>
+            <a:off x="5105400" y="4144247"/>
+            <a:ext cx="7010400" cy="2625030"/>
+          </a:xfrm>
+          <a:prstGeom prst="rect">
+            <a:avLst/>
+          </a:prstGeom>
+        </p:spPr>
+        <p:style>
+          <a:lnRef idx="1">
+            <a:schemeClr val="accent5"/>
+          </a:lnRef>
+          <a:fillRef idx="2">
+            <a:schemeClr val="accent5"/>
+          </a:fillRef>
+          <a:effectRef idx="1">
+            <a:schemeClr val="accent5"/>
+          </a:effectRef>
+          <a:fontRef idx="minor">
+            <a:schemeClr val="dk1"/>
+          </a:fontRef>
+        </p:style>
+      </p:pic>
+    </p:spTree>
+    <p:extLst>
+      <p:ext uri="{BB962C8B-B14F-4D97-AF65-F5344CB8AC3E}">
+        <p14:creationId xmlns:p14="http://schemas.microsoft.com/office/powerpoint/2010/main" val="809725458"/>
+      </p:ext>
+    </p:extLst>
+  </p:cSld>
+  <p:clrMapOvr>
+    <a:masterClrMapping/>
+  </p:clrMapOvr>
+  <mc:AlternateContent xmlns:mc="http://schemas.openxmlformats.org/markup-compatibility/2006" xmlns:p14="http://schemas.microsoft.com/office/powerpoint/2010/main">
+    <mc:Choice Requires="p14">
+      <p:transition p14:dur="0" advClick="0"/>
+    </mc:Choice>
+    <mc:Fallback xmlns="">
+      <p:transition advClick="0"/>
+    </mc:Fallback>
+  </mc:AlternateContent>
+</p:sld>
+</file>
+
+<file path=ppt/slides/slide26.xml><?xml version="1.0" encoding="utf-8"?>
+<p:sld xmlns:a="http://schemas.openxmlformats.org/drawingml/2006/main" xmlns:r="http://schemas.openxmlformats.org/officeDocument/2006/relationships" xmlns:p="http://schemas.openxmlformats.org/presentationml/2006/main">
+  <p:cSld>
+    <p:spTree>
+      <p:nvGrpSpPr>
+        <p:cNvPr id="1" name=""/>
+        <p:cNvGrpSpPr/>
+        <p:nvPr/>
+      </p:nvGrpSpPr>
+      <p:grpSpPr>
+        <a:xfrm>
+          <a:off x="0" y="0"/>
+          <a:ext cx="0" cy="0"/>
+          <a:chOff x="0" y="0"/>
+          <a:chExt cx="0" cy="0"/>
+        </a:xfrm>
+      </p:grpSpPr>
+      <p:sp>
+        <p:nvSpPr>
+          <p:cNvPr id="3" name="AutoShape 2" descr="data:image/png;base64,iVBORw0KGgoAAAANSUhEUgAAANEAAADxCAMAAABiSKLrAAAAbFBMVEWIiIj////6+vr29vb19fX4+Pj5+fnu7u77+/v39/f9/f3z8/P+/v709PT8/Pyqqqrt7e3v7+/w8PDx8fHy8vK+vr7Q0NCjo6OBgYHY2Njk5OTHx8eNjY3c3NzGxsbn5+eWlpa1tbWcnJx6enob4+f+AAAIqklEQVR4nO3dCZuaOhQGYEZAh0FkX2W1//8/lkVMICeIkRmOPHz22lYg5OVEZLFzJRNrnC+xSGt3nJvQekMUYktnEiM1ouDrjCs/pukLkzoRtpjmNRcloRUFoiS8oo5UvLwsYpEgCaXoHLYiMRJqkRAJt0iEhFwkQMIqCgJRElpRLErCL3r1oxavSJSEWCRIQikyOtGQNPd8CaXICc04FiXhFomQkIsESChFbmhmwiT0opf3eBivMzSjLuORnh49oKxRKxIloayR24oESShFRScSI6EUJaGZCJNwiwhp/skFcpFAlbCLXiehF71MQisSJiEVVYkwqRP9oEpXI1HSXXRuWjo/2jz3f3v8YfjS7871lbU1EiT1IjrAKrvX/2iurzisijkk8OQC5ah7iERIyEUCJOyi10noRU9J490DUpFPRAApniJhFVnzSaOdOF6RKAmlKGhFgiTMohdIyYeIhEh30aV99E9NLo8VXLqn++Q/mIuIREid6DJsv32s91Ityi1hEtJRl5+ESX2NMKUR2ZYoCbNIjIRV5FiiJIyicx7mriVEKnCKfvxadBIloRQ1NTqJkcICpcgPr7rjOPYJZnFNbZVwikw/YHNlXmDi4xW9kU70jSnNqOu/xL4R0aWg3yNMgNHWp0I66i7Dy5PsdXFuApw1Eg8RndfuykLZa4Q/512EPrsIfzYtOmwje43wh4h+1u7KQvm5bk601wh9NlijXYQ+uwh/HqLrZkTXh+h4PDQP8lQ/PvAlSrT2xl0oRHQ5biOXXYQ+uwh/dhH+7CL82bRI3Ua2XKPvtTfuQvneReizi/BnF+HPLsKfTYu0bYQWsd5PfImIDmtv3IVy2EXos4vwZxfhzy7CH0okbyO7CH+2/D46rr1xF8pxF6HPLsKfXYQ/uwh/KJGyjWxatPZwWShEpK69cReKuovQZxfhzy7Cn12EP0SkGduItmHRzFF3P3r63ZHzTl4YdYqsHg/e/YdF2e7xcFRVrba109gMFp2evGhmjzpFVZLcvJVpl7K8hWaVB1liNVNdJh7VZ4Wd7P4aaa5I866lFEnDRHWksC5eVgtH8VWy8PHGTE5V/rr+QqSocTnm9CpTM+SMmRhVVJcPKbPYv5VFcs7x1F3P1eeikl1sXZHGB0lRLH+eSI75ICk6KZ8nctkOkaQN+cNEWjBRIimU0YpkHY4hmxOgqNIMHRaRJo6giLO+dyM/F1nsvpfqWVAv92Eihe0u3bNE+TgR/FkURfWhUHPMIBsguh6N0yKNs7o/EGkVIEpj+XA8fltJ0GzqDxMdQwBka+2gqQ/p9FYkpaNIiEXuje3OddQfg738rFCTcYmME9sdKXntbY1MBOy802JrotJ6bSUiInLia7y2+aZEbXuyxXbn5vXXGQazDs+6xUWGoql2kXU/DDrOssLWNFmZ65oQufeflwvU6PHDdO8ki/0xu/Rb7RVRvZNJgupW7y3bU+T6JLnej97MPLNUhbPIbJEV9U2y/eknHds5lfhfNMo/sb23oRX5LQXWGUmpGdtz3nxEpOiep7eP+5MFUEZJj+0SCnsCVX/CkrZUQFRvQG+8RkNOzHTi5LL0rW6x8YL0bwolGtdolqir0fQxAyQCNrdsVczFmdFS6fXp+4kSecPMEqntrAYkkklTYI288frkYKI+j+XCYtzRUdCIdMV/7mkWTDNmY6AU6bo5C9QknqwSEpFuzAdJUjZFQiJSoFMWfhIDu0ievDjD5ubquEV6AjVet3krU3B/Hvn8cYdDBJxUSlKVaJqmWvENMiXcImEQKcCYi26W1nZaN9SAXXFkcos0JZpxXLeICDpLDnVSBDkDusAtEhGN72p5J78LcMbn9+nudemgiDSlASLF66cC20NKbZ3qCnAnIfKp9gcxiIjVPj8/8mbVCBY9VsNes42C4YgBrgyUJ06NpkRdCuD8yB418pYIOkl2hyuQ2SOkKOMMO4M76vrBB4sG84Cjjrr5Cooeo4TdLwyGbLsC4IKgD93dHY66lUQye7gQxfqgfdcDhr7JeSOtLoL2dOn4KEdX2E+s0hp24j3RaUERsPnLLBmlYPceaYJVBB0Bja85p8ANn3rXgFX02kEqaSGAeywoGs7zjghYdqYoxyp68USCtMDZfX+wqHomav53fkBcWDSYx4NEBpkuAyLj3oSwSDIVsMM6ETVAp/3V/KG2tP/xRPRccI1IW7Comyr8PupE9052bbW/0yLHpX/1T1wRmQuskULa4oqcd/Z1pjLu6li0zqgDP49m5fmo+2NR3z50zFBYczLsBB6Rxx6y8Q5wRoE7LCaylhM5BnTs7cGdmZP1RZzdygeLXOjW9fg94jYXUnjjbBHRcJ5nImVKBA67fFgkL/HzIE4KRW7vM0/i/kQ0WSPHg75KldHdqc+h7pfZ0jKs/GuDM3hvNSLizSEqoroE1Yia7ELf00kIWS/o09z+EmLA6bC3hMh9TwRskDq51x47e4Zzhc73Qt64wyByPOjmUVT6cZZkcQV+0zxNflX05qgD36tSe3MilcCr1FLEe9sPRDYYjmgwD1wjMl1hm4h0ugF43PETVd6wB3RbKES2Pu+2cr9waHFBWESO+8JtyxrkckFYRDa8dxAAoRHNH3hRNTHkUIlsY9Z3TqR6LzcFokScSsKi4TzPRMYske0VT78XJJkJZ8uTzojV6FdEtmNkE9/diqLUzJTpAtmzalQyF6FvI5ETA9+OpraQwTYhwRvQMYqryX6sNn8vq8AynnqoGuXuCY7N/vMR3R7N47DzePR04J+gjJt4rM7V3SzwzbC8FzYtb2Z1jQtDd3nLDOLmD1E9v90++qfT4Lfh5N+cq/508shXb5st6Ll1cWa2RYu2EUo0p6QfkF2EP7sIf3YR/hCRs3ZXFoqzYdEGR92su1D4Q486yzq1D/L0iS85W67R2l1ZKLsIfzYs4l05+bg8rpxU/lZS3UXbyvZE/wFXu+LXNTDaDQAAAABJRU5ErkJggg=="/>
+          <p:cNvSpPr>
+            <a:spLocks noChangeAspect="1" noChangeArrowheads="1"/>
+          </p:cNvSpPr>
+          <p:nvPr/>
+        </p:nvSpPr>
+        <p:spPr bwMode="auto">
+          <a:xfrm>
+            <a:off x="207436" y="-116412"/>
+            <a:ext cx="406400" cy="406402"/>
+          </a:xfrm>
+          <a:prstGeom prst="rect">
+            <a:avLst/>
+          </a:prstGeom>
+          <a:noFill/>
+          <a:extLst>
+            <a:ext uri="{909E8E84-426E-40DD-AFC4-6F175D3DCCD1}">
+              <a14:hiddenFill xmlns:a14="http://schemas.microsoft.com/office/drawing/2010/main">
+                <a:solidFill>
+                  <a:srgbClr val="FFFFFF"/>
+                </a:solidFill>
+              </a14:hiddenFill>
+            </a:ext>
+          </a:extLst>
+        </p:spPr>
+        <p:txBody>
+          <a:bodyPr vert="horz" wrap="square" lIns="121920" tIns="60960" rIns="121920" bIns="60960" numCol="1" anchor="t" anchorCtr="0" compatLnSpc="1">
+            <a:prstTxWarp prst="textNoShape">
+              <a:avLst/>
+            </a:prstTxWarp>
+          </a:bodyPr>
+          <a:lstStyle/>
+          <a:p>
+            <a:endParaRPr lang="en-US" sz="1600" dirty="0"/>
+          </a:p>
+        </p:txBody>
+      </p:sp>
+      <p:sp>
+        <p:nvSpPr>
+          <p:cNvPr id="2" name="AutoShape 2" descr="Image result for file"/>
+          <p:cNvSpPr>
+            <a:spLocks noChangeAspect="1" noChangeArrowheads="1"/>
+          </p:cNvSpPr>
+          <p:nvPr/>
+        </p:nvSpPr>
+        <p:spPr bwMode="auto">
+          <a:xfrm>
+            <a:off x="410635" y="86789"/>
+            <a:ext cx="406400" cy="406402"/>
+          </a:xfrm>
+          <a:prstGeom prst="rect">
+            <a:avLst/>
+          </a:prstGeom>
+          <a:noFill/>
+          <a:extLst>
+            <a:ext uri="{909E8E84-426E-40DD-AFC4-6F175D3DCCD1}">
+              <a14:hiddenFill xmlns:a14="http://schemas.microsoft.com/office/drawing/2010/main">
+                <a:solidFill>
+                  <a:srgbClr val="FFFFFF"/>
+                </a:solidFill>
+              </a14:hiddenFill>
+            </a:ext>
+          </a:extLst>
+        </p:spPr>
+        <p:txBody>
+          <a:bodyPr vert="horz" wrap="square" lIns="121920" tIns="60960" rIns="121920" bIns="60960" numCol="1" anchor="t" anchorCtr="0" compatLnSpc="1">
+            <a:prstTxWarp prst="textNoShape">
+              <a:avLst/>
+            </a:prstTxWarp>
+          </a:bodyPr>
+          <a:lstStyle/>
+          <a:p>
+            <a:endParaRPr lang="en-US" sz="2400" dirty="0"/>
+          </a:p>
+        </p:txBody>
+      </p:sp>
+      <p:sp>
+        <p:nvSpPr>
+          <p:cNvPr id="6" name="AutoShape 2" descr="Image result for activemq image"/>
+          <p:cNvSpPr>
+            <a:spLocks noChangeAspect="1" noChangeArrowheads="1"/>
+          </p:cNvSpPr>
+          <p:nvPr/>
+        </p:nvSpPr>
+        <p:spPr bwMode="auto">
+          <a:xfrm>
+            <a:off x="613835" y="289988"/>
+            <a:ext cx="406400" cy="406402"/>
+          </a:xfrm>
+          <a:prstGeom prst="rect">
+            <a:avLst/>
+          </a:prstGeom>
+          <a:noFill/>
+          <a:extLst>
+            <a:ext uri="{909E8E84-426E-40DD-AFC4-6F175D3DCCD1}">
+              <a14:hiddenFill xmlns:a14="http://schemas.microsoft.com/office/drawing/2010/main">
+                <a:solidFill>
+                  <a:srgbClr val="FFFFFF"/>
+                </a:solidFill>
+              </a14:hiddenFill>
+            </a:ext>
+          </a:extLst>
+        </p:spPr>
+        <p:txBody>
+          <a:bodyPr vert="horz" wrap="square" lIns="121920" tIns="60960" rIns="121920" bIns="60960" numCol="1" anchor="t" anchorCtr="0" compatLnSpc="1">
+            <a:prstTxWarp prst="textNoShape">
+              <a:avLst/>
+            </a:prstTxWarp>
+          </a:bodyPr>
+          <a:lstStyle/>
+          <a:p>
+            <a:endParaRPr lang="en-US" sz="2400" dirty="0"/>
+          </a:p>
+        </p:txBody>
+      </p:sp>
+      <p:sp>
+        <p:nvSpPr>
+          <p:cNvPr id="13" name="Rectangle 12">
+            <a:extLst>
+              <a:ext uri="{FF2B5EF4-FFF2-40B4-BE49-F238E27FC236}">
+                <a16:creationId xmlns:a16="http://schemas.microsoft.com/office/drawing/2014/main" id="{0B988688-36F4-40CE-A6DA-EEFD77865C28}"/>
+              </a:ext>
+            </a:extLst>
+          </p:cNvPr>
+          <p:cNvSpPr/>
+          <p:nvPr/>
+        </p:nvSpPr>
+        <p:spPr>
+          <a:xfrm>
+            <a:off x="2321800" y="87868"/>
+            <a:ext cx="7548400" cy="646331"/>
+          </a:xfrm>
+          <a:prstGeom prst="rect">
+            <a:avLst/>
+          </a:prstGeom>
+        </p:spPr>
+        <p:style>
+          <a:lnRef idx="1">
+            <a:schemeClr val="accent4"/>
+          </a:lnRef>
+          <a:fillRef idx="3">
+            <a:schemeClr val="accent4"/>
+          </a:fillRef>
+          <a:effectRef idx="2">
+            <a:schemeClr val="accent4"/>
+          </a:effectRef>
+          <a:fontRef idx="minor">
+            <a:schemeClr val="lt1"/>
+          </a:fontRef>
+        </p:style>
+        <p:txBody>
+          <a:bodyPr wrap="square">
+            <a:spAutoFit/>
+          </a:bodyPr>
+          <a:lstStyle>
+            <a:defPPr>
+              <a:defRPr lang="en-US"/>
+            </a:defPPr>
+            <a:lvl1pPr marL="0" algn="l" defTabSz="914400" rtl="0" eaLnBrk="1" latinLnBrk="0" hangingPunct="1">
+              <a:defRPr sz="1800" kern="1200">
+                <a:solidFill>
+                  <a:schemeClr val="lt1"/>
+                </a:solidFill>
+                <a:latin typeface="+mn-lt"/>
+                <a:ea typeface="+mn-ea"/>
+                <a:cs typeface="+mn-cs"/>
+              </a:defRPr>
+            </a:lvl1pPr>
+            <a:lvl2pPr marL="457200" algn="l" defTabSz="914400" rtl="0" eaLnBrk="1" latinLnBrk="0" hangingPunct="1">
+              <a:defRPr sz="1800" kern="1200">
+                <a:solidFill>
+                  <a:schemeClr val="lt1"/>
+                </a:solidFill>
+                <a:latin typeface="+mn-lt"/>
+                <a:ea typeface="+mn-ea"/>
+                <a:cs typeface="+mn-cs"/>
+              </a:defRPr>
+            </a:lvl2pPr>
+            <a:lvl3pPr marL="914400" algn="l" defTabSz="914400" rtl="0" eaLnBrk="1" latinLnBrk="0" hangingPunct="1">
+              <a:defRPr sz="1800" kern="1200">
+                <a:solidFill>
+                  <a:schemeClr val="lt1"/>
+                </a:solidFill>
+                <a:latin typeface="+mn-lt"/>
+                <a:ea typeface="+mn-ea"/>
+                <a:cs typeface="+mn-cs"/>
+              </a:defRPr>
+            </a:lvl3pPr>
+            <a:lvl4pPr marL="1371600" algn="l" defTabSz="914400" rtl="0" eaLnBrk="1" latinLnBrk="0" hangingPunct="1">
+              <a:defRPr sz="1800" kern="1200">
+                <a:solidFill>
+                  <a:schemeClr val="lt1"/>
+                </a:solidFill>
+                <a:latin typeface="+mn-lt"/>
+                <a:ea typeface="+mn-ea"/>
+                <a:cs typeface="+mn-cs"/>
+              </a:defRPr>
+            </a:lvl4pPr>
+            <a:lvl5pPr marL="1828800" algn="l" defTabSz="914400" rtl="0" eaLnBrk="1" latinLnBrk="0" hangingPunct="1">
+              <a:defRPr sz="1800" kern="1200">
+                <a:solidFill>
+                  <a:schemeClr val="lt1"/>
+                </a:solidFill>
+                <a:latin typeface="+mn-lt"/>
+                <a:ea typeface="+mn-ea"/>
+                <a:cs typeface="+mn-cs"/>
+              </a:defRPr>
+            </a:lvl5pPr>
+            <a:lvl6pPr marL="2286000" algn="l" defTabSz="914400" rtl="0" eaLnBrk="1" latinLnBrk="0" hangingPunct="1">
+              <a:defRPr sz="1800" kern="1200">
+                <a:solidFill>
+                  <a:schemeClr val="lt1"/>
+                </a:solidFill>
+                <a:latin typeface="+mn-lt"/>
+                <a:ea typeface="+mn-ea"/>
+                <a:cs typeface="+mn-cs"/>
+              </a:defRPr>
+            </a:lvl6pPr>
+            <a:lvl7pPr marL="2743200" algn="l" defTabSz="914400" rtl="0" eaLnBrk="1" latinLnBrk="0" hangingPunct="1">
+              <a:defRPr sz="1800" kern="1200">
+                <a:solidFill>
+                  <a:schemeClr val="lt1"/>
+                </a:solidFill>
+                <a:latin typeface="+mn-lt"/>
+                <a:ea typeface="+mn-ea"/>
+                <a:cs typeface="+mn-cs"/>
+              </a:defRPr>
+            </a:lvl7pPr>
+            <a:lvl8pPr marL="3200400" algn="l" defTabSz="914400" rtl="0" eaLnBrk="1" latinLnBrk="0" hangingPunct="1">
+              <a:defRPr sz="1800" kern="1200">
+                <a:solidFill>
+                  <a:schemeClr val="lt1"/>
+                </a:solidFill>
+                <a:latin typeface="+mn-lt"/>
+                <a:ea typeface="+mn-ea"/>
+                <a:cs typeface="+mn-cs"/>
+              </a:defRPr>
+            </a:lvl8pPr>
+            <a:lvl9pPr marL="3657600" algn="l" defTabSz="914400" rtl="0" eaLnBrk="1" latinLnBrk="0" hangingPunct="1">
+              <a:defRPr sz="1800" kern="1200">
+                <a:solidFill>
+                  <a:schemeClr val="lt1"/>
+                </a:solidFill>
+                <a:latin typeface="+mn-lt"/>
+                <a:ea typeface="+mn-ea"/>
+                <a:cs typeface="+mn-cs"/>
+              </a:defRPr>
+            </a:lvl9pPr>
+          </a:lstStyle>
+          <a:p>
+            <a:pPr algn="ctr"/>
+            <a:r>
+              <a:rPr lang="en-US" dirty="0"/>
+              <a:t>How to Uninstall Tomcat using Yum Package Manager Amazon EC2 Instance? | How to Uninstall or Remove Packages from Linux OS?</a:t>
+            </a:r>
+          </a:p>
+        </p:txBody>
+      </p:sp>
+      <p:pic>
+        <p:nvPicPr>
+          <p:cNvPr id="4" name="Picture 3">
+            <a:extLst>
+              <a:ext uri="{FF2B5EF4-FFF2-40B4-BE49-F238E27FC236}">
+                <a16:creationId xmlns:a16="http://schemas.microsoft.com/office/drawing/2014/main" id="{22697C7B-4351-4639-98A1-6906F509C645}"/>
+              </a:ext>
+            </a:extLst>
+          </p:cNvPr>
+          <p:cNvPicPr>
+            <a:picLocks noChangeAspect="1"/>
+          </p:cNvPicPr>
+          <p:nvPr/>
+        </p:nvPicPr>
+        <p:blipFill>
+          <a:blip r:embed="rId3"/>
+          <a:stretch>
+            <a:fillRect/>
+          </a:stretch>
+        </p:blipFill>
+        <p:spPr>
+          <a:xfrm>
+            <a:off x="207436" y="937398"/>
+            <a:ext cx="8657165" cy="5737888"/>
+          </a:xfrm>
+          <a:prstGeom prst="rect">
+            <a:avLst/>
+          </a:prstGeom>
+        </p:spPr>
+      </p:pic>
+    </p:spTree>
+    <p:extLst>
+      <p:ext uri="{BB962C8B-B14F-4D97-AF65-F5344CB8AC3E}">
+        <p14:creationId xmlns:p14="http://schemas.microsoft.com/office/powerpoint/2010/main" val="373152962"/>
+      </p:ext>
+    </p:extLst>
+  </p:cSld>
+  <p:clrMapOvr>
+    <a:masterClrMapping/>
+  </p:clrMapOvr>
+  <mc:AlternateContent xmlns:mc="http://schemas.openxmlformats.org/markup-compatibility/2006" xmlns:p14="http://schemas.microsoft.com/office/powerpoint/2010/main">
+    <mc:Choice Requires="p14">
+      <p:transition p14:dur="0" advClick="0"/>
+    </mc:Choice>
+    <mc:Fallback xmlns="">
+      <p:transition advClick="0"/>
+    </mc:Fallback>
+  </mc:AlternateContent>
+</p:sld>
+</file>
+
+<file path=ppt/slides/slide27.xml><?xml version="1.0" encoding="utf-8"?>
+<p:sld xmlns:a="http://schemas.openxmlformats.org/drawingml/2006/main" xmlns:r="http://schemas.openxmlformats.org/officeDocument/2006/relationships" xmlns:p="http://schemas.openxmlformats.org/presentationml/2006/main">
+  <p:cSld>
+    <p:spTree>
+      <p:nvGrpSpPr>
+        <p:cNvPr id="1" name=""/>
+        <p:cNvGrpSpPr/>
+        <p:nvPr/>
+      </p:nvGrpSpPr>
+      <p:grpSpPr>
+        <a:xfrm>
+          <a:off x="0" y="0"/>
+          <a:ext cx="0" cy="0"/>
+          <a:chOff x="0" y="0"/>
+          <a:chExt cx="0" cy="0"/>
+        </a:xfrm>
+      </p:grpSpPr>
+      <p:sp>
+        <p:nvSpPr>
+          <p:cNvPr id="3" name="AutoShape 2" descr="data:image/png;base64,iVBORw0KGgoAAAANSUhEUgAAANEAAADxCAMAAABiSKLrAAAAbFBMVEWIiIj////6+vr29vb19fX4+Pj5+fnu7u77+/v39/f9/f3z8/P+/v709PT8/Pyqqqrt7e3v7+/w8PDx8fHy8vK+vr7Q0NCjo6OBgYHY2Njk5OTHx8eNjY3c3NzGxsbn5+eWlpa1tbWcnJx6enob4+f+AAAIqklEQVR4nO3dCZuaOhQGYEZAh0FkX2W1//8/lkVMICeIkRmOPHz22lYg5OVEZLFzJRNrnC+xSGt3nJvQekMUYktnEiM1ouDrjCs/pukLkzoRtpjmNRcloRUFoiS8oo5UvLwsYpEgCaXoHLYiMRJqkRAJt0iEhFwkQMIqCgJRElpRLErCL3r1oxavSJSEWCRIQikyOtGQNPd8CaXICc04FiXhFomQkIsESChFbmhmwiT0opf3eBivMzSjLuORnh49oKxRKxIloayR24oESShFRScSI6EUJaGZCJNwiwhp/skFcpFAlbCLXiehF71MQisSJiEVVYkwqRP9oEpXI1HSXXRuWjo/2jz3f3v8YfjS7871lbU1EiT1IjrAKrvX/2iurzisijkk8OQC5ah7iERIyEUCJOyi10noRU9J490DUpFPRAApniJhFVnzSaOdOF6RKAmlKGhFgiTMohdIyYeIhEh30aV99E9NLo8VXLqn++Q/mIuIREid6DJsv32s91Ityi1hEtJRl5+ESX2NMKUR2ZYoCbNIjIRV5FiiJIyicx7mriVEKnCKfvxadBIloRQ1NTqJkcICpcgPr7rjOPYJZnFNbZVwikw/YHNlXmDi4xW9kU70jSnNqOu/xL4R0aWg3yNMgNHWp0I66i7Dy5PsdXFuApw1Eg8RndfuykLZa4Q/512EPrsIfzYtOmwje43wh4h+1u7KQvm5bk601wh9NlijXYQ+uwh/HqLrZkTXh+h4PDQP8lQ/PvAlSrT2xl0oRHQ5biOXXYQ+uwh/dhH+7CL82bRI3Ua2XKPvtTfuQvneReizi/BnF+HPLsKfTYu0bYQWsd5PfImIDmtv3IVy2EXos4vwZxfhzy7CH0okbyO7CH+2/D46rr1xF8pxF6HPLsKfXYQ/uwh/KJGyjWxatPZwWShEpK69cReKuovQZxfhzy7Cn12EP0SkGduItmHRzFF3P3r63ZHzTl4YdYqsHg/e/YdF2e7xcFRVrba109gMFp2evGhmjzpFVZLcvJVpl7K8hWaVB1liNVNdJh7VZ4Wd7P4aaa5I866lFEnDRHWksC5eVgtH8VWy8PHGTE5V/rr+QqSocTnm9CpTM+SMmRhVVJcPKbPYv5VFcs7x1F3P1eeikl1sXZHGB0lRLH+eSI75ICk6KZ8nctkOkaQN+cNEWjBRIimU0YpkHY4hmxOgqNIMHRaRJo6giLO+dyM/F1nsvpfqWVAv92Eihe0u3bNE+TgR/FkURfWhUHPMIBsguh6N0yKNs7o/EGkVIEpj+XA8fltJ0GzqDxMdQwBka+2gqQ/p9FYkpaNIiEXuje3OddQfg738rFCTcYmME9sdKXntbY1MBOy802JrotJ6bSUiInLia7y2+aZEbXuyxXbn5vXXGQazDs+6xUWGoql2kXU/DDrOssLWNFmZ65oQufeflwvU6PHDdO8ki/0xu/Rb7RVRvZNJgupW7y3bU+T6JLnej97MPLNUhbPIbJEV9U2y/eknHds5lfhfNMo/sb23oRX5LQXWGUmpGdtz3nxEpOiep7eP+5MFUEZJj+0SCnsCVX/CkrZUQFRvQG+8RkNOzHTi5LL0rW6x8YL0bwolGtdolqir0fQxAyQCNrdsVczFmdFS6fXp+4kSecPMEqntrAYkkklTYI288frkYKI+j+XCYtzRUdCIdMV/7mkWTDNmY6AU6bo5C9QknqwSEpFuzAdJUjZFQiJSoFMWfhIDu0ievDjD5ubquEV6AjVet3krU3B/Hvn8cYdDBJxUSlKVaJqmWvENMiXcImEQKcCYi26W1nZaN9SAXXFkcos0JZpxXLeICDpLDnVSBDkDusAtEhGN72p5J78LcMbn9+nudemgiDSlASLF66cC20NKbZ3qCnAnIfKp9gcxiIjVPj8/8mbVCBY9VsNes42C4YgBrgyUJ06NpkRdCuD8yB418pYIOkl2hyuQ2SOkKOMMO4M76vrBB4sG84Cjjrr5Cooeo4TdLwyGbLsC4IKgD93dHY66lUQye7gQxfqgfdcDhr7JeSOtLoL2dOn4KEdX2E+s0hp24j3RaUERsPnLLBmlYPceaYJVBB0Bja85p8ANn3rXgFX02kEqaSGAeywoGs7zjghYdqYoxyp68USCtMDZfX+wqHomav53fkBcWDSYx4NEBpkuAyLj3oSwSDIVsMM6ETVAp/3V/KG2tP/xRPRccI1IW7Comyr8PupE9052bbW/0yLHpX/1T1wRmQuskULa4oqcd/Z1pjLu6li0zqgDP49m5fmo+2NR3z50zFBYczLsBB6Rxx6y8Q5wRoE7LCaylhM5BnTs7cGdmZP1RZzdygeLXOjW9fg94jYXUnjjbBHRcJ5nImVKBA67fFgkL/HzIE4KRW7vM0/i/kQ0WSPHg75KldHdqc+h7pfZ0jKs/GuDM3hvNSLizSEqoroE1Yia7ELf00kIWS/o09z+EmLA6bC3hMh9TwRskDq51x47e4Zzhc73Qt64wyByPOjmUVT6cZZkcQV+0zxNflX05qgD36tSe3MilcCr1FLEe9sPRDYYjmgwD1wjMl1hm4h0ugF43PETVd6wB3RbKES2Pu+2cr9waHFBWESO+8JtyxrkckFYRDa8dxAAoRHNH3hRNTHkUIlsY9Z3TqR6LzcFokScSsKi4TzPRMYske0VT78XJJkJZ8uTzojV6FdEtmNkE9/diqLUzJTpAtmzalQyF6FvI5ETA9+OpraQwTYhwRvQMYqryX6sNn8vq8AynnqoGuXuCY7N/vMR3R7N47DzePR04J+gjJt4rM7V3SzwzbC8FzYtb2Z1jQtDd3nLDOLmD1E9v90++qfT4Lfh5N+cq/508shXb5st6Ll1cWa2RYu2EUo0p6QfkF2EP7sIf3YR/hCRs3ZXFoqzYdEGR92su1D4Q486yzq1D/L0iS85W67R2l1ZKLsIfzYs4l05+bg8rpxU/lZS3UXbyvZE/wFXu+LXNTDaDQAAAABJRU5ErkJggg=="/>
+          <p:cNvSpPr>
+            <a:spLocks noChangeAspect="1" noChangeArrowheads="1"/>
+          </p:cNvSpPr>
+          <p:nvPr/>
+        </p:nvSpPr>
+        <p:spPr bwMode="auto">
+          <a:xfrm>
+            <a:off x="207436" y="-116412"/>
+            <a:ext cx="406400" cy="406402"/>
+          </a:xfrm>
+          <a:prstGeom prst="rect">
+            <a:avLst/>
+          </a:prstGeom>
+          <a:noFill/>
+          <a:extLst>
+            <a:ext uri="{909E8E84-426E-40DD-AFC4-6F175D3DCCD1}">
+              <a14:hiddenFill xmlns:a14="http://schemas.microsoft.com/office/drawing/2010/main">
+                <a:solidFill>
+                  <a:srgbClr val="FFFFFF"/>
+                </a:solidFill>
+              </a14:hiddenFill>
+            </a:ext>
+          </a:extLst>
+        </p:spPr>
+        <p:txBody>
+          <a:bodyPr vert="horz" wrap="square" lIns="121920" tIns="60960" rIns="121920" bIns="60960" numCol="1" anchor="t" anchorCtr="0" compatLnSpc="1">
+            <a:prstTxWarp prst="textNoShape">
+              <a:avLst/>
+            </a:prstTxWarp>
+          </a:bodyPr>
+          <a:lstStyle/>
+          <a:p>
+            <a:endParaRPr lang="en-US" sz="1600" dirty="0"/>
+          </a:p>
+        </p:txBody>
+      </p:sp>
+      <p:sp>
+        <p:nvSpPr>
+          <p:cNvPr id="2" name="AutoShape 2" descr="Image result for file"/>
+          <p:cNvSpPr>
+            <a:spLocks noChangeAspect="1" noChangeArrowheads="1"/>
+          </p:cNvSpPr>
+          <p:nvPr/>
+        </p:nvSpPr>
+        <p:spPr bwMode="auto">
+          <a:xfrm>
+            <a:off x="410635" y="86789"/>
+            <a:ext cx="406400" cy="406402"/>
+          </a:xfrm>
+          <a:prstGeom prst="rect">
+            <a:avLst/>
+          </a:prstGeom>
+          <a:noFill/>
+          <a:extLst>
+            <a:ext uri="{909E8E84-426E-40DD-AFC4-6F175D3DCCD1}">
+              <a14:hiddenFill xmlns:a14="http://schemas.microsoft.com/office/drawing/2010/main">
+                <a:solidFill>
+                  <a:srgbClr val="FFFFFF"/>
+                </a:solidFill>
+              </a14:hiddenFill>
+            </a:ext>
+          </a:extLst>
+        </p:spPr>
+        <p:txBody>
+          <a:bodyPr vert="horz" wrap="square" lIns="121920" tIns="60960" rIns="121920" bIns="60960" numCol="1" anchor="t" anchorCtr="0" compatLnSpc="1">
+            <a:prstTxWarp prst="textNoShape">
+              <a:avLst/>
+            </a:prstTxWarp>
+          </a:bodyPr>
+          <a:lstStyle/>
+          <a:p>
+            <a:endParaRPr lang="en-US" sz="2400" dirty="0"/>
+          </a:p>
+        </p:txBody>
+      </p:sp>
+      <p:sp>
+        <p:nvSpPr>
+          <p:cNvPr id="6" name="AutoShape 2" descr="Image result for activemq image"/>
+          <p:cNvSpPr>
+            <a:spLocks noChangeAspect="1" noChangeArrowheads="1"/>
+          </p:cNvSpPr>
+          <p:nvPr/>
+        </p:nvSpPr>
+        <p:spPr bwMode="auto">
+          <a:xfrm>
+            <a:off x="613835" y="289988"/>
+            <a:ext cx="406400" cy="406402"/>
+          </a:xfrm>
+          <a:prstGeom prst="rect">
+            <a:avLst/>
+          </a:prstGeom>
+          <a:noFill/>
+          <a:extLst>
+            <a:ext uri="{909E8E84-426E-40DD-AFC4-6F175D3DCCD1}">
+              <a14:hiddenFill xmlns:a14="http://schemas.microsoft.com/office/drawing/2010/main">
+                <a:solidFill>
+                  <a:srgbClr val="FFFFFF"/>
+                </a:solidFill>
+              </a14:hiddenFill>
+            </a:ext>
+          </a:extLst>
+        </p:spPr>
+        <p:txBody>
+          <a:bodyPr vert="horz" wrap="square" lIns="121920" tIns="60960" rIns="121920" bIns="60960" numCol="1" anchor="t" anchorCtr="0" compatLnSpc="1">
+            <a:prstTxWarp prst="textNoShape">
+              <a:avLst/>
+            </a:prstTxWarp>
+          </a:bodyPr>
+          <a:lstStyle/>
+          <a:p>
+            <a:endParaRPr lang="en-US" sz="2400" dirty="0"/>
+          </a:p>
+        </p:txBody>
+      </p:sp>
+      <p:sp>
+        <p:nvSpPr>
+          <p:cNvPr id="13" name="Rectangle 12">
+            <a:extLst>
+              <a:ext uri="{FF2B5EF4-FFF2-40B4-BE49-F238E27FC236}">
+                <a16:creationId xmlns:a16="http://schemas.microsoft.com/office/drawing/2014/main" id="{0B988688-36F4-40CE-A6DA-EEFD77865C28}"/>
+              </a:ext>
+            </a:extLst>
+          </p:cNvPr>
+          <p:cNvSpPr/>
+          <p:nvPr/>
+        </p:nvSpPr>
+        <p:spPr>
+          <a:xfrm>
+            <a:off x="2321800" y="87868"/>
+            <a:ext cx="7548400" cy="646331"/>
+          </a:xfrm>
+          <a:prstGeom prst="rect">
+            <a:avLst/>
+          </a:prstGeom>
+        </p:spPr>
+        <p:style>
+          <a:lnRef idx="1">
+            <a:schemeClr val="accent4"/>
+          </a:lnRef>
+          <a:fillRef idx="3">
+            <a:schemeClr val="accent4"/>
+          </a:fillRef>
+          <a:effectRef idx="2">
+            <a:schemeClr val="accent4"/>
+          </a:effectRef>
+          <a:fontRef idx="minor">
+            <a:schemeClr val="lt1"/>
+          </a:fontRef>
+        </p:style>
+        <p:txBody>
+          <a:bodyPr wrap="square">
+            <a:spAutoFit/>
+          </a:bodyPr>
+          <a:lstStyle>
+            <a:defPPr>
+              <a:defRPr lang="en-US"/>
+            </a:defPPr>
+            <a:lvl1pPr marL="0" algn="l" defTabSz="914400" rtl="0" eaLnBrk="1" latinLnBrk="0" hangingPunct="1">
+              <a:defRPr sz="1800" kern="1200">
+                <a:solidFill>
+                  <a:schemeClr val="lt1"/>
+                </a:solidFill>
+                <a:latin typeface="+mn-lt"/>
+                <a:ea typeface="+mn-ea"/>
+                <a:cs typeface="+mn-cs"/>
+              </a:defRPr>
+            </a:lvl1pPr>
+            <a:lvl2pPr marL="457200" algn="l" defTabSz="914400" rtl="0" eaLnBrk="1" latinLnBrk="0" hangingPunct="1">
+              <a:defRPr sz="1800" kern="1200">
+                <a:solidFill>
+                  <a:schemeClr val="lt1"/>
+                </a:solidFill>
+                <a:latin typeface="+mn-lt"/>
+                <a:ea typeface="+mn-ea"/>
+                <a:cs typeface="+mn-cs"/>
+              </a:defRPr>
+            </a:lvl2pPr>
+            <a:lvl3pPr marL="914400" algn="l" defTabSz="914400" rtl="0" eaLnBrk="1" latinLnBrk="0" hangingPunct="1">
+              <a:defRPr sz="1800" kern="1200">
+                <a:solidFill>
+                  <a:schemeClr val="lt1"/>
+                </a:solidFill>
+                <a:latin typeface="+mn-lt"/>
+                <a:ea typeface="+mn-ea"/>
+                <a:cs typeface="+mn-cs"/>
+              </a:defRPr>
+            </a:lvl3pPr>
+            <a:lvl4pPr marL="1371600" algn="l" defTabSz="914400" rtl="0" eaLnBrk="1" latinLnBrk="0" hangingPunct="1">
+              <a:defRPr sz="1800" kern="1200">
+                <a:solidFill>
+                  <a:schemeClr val="lt1"/>
+                </a:solidFill>
+                <a:latin typeface="+mn-lt"/>
+                <a:ea typeface="+mn-ea"/>
+                <a:cs typeface="+mn-cs"/>
+              </a:defRPr>
+            </a:lvl4pPr>
+            <a:lvl5pPr marL="1828800" algn="l" defTabSz="914400" rtl="0" eaLnBrk="1" latinLnBrk="0" hangingPunct="1">
+              <a:defRPr sz="1800" kern="1200">
+                <a:solidFill>
+                  <a:schemeClr val="lt1"/>
+                </a:solidFill>
+                <a:latin typeface="+mn-lt"/>
+                <a:ea typeface="+mn-ea"/>
+                <a:cs typeface="+mn-cs"/>
+              </a:defRPr>
+            </a:lvl5pPr>
+            <a:lvl6pPr marL="2286000" algn="l" defTabSz="914400" rtl="0" eaLnBrk="1" latinLnBrk="0" hangingPunct="1">
+              <a:defRPr sz="1800" kern="1200">
+                <a:solidFill>
+                  <a:schemeClr val="lt1"/>
+                </a:solidFill>
+                <a:latin typeface="+mn-lt"/>
+                <a:ea typeface="+mn-ea"/>
+                <a:cs typeface="+mn-cs"/>
+              </a:defRPr>
+            </a:lvl6pPr>
+            <a:lvl7pPr marL="2743200" algn="l" defTabSz="914400" rtl="0" eaLnBrk="1" latinLnBrk="0" hangingPunct="1">
+              <a:defRPr sz="1800" kern="1200">
+                <a:solidFill>
+                  <a:schemeClr val="lt1"/>
+                </a:solidFill>
+                <a:latin typeface="+mn-lt"/>
+                <a:ea typeface="+mn-ea"/>
+                <a:cs typeface="+mn-cs"/>
+              </a:defRPr>
+            </a:lvl7pPr>
+            <a:lvl8pPr marL="3200400" algn="l" defTabSz="914400" rtl="0" eaLnBrk="1" latinLnBrk="0" hangingPunct="1">
+              <a:defRPr sz="1800" kern="1200">
+                <a:solidFill>
+                  <a:schemeClr val="lt1"/>
+                </a:solidFill>
+                <a:latin typeface="+mn-lt"/>
+                <a:ea typeface="+mn-ea"/>
+                <a:cs typeface="+mn-cs"/>
+              </a:defRPr>
+            </a:lvl8pPr>
+            <a:lvl9pPr marL="3657600" algn="l" defTabSz="914400" rtl="0" eaLnBrk="1" latinLnBrk="0" hangingPunct="1">
+              <a:defRPr sz="1800" kern="1200">
+                <a:solidFill>
+                  <a:schemeClr val="lt1"/>
+                </a:solidFill>
+                <a:latin typeface="+mn-lt"/>
+                <a:ea typeface="+mn-ea"/>
+                <a:cs typeface="+mn-cs"/>
+              </a:defRPr>
+            </a:lvl9pPr>
+          </a:lstStyle>
+          <a:p>
+            <a:pPr algn="ctr"/>
+            <a:r>
+              <a:rPr lang="en-US" dirty="0"/>
+              <a:t>How to Uninstall Tomcat using Yum Package Manager Amazon EC2 Instance? | How to Uninstall or Remove Packages from Linux OS?</a:t>
+            </a:r>
+          </a:p>
+        </p:txBody>
+      </p:sp>
+      <p:sp>
+        <p:nvSpPr>
+          <p:cNvPr id="5" name="Rectangle 4">
+            <a:extLst>
+              <a:ext uri="{FF2B5EF4-FFF2-40B4-BE49-F238E27FC236}">
+                <a16:creationId xmlns:a16="http://schemas.microsoft.com/office/drawing/2014/main" id="{4FEDBFD0-E382-445C-AB90-CCE08A341788}"/>
+              </a:ext>
+            </a:extLst>
+          </p:cNvPr>
+          <p:cNvSpPr/>
+          <p:nvPr/>
+        </p:nvSpPr>
+        <p:spPr>
+          <a:xfrm>
+            <a:off x="36442" y="1044939"/>
+            <a:ext cx="12079357" cy="1754326"/>
+          </a:xfrm>
+          <a:prstGeom prst="rect">
+            <a:avLst/>
+          </a:prstGeom>
+          <a:solidFill>
+            <a:schemeClr val="accent1">
+              <a:lumMod val="20000"/>
+              <a:lumOff val="80000"/>
+            </a:schemeClr>
+          </a:solidFill>
+        </p:spPr>
+        <p:txBody>
+          <a:bodyPr wrap="square">
+            <a:spAutoFit/>
+          </a:bodyPr>
+          <a:lstStyle/>
+          <a:p>
+            <a:pPr marL="285750" indent="-285750">
+              <a:buFont typeface="Wingdings" panose="05000000000000000000" pitchFamily="2" charset="2"/>
+              <a:buChar char="ü"/>
+            </a:pPr>
+            <a:r>
+              <a:rPr lang="en-US" sz="1800" dirty="0">
+                <a:solidFill>
+                  <a:srgbClr val="404040"/>
+                </a:solidFill>
+                <a:latin typeface="roboto"/>
+              </a:rPr>
+              <a:t>In case you need to delete a package but are unsure of its exact file name, you can use one of the following command.</a:t>
+            </a:r>
+          </a:p>
+          <a:p>
+            <a:pPr marL="285750" indent="-285750">
+              <a:buFont typeface="Wingdings" panose="05000000000000000000" pitchFamily="2" charset="2"/>
+              <a:buChar char="ü"/>
+            </a:pPr>
+            <a:endParaRPr lang="en-US" sz="1800" dirty="0">
+              <a:solidFill>
+                <a:srgbClr val="404040"/>
+              </a:solidFill>
+              <a:latin typeface="roboto"/>
+            </a:endParaRPr>
+          </a:p>
+          <a:p>
+            <a:pPr marL="285750" indent="-285750">
+              <a:buFont typeface="Wingdings" panose="05000000000000000000" pitchFamily="2" charset="2"/>
+              <a:buChar char="ü"/>
+            </a:pPr>
+            <a:r>
+              <a:rPr lang="en-US" sz="1800" dirty="0"/>
+              <a:t>The output will list all installed packages with the specified phrase found in the file name.</a:t>
+            </a:r>
+          </a:p>
+          <a:p>
+            <a:pPr marL="285750" indent="-285750">
+              <a:buFont typeface="Wingdings" panose="05000000000000000000" pitchFamily="2" charset="2"/>
+              <a:buChar char="ü"/>
+            </a:pPr>
+            <a:endParaRPr lang="en-US" sz="1800" dirty="0"/>
+          </a:p>
+          <a:p>
+            <a:pPr marL="285750" indent="-285750">
+              <a:buFont typeface="Wingdings" panose="05000000000000000000" pitchFamily="2" charset="2"/>
+              <a:buChar char="ü"/>
+            </a:pPr>
+            <a:r>
+              <a:rPr lang="en-US" sz="1800" dirty="0"/>
+              <a:t>After you have the exact name of the package you want to erase, you can uninstall it from your Linux OS.</a:t>
+            </a:r>
+          </a:p>
+        </p:txBody>
+      </p:sp>
+      <p:sp>
+        <p:nvSpPr>
+          <p:cNvPr id="7" name="Rectangle 6">
+            <a:extLst>
+              <a:ext uri="{FF2B5EF4-FFF2-40B4-BE49-F238E27FC236}">
+                <a16:creationId xmlns:a16="http://schemas.microsoft.com/office/drawing/2014/main" id="{9F15CEFF-6497-47D1-AAA3-3F706FEF7A06}"/>
+              </a:ext>
+            </a:extLst>
+          </p:cNvPr>
+          <p:cNvSpPr/>
+          <p:nvPr/>
+        </p:nvSpPr>
+        <p:spPr>
+          <a:xfrm>
+            <a:off x="36443" y="3008468"/>
+            <a:ext cx="4801314" cy="400110"/>
+          </a:xfrm>
+          <a:prstGeom prst="rect">
+            <a:avLst/>
+          </a:prstGeom>
+          <a:solidFill>
+            <a:srgbClr val="FFC000"/>
+          </a:solidFill>
+        </p:spPr>
+        <p:txBody>
+          <a:bodyPr wrap="none">
+            <a:spAutoFit/>
+          </a:bodyPr>
+          <a:lstStyle/>
+          <a:p>
+            <a:r>
+              <a:rPr lang="en-US" sz="2000" dirty="0">
+                <a:latin typeface="Courier New" panose="02070309020205020404" pitchFamily="49" charset="0"/>
+              </a:rPr>
+              <a:t>yum list | grep [</a:t>
+            </a:r>
+            <a:r>
+              <a:rPr lang="en-US" sz="2000" dirty="0" err="1">
+                <a:latin typeface="Courier New" panose="02070309020205020404" pitchFamily="49" charset="0"/>
+              </a:rPr>
+              <a:t>package_name</a:t>
+            </a:r>
+            <a:r>
+              <a:rPr lang="en-US" sz="2000" dirty="0">
+                <a:latin typeface="Courier New" panose="02070309020205020404" pitchFamily="49" charset="0"/>
+              </a:rPr>
+              <a:t>]</a:t>
+            </a:r>
+            <a:endParaRPr lang="en-US" sz="2000" dirty="0"/>
+          </a:p>
+        </p:txBody>
+      </p:sp>
+      <p:pic>
+        <p:nvPicPr>
+          <p:cNvPr id="8" name="Picture 7">
+            <a:extLst>
+              <a:ext uri="{FF2B5EF4-FFF2-40B4-BE49-F238E27FC236}">
+                <a16:creationId xmlns:a16="http://schemas.microsoft.com/office/drawing/2014/main" id="{F711E57A-FD7C-4273-AE2B-69C5A998A34A}"/>
+              </a:ext>
+            </a:extLst>
+          </p:cNvPr>
+          <p:cNvPicPr>
+            <a:picLocks noChangeAspect="1"/>
+          </p:cNvPicPr>
+          <p:nvPr/>
+        </p:nvPicPr>
+        <p:blipFill>
+          <a:blip r:embed="rId3"/>
+          <a:stretch>
+            <a:fillRect/>
+          </a:stretch>
+        </p:blipFill>
+        <p:spPr>
+          <a:xfrm>
+            <a:off x="5334000" y="3657600"/>
+            <a:ext cx="6609327" cy="2964678"/>
+          </a:xfrm>
+          <a:prstGeom prst="rect">
+            <a:avLst/>
+          </a:prstGeom>
+        </p:spPr>
+        <p:style>
+          <a:lnRef idx="1">
+            <a:schemeClr val="accent4"/>
+          </a:lnRef>
+          <a:fillRef idx="3">
+            <a:schemeClr val="accent4"/>
+          </a:fillRef>
+          <a:effectRef idx="2">
+            <a:schemeClr val="accent4"/>
+          </a:effectRef>
+          <a:fontRef idx="minor">
+            <a:schemeClr val="lt1"/>
+          </a:fontRef>
+        </p:style>
+      </p:pic>
+    </p:spTree>
+    <p:extLst>
+      <p:ext uri="{BB962C8B-B14F-4D97-AF65-F5344CB8AC3E}">
+        <p14:creationId xmlns:p14="http://schemas.microsoft.com/office/powerpoint/2010/main" val="2521905367"/>
+      </p:ext>
+    </p:extLst>
+  </p:cSld>
+  <p:clrMapOvr>
+    <a:masterClrMapping/>
+  </p:clrMapOvr>
+  <mc:AlternateContent xmlns:mc="http://schemas.openxmlformats.org/markup-compatibility/2006" xmlns:p14="http://schemas.microsoft.com/office/powerpoint/2010/main">
+    <mc:Choice Requires="p14">
+      <p:transition p14:dur="0" advClick="0"/>
+    </mc:Choice>
+    <mc:Fallback xmlns="">
+      <p:transition advClick="0"/>
+    </mc:Fallback>
+  </mc:AlternateContent>
+</p:sld>
+</file>
+
+<file path=ppt/slides/slide28.xml><?xml version="1.0" encoding="utf-8"?>
+<p:sld xmlns:a="http://schemas.openxmlformats.org/drawingml/2006/main" xmlns:r="http://schemas.openxmlformats.org/officeDocument/2006/relationships" xmlns:p="http://schemas.openxmlformats.org/presentationml/2006/main">
+  <p:cSld>
+    <p:spTree>
+      <p:nvGrpSpPr>
+        <p:cNvPr id="1" name=""/>
+        <p:cNvGrpSpPr/>
+        <p:nvPr/>
+      </p:nvGrpSpPr>
+      <p:grpSpPr>
+        <a:xfrm>
+          <a:off x="0" y="0"/>
+          <a:ext cx="0" cy="0"/>
+          <a:chOff x="0" y="0"/>
+          <a:chExt cx="0" cy="0"/>
+        </a:xfrm>
+      </p:grpSpPr>
+      <p:sp>
+        <p:nvSpPr>
+          <p:cNvPr id="3" name="AutoShape 2" descr="data:image/png;base64,iVBORw0KGgoAAAANSUhEUgAAANEAAADxCAMAAABiSKLrAAAAbFBMVEWIiIj////6+vr29vb19fX4+Pj5+fnu7u77+/v39/f9/f3z8/P+/v709PT8/Pyqqqrt7e3v7+/w8PDx8fHy8vK+vr7Q0NCjo6OBgYHY2Njk5OTHx8eNjY3c3NzGxsbn5+eWlpa1tbWcnJx6enob4+f+AAAIqklEQVR4nO3dCZuaOhQGYEZAh0FkX2W1//8/lkVMICeIkRmOPHz22lYg5OVEZLFzJRNrnC+xSGt3nJvQekMUYktnEiM1ouDrjCs/pukLkzoRtpjmNRcloRUFoiS8oo5UvLwsYpEgCaXoHLYiMRJqkRAJt0iEhFwkQMIqCgJRElpRLErCL3r1oxavSJSEWCRIQikyOtGQNPd8CaXICc04FiXhFomQkIsESChFbmhmwiT0opf3eBivMzSjLuORnh49oKxRKxIloayR24oESShFRScSI6EUJaGZCJNwiwhp/skFcpFAlbCLXiehF71MQisSJiEVVYkwqRP9oEpXI1HSXXRuWjo/2jz3f3v8YfjS7871lbU1EiT1IjrAKrvX/2iurzisijkk8OQC5ah7iERIyEUCJOyi10noRU9J490DUpFPRAApniJhFVnzSaOdOF6RKAmlKGhFgiTMohdIyYeIhEh30aV99E9NLo8VXLqn++Q/mIuIREid6DJsv32s91Ityi1hEtJRl5+ESX2NMKUR2ZYoCbNIjIRV5FiiJIyicx7mriVEKnCKfvxadBIloRQ1NTqJkcICpcgPr7rjOPYJZnFNbZVwikw/YHNlXmDi4xW9kU70jSnNqOu/xL4R0aWg3yNMgNHWp0I66i7Dy5PsdXFuApw1Eg8RndfuykLZa4Q/512EPrsIfzYtOmwje43wh4h+1u7KQvm5bk601wh9NlijXYQ+uwh/HqLrZkTXh+h4PDQP8lQ/PvAlSrT2xl0oRHQ5biOXXYQ+uwh/dhH+7CL82bRI3Ua2XKPvtTfuQvneReizi/BnF+HPLsKfTYu0bYQWsd5PfImIDmtv3IVy2EXos4vwZxfhzy7CH0okbyO7CH+2/D46rr1xF8pxF6HPLsKfXYQ/uwh/KJGyjWxatPZwWShEpK69cReKuovQZxfhzy7Cn12EP0SkGduItmHRzFF3P3r63ZHzTl4YdYqsHg/e/YdF2e7xcFRVrba109gMFp2evGhmjzpFVZLcvJVpl7K8hWaVB1liNVNdJh7VZ4Wd7P4aaa5I866lFEnDRHWksC5eVgtH8VWy8PHGTE5V/rr+QqSocTnm9CpTM+SMmRhVVJcPKbPYv5VFcs7x1F3P1eeikl1sXZHGB0lRLH+eSI75ICk6KZ8nctkOkaQN+cNEWjBRIimU0YpkHY4hmxOgqNIMHRaRJo6giLO+dyM/F1nsvpfqWVAv92Eihe0u3bNE+TgR/FkURfWhUHPMIBsguh6N0yKNs7o/EGkVIEpj+XA8fltJ0GzqDxMdQwBka+2gqQ/p9FYkpaNIiEXuje3OddQfg738rFCTcYmME9sdKXntbY1MBOy802JrotJ6bSUiInLia7y2+aZEbXuyxXbn5vXXGQazDs+6xUWGoql2kXU/DDrOssLWNFmZ65oQufeflwvU6PHDdO8ki/0xu/Rb7RVRvZNJgupW7y3bU+T6JLnej97MPLNUhbPIbJEV9U2y/eknHds5lfhfNMo/sb23oRX5LQXWGUmpGdtz3nxEpOiep7eP+5MFUEZJj+0SCnsCVX/CkrZUQFRvQG+8RkNOzHTi5LL0rW6x8YL0bwolGtdolqir0fQxAyQCNrdsVczFmdFS6fXp+4kSecPMEqntrAYkkklTYI288frkYKI+j+XCYtzRUdCIdMV/7mkWTDNmY6AU6bo5C9QknqwSEpFuzAdJUjZFQiJSoFMWfhIDu0ievDjD5ubquEV6AjVet3krU3B/Hvn8cYdDBJxUSlKVaJqmWvENMiXcImEQKcCYi26W1nZaN9SAXXFkcos0JZpxXLeICDpLDnVSBDkDusAtEhGN72p5J78LcMbn9+nudemgiDSlASLF66cC20NKbZ3qCnAnIfKp9gcxiIjVPj8/8mbVCBY9VsNes42C4YgBrgyUJ06NpkRdCuD8yB418pYIOkl2hyuQ2SOkKOMMO4M76vrBB4sG84Cjjrr5Cooeo4TdLwyGbLsC4IKgD93dHY66lUQye7gQxfqgfdcDhr7JeSOtLoL2dOn4KEdX2E+s0hp24j3RaUERsPnLLBmlYPceaYJVBB0Bja85p8ANn3rXgFX02kEqaSGAeywoGs7zjghYdqYoxyp68USCtMDZfX+wqHomav53fkBcWDSYx4NEBpkuAyLj3oSwSDIVsMM6ETVAp/3V/KG2tP/xRPRccI1IW7Comyr8PupE9052bbW/0yLHpX/1T1wRmQuskULa4oqcd/Z1pjLu6li0zqgDP49m5fmo+2NR3z50zFBYczLsBB6Rxx6y8Q5wRoE7LCaylhM5BnTs7cGdmZP1RZzdygeLXOjW9fg94jYXUnjjbBHRcJ5nImVKBA67fFgkL/HzIE4KRW7vM0/i/kQ0WSPHg75KldHdqc+h7pfZ0jKs/GuDM3hvNSLizSEqoroE1Yia7ELf00kIWS/o09z+EmLA6bC3hMh9TwRskDq51x47e4Zzhc73Qt64wyByPOjmUVT6cZZkcQV+0zxNflX05qgD36tSe3MilcCr1FLEe9sPRDYYjmgwD1wjMl1hm4h0ugF43PETVd6wB3RbKES2Pu+2cr9waHFBWESO+8JtyxrkckFYRDa8dxAAoRHNH3hRNTHkUIlsY9Z3TqR6LzcFokScSsKi4TzPRMYske0VT78XJJkJZ8uTzojV6FdEtmNkE9/diqLUzJTpAtmzalQyF6FvI5ETA9+OpraQwTYhwRvQMYqryX6sNn8vq8AynnqoGuXuCY7N/vMR3R7N47DzePR04J+gjJt4rM7V3SzwzbC8FzYtb2Z1jQtDd3nLDOLmD1E9v90++qfT4Lfh5N+cq/508shXb5st6Ll1cWa2RYu2EUo0p6QfkF2EP7sIf3YR/hCRs3ZXFoqzYdEGR92su1D4Q486yzq1D/L0iS85W67R2l1ZKLsIfzYs4l05+bg8rpxU/lZS3UXbyvZE/wFXu+LXNTDaDQAAAABJRU5ErkJggg=="/>
+          <p:cNvSpPr>
+            <a:spLocks noChangeAspect="1" noChangeArrowheads="1"/>
+          </p:cNvSpPr>
+          <p:nvPr/>
+        </p:nvSpPr>
+        <p:spPr bwMode="auto">
+          <a:xfrm>
+            <a:off x="207436" y="-116412"/>
+            <a:ext cx="406400" cy="406402"/>
+          </a:xfrm>
+          <a:prstGeom prst="rect">
+            <a:avLst/>
+          </a:prstGeom>
+          <a:noFill/>
+          <a:extLst>
+            <a:ext uri="{909E8E84-426E-40DD-AFC4-6F175D3DCCD1}">
+              <a14:hiddenFill xmlns:a14="http://schemas.microsoft.com/office/drawing/2010/main">
+                <a:solidFill>
+                  <a:srgbClr val="FFFFFF"/>
+                </a:solidFill>
+              </a14:hiddenFill>
+            </a:ext>
+          </a:extLst>
+        </p:spPr>
+        <p:txBody>
+          <a:bodyPr vert="horz" wrap="square" lIns="121920" tIns="60960" rIns="121920" bIns="60960" numCol="1" anchor="t" anchorCtr="0" compatLnSpc="1">
+            <a:prstTxWarp prst="textNoShape">
+              <a:avLst/>
+            </a:prstTxWarp>
+          </a:bodyPr>
+          <a:lstStyle/>
+          <a:p>
+            <a:endParaRPr lang="en-US" sz="1600" dirty="0"/>
+          </a:p>
+        </p:txBody>
+      </p:sp>
+      <p:sp>
+        <p:nvSpPr>
+          <p:cNvPr id="2" name="AutoShape 2" descr="Image result for file"/>
+          <p:cNvSpPr>
+            <a:spLocks noChangeAspect="1" noChangeArrowheads="1"/>
+          </p:cNvSpPr>
+          <p:nvPr/>
+        </p:nvSpPr>
+        <p:spPr bwMode="auto">
+          <a:xfrm>
+            <a:off x="410635" y="86789"/>
+            <a:ext cx="406400" cy="406402"/>
+          </a:xfrm>
+          <a:prstGeom prst="rect">
+            <a:avLst/>
+          </a:prstGeom>
+          <a:noFill/>
+          <a:extLst>
+            <a:ext uri="{909E8E84-426E-40DD-AFC4-6F175D3DCCD1}">
+              <a14:hiddenFill xmlns:a14="http://schemas.microsoft.com/office/drawing/2010/main">
+                <a:solidFill>
+                  <a:srgbClr val="FFFFFF"/>
+                </a:solidFill>
+              </a14:hiddenFill>
+            </a:ext>
+          </a:extLst>
+        </p:spPr>
+        <p:txBody>
+          <a:bodyPr vert="horz" wrap="square" lIns="121920" tIns="60960" rIns="121920" bIns="60960" numCol="1" anchor="t" anchorCtr="0" compatLnSpc="1">
+            <a:prstTxWarp prst="textNoShape">
+              <a:avLst/>
+            </a:prstTxWarp>
+          </a:bodyPr>
+          <a:lstStyle/>
+          <a:p>
+            <a:endParaRPr lang="en-US" sz="2400" dirty="0"/>
+          </a:p>
+        </p:txBody>
+      </p:sp>
+      <p:sp>
+        <p:nvSpPr>
+          <p:cNvPr id="6" name="AutoShape 2" descr="Image result for activemq image"/>
+          <p:cNvSpPr>
+            <a:spLocks noChangeAspect="1" noChangeArrowheads="1"/>
+          </p:cNvSpPr>
+          <p:nvPr/>
+        </p:nvSpPr>
+        <p:spPr bwMode="auto">
+          <a:xfrm>
+            <a:off x="613835" y="289988"/>
+            <a:ext cx="406400" cy="406402"/>
+          </a:xfrm>
+          <a:prstGeom prst="rect">
+            <a:avLst/>
+          </a:prstGeom>
+          <a:noFill/>
+          <a:extLst>
+            <a:ext uri="{909E8E84-426E-40DD-AFC4-6F175D3DCCD1}">
+              <a14:hiddenFill xmlns:a14="http://schemas.microsoft.com/office/drawing/2010/main">
+                <a:solidFill>
+                  <a:srgbClr val="FFFFFF"/>
+                </a:solidFill>
+              </a14:hiddenFill>
+            </a:ext>
+          </a:extLst>
+        </p:spPr>
+        <p:txBody>
+          <a:bodyPr vert="horz" wrap="square" lIns="121920" tIns="60960" rIns="121920" bIns="60960" numCol="1" anchor="t" anchorCtr="0" compatLnSpc="1">
+            <a:prstTxWarp prst="textNoShape">
+              <a:avLst/>
+            </a:prstTxWarp>
+          </a:bodyPr>
+          <a:lstStyle/>
+          <a:p>
+            <a:endParaRPr lang="en-US" sz="2400" dirty="0"/>
+          </a:p>
+        </p:txBody>
+      </p:sp>
+      <p:sp>
+        <p:nvSpPr>
+          <p:cNvPr id="13" name="Rectangle 12">
+            <a:extLst>
+              <a:ext uri="{FF2B5EF4-FFF2-40B4-BE49-F238E27FC236}">
+                <a16:creationId xmlns:a16="http://schemas.microsoft.com/office/drawing/2014/main" id="{0B988688-36F4-40CE-A6DA-EEFD77865C28}"/>
+              </a:ext>
+            </a:extLst>
+          </p:cNvPr>
+          <p:cNvSpPr/>
+          <p:nvPr/>
+        </p:nvSpPr>
+        <p:spPr>
+          <a:xfrm>
+            <a:off x="2321800" y="87868"/>
+            <a:ext cx="7548400" cy="646331"/>
+          </a:xfrm>
+          <a:prstGeom prst="rect">
+            <a:avLst/>
+          </a:prstGeom>
+        </p:spPr>
+        <p:style>
+          <a:lnRef idx="1">
+            <a:schemeClr val="accent4"/>
+          </a:lnRef>
+          <a:fillRef idx="3">
+            <a:schemeClr val="accent4"/>
+          </a:fillRef>
+          <a:effectRef idx="2">
+            <a:schemeClr val="accent4"/>
+          </a:effectRef>
+          <a:fontRef idx="minor">
+            <a:schemeClr val="lt1"/>
+          </a:fontRef>
+        </p:style>
+        <p:txBody>
+          <a:bodyPr wrap="square">
+            <a:spAutoFit/>
+          </a:bodyPr>
+          <a:lstStyle>
+            <a:defPPr>
+              <a:defRPr lang="en-US"/>
+            </a:defPPr>
+            <a:lvl1pPr marL="0" algn="l" defTabSz="914400" rtl="0" eaLnBrk="1" latinLnBrk="0" hangingPunct="1">
+              <a:defRPr sz="1800" kern="1200">
+                <a:solidFill>
+                  <a:schemeClr val="lt1"/>
+                </a:solidFill>
+                <a:latin typeface="+mn-lt"/>
+                <a:ea typeface="+mn-ea"/>
+                <a:cs typeface="+mn-cs"/>
+              </a:defRPr>
+            </a:lvl1pPr>
+            <a:lvl2pPr marL="457200" algn="l" defTabSz="914400" rtl="0" eaLnBrk="1" latinLnBrk="0" hangingPunct="1">
+              <a:defRPr sz="1800" kern="1200">
+                <a:solidFill>
+                  <a:schemeClr val="lt1"/>
+                </a:solidFill>
+                <a:latin typeface="+mn-lt"/>
+                <a:ea typeface="+mn-ea"/>
+                <a:cs typeface="+mn-cs"/>
+              </a:defRPr>
+            </a:lvl2pPr>
+            <a:lvl3pPr marL="914400" algn="l" defTabSz="914400" rtl="0" eaLnBrk="1" latinLnBrk="0" hangingPunct="1">
+              <a:defRPr sz="1800" kern="1200">
+                <a:solidFill>
+                  <a:schemeClr val="lt1"/>
+                </a:solidFill>
+                <a:latin typeface="+mn-lt"/>
+                <a:ea typeface="+mn-ea"/>
+                <a:cs typeface="+mn-cs"/>
+              </a:defRPr>
+            </a:lvl3pPr>
+            <a:lvl4pPr marL="1371600" algn="l" defTabSz="914400" rtl="0" eaLnBrk="1" latinLnBrk="0" hangingPunct="1">
+              <a:defRPr sz="1800" kern="1200">
+                <a:solidFill>
+                  <a:schemeClr val="lt1"/>
+                </a:solidFill>
+                <a:latin typeface="+mn-lt"/>
+                <a:ea typeface="+mn-ea"/>
+                <a:cs typeface="+mn-cs"/>
+              </a:defRPr>
+            </a:lvl4pPr>
+            <a:lvl5pPr marL="1828800" algn="l" defTabSz="914400" rtl="0" eaLnBrk="1" latinLnBrk="0" hangingPunct="1">
+              <a:defRPr sz="1800" kern="1200">
+                <a:solidFill>
+                  <a:schemeClr val="lt1"/>
+                </a:solidFill>
+                <a:latin typeface="+mn-lt"/>
+                <a:ea typeface="+mn-ea"/>
+                <a:cs typeface="+mn-cs"/>
+              </a:defRPr>
+            </a:lvl5pPr>
+            <a:lvl6pPr marL="2286000" algn="l" defTabSz="914400" rtl="0" eaLnBrk="1" latinLnBrk="0" hangingPunct="1">
+              <a:defRPr sz="1800" kern="1200">
+                <a:solidFill>
+                  <a:schemeClr val="lt1"/>
+                </a:solidFill>
+                <a:latin typeface="+mn-lt"/>
+                <a:ea typeface="+mn-ea"/>
+                <a:cs typeface="+mn-cs"/>
+              </a:defRPr>
+            </a:lvl6pPr>
+            <a:lvl7pPr marL="2743200" algn="l" defTabSz="914400" rtl="0" eaLnBrk="1" latinLnBrk="0" hangingPunct="1">
+              <a:defRPr sz="1800" kern="1200">
+                <a:solidFill>
+                  <a:schemeClr val="lt1"/>
+                </a:solidFill>
+                <a:latin typeface="+mn-lt"/>
+                <a:ea typeface="+mn-ea"/>
+                <a:cs typeface="+mn-cs"/>
+              </a:defRPr>
+            </a:lvl7pPr>
+            <a:lvl8pPr marL="3200400" algn="l" defTabSz="914400" rtl="0" eaLnBrk="1" latinLnBrk="0" hangingPunct="1">
+              <a:defRPr sz="1800" kern="1200">
+                <a:solidFill>
+                  <a:schemeClr val="lt1"/>
+                </a:solidFill>
+                <a:latin typeface="+mn-lt"/>
+                <a:ea typeface="+mn-ea"/>
+                <a:cs typeface="+mn-cs"/>
+              </a:defRPr>
+            </a:lvl8pPr>
+            <a:lvl9pPr marL="3657600" algn="l" defTabSz="914400" rtl="0" eaLnBrk="1" latinLnBrk="0" hangingPunct="1">
+              <a:defRPr sz="1800" kern="1200">
+                <a:solidFill>
+                  <a:schemeClr val="lt1"/>
+                </a:solidFill>
+                <a:latin typeface="+mn-lt"/>
+                <a:ea typeface="+mn-ea"/>
+                <a:cs typeface="+mn-cs"/>
+              </a:defRPr>
+            </a:lvl9pPr>
+          </a:lstStyle>
+          <a:p>
+            <a:pPr algn="ctr"/>
+            <a:r>
+              <a:rPr lang="en-US" dirty="0"/>
+              <a:t>How to Uninstall Tomcat using Yum Package Manager Amazon EC2 Instance? | How to Uninstall or Remove Packages from Linux OS?</a:t>
+            </a:r>
+          </a:p>
+        </p:txBody>
+      </p:sp>
+      <p:pic>
+        <p:nvPicPr>
+          <p:cNvPr id="4" name="Picture 3">
+            <a:extLst>
+              <a:ext uri="{FF2B5EF4-FFF2-40B4-BE49-F238E27FC236}">
+                <a16:creationId xmlns:a16="http://schemas.microsoft.com/office/drawing/2014/main" id="{51D38A57-2FD8-4562-A61C-B6100602B8A7}"/>
+              </a:ext>
+            </a:extLst>
+          </p:cNvPr>
+          <p:cNvPicPr>
+            <a:picLocks noChangeAspect="1"/>
+          </p:cNvPicPr>
+          <p:nvPr/>
+        </p:nvPicPr>
+        <p:blipFill>
+          <a:blip r:embed="rId3"/>
+          <a:stretch>
+            <a:fillRect/>
+          </a:stretch>
+        </p:blipFill>
+        <p:spPr>
+          <a:xfrm>
+            <a:off x="114300" y="1304331"/>
+            <a:ext cx="11963400" cy="5096469"/>
+          </a:xfrm>
+          <a:prstGeom prst="rect">
+            <a:avLst/>
+          </a:prstGeom>
+        </p:spPr>
+        <p:style>
+          <a:lnRef idx="1">
+            <a:schemeClr val="accent4"/>
+          </a:lnRef>
+          <a:fillRef idx="3">
+            <a:schemeClr val="accent4"/>
+          </a:fillRef>
+          <a:effectRef idx="2">
+            <a:schemeClr val="accent4"/>
+          </a:effectRef>
+          <a:fontRef idx="minor">
+            <a:schemeClr val="lt1"/>
+          </a:fontRef>
+        </p:style>
+      </p:pic>
+    </p:spTree>
+    <p:extLst>
+      <p:ext uri="{BB962C8B-B14F-4D97-AF65-F5344CB8AC3E}">
+        <p14:creationId xmlns:p14="http://schemas.microsoft.com/office/powerpoint/2010/main" val="3987225809"/>
+      </p:ext>
+    </p:extLst>
+  </p:cSld>
+  <p:clrMapOvr>
+    <a:masterClrMapping/>
+  </p:clrMapOvr>
+  <mc:AlternateContent xmlns:mc="http://schemas.openxmlformats.org/markup-compatibility/2006" xmlns:p14="http://schemas.microsoft.com/office/powerpoint/2010/main">
+    <mc:Choice Requires="p14">
+      <p:transition p14:dur="0" advClick="0"/>
+    </mc:Choice>
+    <mc:Fallback xmlns="">
+      <p:transition advClick="0"/>
+    </mc:Fallback>
+  </mc:AlternateContent>
+</p:sld>
+</file>
+
+<file path=ppt/slides/slide29.xml><?xml version="1.0" encoding="utf-8"?>
 <p:sld xmlns:a="http://schemas.openxmlformats.org/drawingml/2006/main" xmlns:r="http://schemas.openxmlformats.org/officeDocument/2006/relationships" xmlns:p="http://schemas.openxmlformats.org/presentationml/2006/main">
   <p:cSld>
     <p:spTree>

--- a/Java_2021/Deploying to Amazon Cloud. AWS EC2/Deploying to Amazon Cloud. AWS EC2.pptx
+++ b/Java_2021/Deploying to Amazon Cloud. AWS EC2/Deploying to Amazon Cloud. AWS EC2.pptx
@@ -250,7 +250,7 @@
           <a:p>
             <a:fld id="{62274EC6-3890-417B-9308-14EFBD00FA63}" type="datetimeFigureOut">
               <a:rPr lang="en-US" smtClean="0"/>
-              <a:t>4/22/2022</a:t>
+              <a:t>4/25/2022</a:t>
             </a:fld>
             <a:endParaRPr lang="en-US" dirty="0"/>
           </a:p>
@@ -3278,7 +3278,7 @@
             <a:fld id="{1D8BD707-D9CF-40AE-B4C6-C98DA3205C09}" type="datetimeFigureOut">
               <a:rPr lang="en-US" smtClean="0"/>
               <a:pPr/>
-              <a:t>4/22/2022</a:t>
+              <a:t>4/25/2022</a:t>
             </a:fld>
             <a:endParaRPr lang="en-US" dirty="0"/>
           </a:p>
@@ -3456,7 +3456,7 @@
             <a:fld id="{1D8BD707-D9CF-40AE-B4C6-C98DA3205C09}" type="datetimeFigureOut">
               <a:rPr lang="en-US" smtClean="0"/>
               <a:pPr/>
-              <a:t>4/22/2022</a:t>
+              <a:t>4/25/2022</a:t>
             </a:fld>
             <a:endParaRPr lang="en-US" dirty="0"/>
           </a:p>
@@ -3644,7 +3644,7 @@
             <a:fld id="{1D8BD707-D9CF-40AE-B4C6-C98DA3205C09}" type="datetimeFigureOut">
               <a:rPr lang="en-US" smtClean="0"/>
               <a:pPr/>
-              <a:t>4/22/2022</a:t>
+              <a:t>4/25/2022</a:t>
             </a:fld>
             <a:endParaRPr lang="en-US" dirty="0"/>
           </a:p>
@@ -3822,7 +3822,7 @@
             <a:fld id="{1D8BD707-D9CF-40AE-B4C6-C98DA3205C09}" type="datetimeFigureOut">
               <a:rPr lang="en-US" smtClean="0"/>
               <a:pPr/>
-              <a:t>4/22/2022</a:t>
+              <a:t>4/25/2022</a:t>
             </a:fld>
             <a:endParaRPr lang="en-US" dirty="0"/>
           </a:p>
@@ -4077,7 +4077,7 @@
             <a:fld id="{1D8BD707-D9CF-40AE-B4C6-C98DA3205C09}" type="datetimeFigureOut">
               <a:rPr lang="en-US" smtClean="0"/>
               <a:pPr/>
-              <a:t>4/22/2022</a:t>
+              <a:t>4/25/2022</a:t>
             </a:fld>
             <a:endParaRPr lang="en-US" dirty="0"/>
           </a:p>
@@ -4372,7 +4372,7 @@
             <a:fld id="{1D8BD707-D9CF-40AE-B4C6-C98DA3205C09}" type="datetimeFigureOut">
               <a:rPr lang="en-US" smtClean="0"/>
               <a:pPr/>
-              <a:t>4/22/2022</a:t>
+              <a:t>4/25/2022</a:t>
             </a:fld>
             <a:endParaRPr lang="en-US" dirty="0"/>
           </a:p>
@@ -4806,7 +4806,7 @@
             <a:fld id="{1D8BD707-D9CF-40AE-B4C6-C98DA3205C09}" type="datetimeFigureOut">
               <a:rPr lang="en-US" smtClean="0"/>
               <a:pPr/>
-              <a:t>4/22/2022</a:t>
+              <a:t>4/25/2022</a:t>
             </a:fld>
             <a:endParaRPr lang="en-US" dirty="0"/>
           </a:p>
@@ -4933,7 +4933,7 @@
             <a:fld id="{1D8BD707-D9CF-40AE-B4C6-C98DA3205C09}" type="datetimeFigureOut">
               <a:rPr lang="en-US" smtClean="0"/>
               <a:pPr/>
-              <a:t>4/22/2022</a:t>
+              <a:t>4/25/2022</a:t>
             </a:fld>
             <a:endParaRPr lang="en-US" dirty="0"/>
           </a:p>
@@ -5038,7 +5038,7 @@
             <a:fld id="{1D8BD707-D9CF-40AE-B4C6-C98DA3205C09}" type="datetimeFigureOut">
               <a:rPr lang="en-US" smtClean="0"/>
               <a:pPr/>
-              <a:t>4/22/2022</a:t>
+              <a:t>4/25/2022</a:t>
             </a:fld>
             <a:endParaRPr lang="en-US" dirty="0"/>
           </a:p>
@@ -5323,7 +5323,7 @@
             <a:fld id="{1D8BD707-D9CF-40AE-B4C6-C98DA3205C09}" type="datetimeFigureOut">
               <a:rPr lang="en-US" smtClean="0"/>
               <a:pPr/>
-              <a:t>4/22/2022</a:t>
+              <a:t>4/25/2022</a:t>
             </a:fld>
             <a:endParaRPr lang="en-US" dirty="0"/>
           </a:p>
@@ -5585,7 +5585,7 @@
             <a:fld id="{1D8BD707-D9CF-40AE-B4C6-C98DA3205C09}" type="datetimeFigureOut">
               <a:rPr lang="en-US" smtClean="0"/>
               <a:pPr/>
-              <a:t>4/22/2022</a:t>
+              <a:t>4/25/2022</a:t>
             </a:fld>
             <a:endParaRPr lang="en-US" dirty="0"/>
           </a:p>
@@ -5806,7 +5806,7 @@
             <a:fld id="{1D8BD707-D9CF-40AE-B4C6-C98DA3205C09}" type="datetimeFigureOut">
               <a:rPr lang="en-US" smtClean="0"/>
               <a:pPr/>
-              <a:t>4/22/2022</a:t>
+              <a:t>4/25/2022</a:t>
             </a:fld>
             <a:endParaRPr lang="en-US" dirty="0"/>
           </a:p>
@@ -14424,7 +14424,7 @@
         <p:spPr>
           <a:xfrm>
             <a:off x="207436" y="4689346"/>
-            <a:ext cx="11832164" cy="2031325"/>
+            <a:ext cx="11832164" cy="1569660"/>
           </a:xfrm>
           <a:prstGeom prst="rect">
             <a:avLst/>
@@ -14440,20 +14440,20 @@
           <a:lstStyle/>
           <a:p>
             <a:r>
-              <a:rPr lang="en-US" sz="1800" b="1" dirty="0">
+              <a:rPr lang="en-US" sz="1600" b="1" dirty="0">
                 <a:latin typeface="roboto"/>
               </a:rPr>
               <a:t>Note:</a:t>
             </a:r>
             <a:r>
-              <a:rPr lang="en-US" sz="1800" dirty="0">
+              <a:rPr lang="en-US" sz="1600" dirty="0">
                 <a:latin typeface="roboto"/>
               </a:rPr>
               <a:t> </a:t>
             </a:r>
           </a:p>
           <a:p>
-            <a:endParaRPr lang="en-US" sz="1800" dirty="0">
+            <a:endParaRPr lang="en-US" sz="1600" dirty="0">
               <a:latin typeface="roboto"/>
             </a:endParaRPr>
           </a:p>
@@ -14463,19 +14463,19 @@
               <a:buChar char="ü"/>
             </a:pPr>
             <a:r>
-              <a:rPr lang="en-US" sz="1800" dirty="0">
+              <a:rPr lang="en-US" sz="1600" dirty="0">
                 <a:latin typeface="roboto"/>
               </a:rPr>
               <a:t>Only root users and users added to the </a:t>
             </a:r>
             <a:r>
-              <a:rPr lang="en-US" sz="1800" dirty="0" err="1">
+              <a:rPr lang="en-US" sz="1600" dirty="0" err="1">
                 <a:latin typeface="roboto"/>
               </a:rPr>
               <a:t>sudousers</a:t>
             </a:r>
             <a:r>
-              <a:rPr lang="en-US" sz="1800" dirty="0">
+              <a:rPr lang="en-US" sz="1600" dirty="0">
                 <a:latin typeface="roboto"/>
               </a:rPr>
               <a:t> group have permission to install and remove packages in Linux OS.</a:t>
@@ -14486,7 +14486,7 @@
               <a:buFont typeface="Wingdings" panose="05000000000000000000" pitchFamily="2" charset="2"/>
               <a:buChar char="ü"/>
             </a:pPr>
-            <a:endParaRPr lang="en-US" sz="1800" dirty="0">
+            <a:endParaRPr lang="en-US" sz="1600" dirty="0">
               <a:latin typeface="roboto"/>
             </a:endParaRPr>
           </a:p>
@@ -14496,11 +14496,11 @@
               <a:buChar char="ü"/>
             </a:pPr>
             <a:r>
-              <a:rPr lang="en-US" sz="1800" dirty="0" err="1"/>
+              <a:rPr lang="en-US" sz="1600" dirty="0" err="1"/>
               <a:t>Uncesscerary</a:t>
             </a:r>
             <a:r>
-              <a:rPr lang="en-US" sz="1800" dirty="0"/>
+              <a:rPr lang="en-US" sz="1600" dirty="0"/>
               <a:t> packages slow down system performance and take up storage space. If specific software isn’t being used, then it’s best to remove it, and doing so is easy.</a:t>
             </a:r>
           </a:p>
